--- a/Open.Classes.Project.Interim.Presentation.pptx
+++ b/Open.Classes.Project.Interim.Presentation.pptx
@@ -2,18 +2,19 @@
 <file path=ppt/presentation.xml><?xml version="1.0" encoding="utf-8"?>
 <p:presentation xmlns:a="http://schemas.openxmlformats.org/drawingml/2006/main" xmlns:r="http://schemas.openxmlformats.org/officeDocument/2006/relationships" xmlns:p="http://schemas.openxmlformats.org/presentationml/2006/main" saveSubsetFonts="1">
   <p:sldMasterIdLst>
-    <p:sldMasterId id="2147483648" r:id="rId1"/>
+    <p:sldMasterId id="2147483677" r:id="rId1"/>
   </p:sldMasterIdLst>
   <p:sldIdLst>
     <p:sldId id="256" r:id="rId2"/>
     <p:sldId id="257" r:id="rId3"/>
     <p:sldId id="258" r:id="rId4"/>
     <p:sldId id="259" r:id="rId5"/>
-    <p:sldId id="260" r:id="rId6"/>
-    <p:sldId id="263" r:id="rId7"/>
-    <p:sldId id="261" r:id="rId8"/>
-    <p:sldId id="262" r:id="rId9"/>
-    <p:sldId id="264" r:id="rId10"/>
+    <p:sldId id="265" r:id="rId6"/>
+    <p:sldId id="260" r:id="rId7"/>
+    <p:sldId id="263" r:id="rId8"/>
+    <p:sldId id="261" r:id="rId9"/>
+    <p:sldId id="262" r:id="rId10"/>
+    <p:sldId id="264" r:id="rId11"/>
   </p:sldIdLst>
   <p:sldSz cx="12192000" cy="6858000"/>
   <p:notesSz cx="6858000" cy="9144000"/>
@@ -112,11 +113,16 @@
       </a:defRPr>
     </a:lvl9pPr>
   </p:defaultTextStyle>
+  <p:extLst>
+    <p:ext uri="{EFAFB233-063F-42B5-8137-9DF3F51BA10A}">
+      <p15:sldGuideLst xmlns:p15="http://schemas.microsoft.com/office/powerpoint/2012/main"/>
+    </p:ext>
+  </p:extLst>
 </p:presentation>
 </file>
 
 <file path=ppt/slideLayouts/slideLayout1.xml><?xml version="1.0" encoding="utf-8"?>
-<p:sldLayout xmlns:a="http://schemas.openxmlformats.org/drawingml/2006/main" xmlns:r="http://schemas.openxmlformats.org/officeDocument/2006/relationships" xmlns:p="http://schemas.openxmlformats.org/presentationml/2006/main" type="title" preserve="1">
+<p:sldLayout xmlns:a="http://schemas.openxmlformats.org/drawingml/2006/main" xmlns:r="http://schemas.openxmlformats.org/officeDocument/2006/relationships" xmlns:p="http://schemas.openxmlformats.org/presentationml/2006/main" showMasterSp="0" type="title" preserve="1">
   <p:cSld name="Title Slide">
     <p:spTree>
       <p:nvGrpSpPr>
@@ -132,6 +138,559 @@
           <a:chExt cx="0" cy="0"/>
         </a:xfrm>
       </p:grpSpPr>
+      <p:grpSp>
+        <p:nvGrpSpPr>
+          <p:cNvPr id="16" name="Group 15"/>
+          <p:cNvGrpSpPr/>
+          <p:nvPr/>
+        </p:nvGrpSpPr>
+        <p:grpSpPr>
+          <a:xfrm>
+            <a:off x="0" y="-8467"/>
+            <a:ext cx="12192000" cy="6866467"/>
+            <a:chOff x="0" y="-8467"/>
+            <a:chExt cx="12192000" cy="6866467"/>
+          </a:xfrm>
+        </p:grpSpPr>
+        <p:sp>
+          <p:nvSpPr>
+            <p:cNvPr id="15" name="Freeform 14"/>
+            <p:cNvSpPr/>
+            <p:nvPr/>
+          </p:nvSpPr>
+          <p:spPr>
+            <a:xfrm>
+              <a:off x="0" y="-7862"/>
+              <a:ext cx="863600" cy="5698067"/>
+            </a:xfrm>
+            <a:custGeom>
+              <a:avLst/>
+              <a:gdLst/>
+              <a:ahLst/>
+              <a:cxnLst/>
+              <a:rect l="l" t="t" r="r" b="b"/>
+              <a:pathLst>
+                <a:path w="863600" h="5698067">
+                  <a:moveTo>
+                    <a:pt x="0" y="8467"/>
+                  </a:moveTo>
+                  <a:lnTo>
+                    <a:pt x="863600" y="0"/>
+                  </a:lnTo>
+                  <a:lnTo>
+                    <a:pt x="863600" y="16934"/>
+                  </a:lnTo>
+                  <a:lnTo>
+                    <a:pt x="0" y="5698067"/>
+                  </a:lnTo>
+                  <a:lnTo>
+                    <a:pt x="0" y="8467"/>
+                  </a:lnTo>
+                  <a:close/>
+                </a:path>
+              </a:pathLst>
+            </a:custGeom>
+            <a:solidFill>
+              <a:schemeClr val="accent1">
+                <a:alpha val="70000"/>
+              </a:schemeClr>
+            </a:solidFill>
+            <a:ln>
+              <a:noFill/>
+            </a:ln>
+            <a:effectLst/>
+          </p:spPr>
+          <p:style>
+            <a:lnRef idx="1">
+              <a:schemeClr val="accent1"/>
+            </a:lnRef>
+            <a:fillRef idx="3">
+              <a:schemeClr val="accent1"/>
+            </a:fillRef>
+            <a:effectRef idx="2">
+              <a:schemeClr val="accent1"/>
+            </a:effectRef>
+            <a:fontRef idx="minor">
+              <a:schemeClr val="lt1"/>
+            </a:fontRef>
+          </p:style>
+        </p:sp>
+        <p:cxnSp>
+          <p:nvCxnSpPr>
+            <p:cNvPr id="19" name="Straight Connector 18"/>
+            <p:cNvCxnSpPr/>
+            <p:nvPr/>
+          </p:nvCxnSpPr>
+          <p:spPr>
+            <a:xfrm>
+              <a:off x="9371012" y="0"/>
+              <a:ext cx="1219200" cy="6858000"/>
+            </a:xfrm>
+            <a:prstGeom prst="line">
+              <a:avLst/>
+            </a:prstGeom>
+            <a:ln w="9525">
+              <a:solidFill>
+                <a:schemeClr val="accent1">
+                  <a:alpha val="70000"/>
+                </a:schemeClr>
+              </a:solidFill>
+            </a:ln>
+          </p:spPr>
+          <p:style>
+            <a:lnRef idx="2">
+              <a:schemeClr val="accent1"/>
+            </a:lnRef>
+            <a:fillRef idx="0">
+              <a:schemeClr val="accent1"/>
+            </a:fillRef>
+            <a:effectRef idx="1">
+              <a:schemeClr val="accent1"/>
+            </a:effectRef>
+            <a:fontRef idx="minor">
+              <a:schemeClr val="tx1"/>
+            </a:fontRef>
+          </p:style>
+        </p:cxnSp>
+        <p:cxnSp>
+          <p:nvCxnSpPr>
+            <p:cNvPr id="20" name="Straight Connector 19"/>
+            <p:cNvCxnSpPr/>
+            <p:nvPr/>
+          </p:nvCxnSpPr>
+          <p:spPr>
+            <a:xfrm flipH="1">
+              <a:off x="7425267" y="3681413"/>
+              <a:ext cx="4763558" cy="3176587"/>
+            </a:xfrm>
+            <a:prstGeom prst="line">
+              <a:avLst/>
+            </a:prstGeom>
+            <a:ln w="9525">
+              <a:solidFill>
+                <a:schemeClr val="accent1">
+                  <a:alpha val="70000"/>
+                </a:schemeClr>
+              </a:solidFill>
+            </a:ln>
+          </p:spPr>
+          <p:style>
+            <a:lnRef idx="2">
+              <a:schemeClr val="accent1"/>
+            </a:lnRef>
+            <a:fillRef idx="0">
+              <a:schemeClr val="accent1"/>
+            </a:fillRef>
+            <a:effectRef idx="1">
+              <a:schemeClr val="accent1"/>
+            </a:effectRef>
+            <a:fontRef idx="minor">
+              <a:schemeClr val="tx1"/>
+            </a:fontRef>
+          </p:style>
+        </p:cxnSp>
+        <p:sp>
+          <p:nvSpPr>
+            <p:cNvPr id="21" name="Rectangle 23"/>
+            <p:cNvSpPr/>
+            <p:nvPr/>
+          </p:nvSpPr>
+          <p:spPr>
+            <a:xfrm>
+              <a:off x="9181476" y="-8467"/>
+              <a:ext cx="3007349" cy="6866467"/>
+            </a:xfrm>
+            <a:custGeom>
+              <a:avLst/>
+              <a:gdLst/>
+              <a:ahLst/>
+              <a:cxnLst/>
+              <a:rect l="l" t="t" r="r" b="b"/>
+              <a:pathLst>
+                <a:path w="3007349" h="6866467">
+                  <a:moveTo>
+                    <a:pt x="2045532" y="0"/>
+                  </a:moveTo>
+                  <a:lnTo>
+                    <a:pt x="3007349" y="0"/>
+                  </a:lnTo>
+                  <a:lnTo>
+                    <a:pt x="3007349" y="6866467"/>
+                  </a:lnTo>
+                  <a:lnTo>
+                    <a:pt x="0" y="6866467"/>
+                  </a:lnTo>
+                  <a:lnTo>
+                    <a:pt x="2045532" y="0"/>
+                  </a:lnTo>
+                  <a:close/>
+                </a:path>
+              </a:pathLst>
+            </a:custGeom>
+            <a:solidFill>
+              <a:schemeClr val="accent1">
+                <a:alpha val="36000"/>
+              </a:schemeClr>
+            </a:solidFill>
+            <a:ln>
+              <a:noFill/>
+            </a:ln>
+            <a:effectLst/>
+          </p:spPr>
+          <p:style>
+            <a:lnRef idx="1">
+              <a:schemeClr val="accent1"/>
+            </a:lnRef>
+            <a:fillRef idx="3">
+              <a:schemeClr val="accent1"/>
+            </a:fillRef>
+            <a:effectRef idx="2">
+              <a:schemeClr val="accent1"/>
+            </a:effectRef>
+            <a:fontRef idx="minor">
+              <a:schemeClr val="lt1"/>
+            </a:fontRef>
+          </p:style>
+        </p:sp>
+        <p:sp>
+          <p:nvSpPr>
+            <p:cNvPr id="22" name="Rectangle 25"/>
+            <p:cNvSpPr/>
+            <p:nvPr/>
+          </p:nvSpPr>
+          <p:spPr>
+            <a:xfrm>
+              <a:off x="9603442" y="-8467"/>
+              <a:ext cx="2588558" cy="6866467"/>
+            </a:xfrm>
+            <a:custGeom>
+              <a:avLst/>
+              <a:gdLst/>
+              <a:ahLst/>
+              <a:cxnLst/>
+              <a:rect l="l" t="t" r="r" b="b"/>
+              <a:pathLst>
+                <a:path w="2573311" h="6866467">
+                  <a:moveTo>
+                    <a:pt x="0" y="0"/>
+                  </a:moveTo>
+                  <a:lnTo>
+                    <a:pt x="2573311" y="0"/>
+                  </a:lnTo>
+                  <a:lnTo>
+                    <a:pt x="2573311" y="6866467"/>
+                  </a:lnTo>
+                  <a:lnTo>
+                    <a:pt x="1202336" y="6866467"/>
+                  </a:lnTo>
+                  <a:lnTo>
+                    <a:pt x="0" y="0"/>
+                  </a:lnTo>
+                  <a:close/>
+                </a:path>
+              </a:pathLst>
+            </a:custGeom>
+            <a:solidFill>
+              <a:schemeClr val="accent1">
+                <a:alpha val="20000"/>
+              </a:schemeClr>
+            </a:solidFill>
+            <a:ln>
+              <a:noFill/>
+            </a:ln>
+            <a:effectLst/>
+          </p:spPr>
+          <p:style>
+            <a:lnRef idx="1">
+              <a:schemeClr val="accent1"/>
+            </a:lnRef>
+            <a:fillRef idx="3">
+              <a:schemeClr val="accent1"/>
+            </a:fillRef>
+            <a:effectRef idx="2">
+              <a:schemeClr val="accent1"/>
+            </a:effectRef>
+            <a:fontRef idx="minor">
+              <a:schemeClr val="lt1"/>
+            </a:fontRef>
+          </p:style>
+        </p:sp>
+        <p:sp>
+          <p:nvSpPr>
+            <p:cNvPr id="23" name="Isosceles Triangle 22"/>
+            <p:cNvSpPr/>
+            <p:nvPr/>
+          </p:nvSpPr>
+          <p:spPr>
+            <a:xfrm>
+              <a:off x="8932333" y="3048000"/>
+              <a:ext cx="3259667" cy="3810000"/>
+            </a:xfrm>
+            <a:prstGeom prst="triangle">
+              <a:avLst>
+                <a:gd name="adj" fmla="val 100000"/>
+              </a:avLst>
+            </a:prstGeom>
+            <a:solidFill>
+              <a:schemeClr val="accent1">
+                <a:lumMod val="75000"/>
+                <a:alpha val="66000"/>
+              </a:schemeClr>
+            </a:solidFill>
+            <a:ln>
+              <a:noFill/>
+            </a:ln>
+            <a:effectLst/>
+          </p:spPr>
+          <p:style>
+            <a:lnRef idx="1">
+              <a:schemeClr val="accent1"/>
+            </a:lnRef>
+            <a:fillRef idx="3">
+              <a:schemeClr val="accent1"/>
+            </a:fillRef>
+            <a:effectRef idx="2">
+              <a:schemeClr val="accent1"/>
+            </a:effectRef>
+            <a:fontRef idx="minor">
+              <a:schemeClr val="lt1"/>
+            </a:fontRef>
+          </p:style>
+        </p:sp>
+        <p:sp>
+          <p:nvSpPr>
+            <p:cNvPr id="24" name="Rectangle 27"/>
+            <p:cNvSpPr/>
+            <p:nvPr/>
+          </p:nvSpPr>
+          <p:spPr>
+            <a:xfrm>
+              <a:off x="9334500" y="-8467"/>
+              <a:ext cx="2854326" cy="6866467"/>
+            </a:xfrm>
+            <a:custGeom>
+              <a:avLst/>
+              <a:gdLst/>
+              <a:ahLst/>
+              <a:cxnLst/>
+              <a:rect l="l" t="t" r="r" b="b"/>
+              <a:pathLst>
+                <a:path w="2858013" h="6866467">
+                  <a:moveTo>
+                    <a:pt x="0" y="0"/>
+                  </a:moveTo>
+                  <a:lnTo>
+                    <a:pt x="2858013" y="0"/>
+                  </a:lnTo>
+                  <a:lnTo>
+                    <a:pt x="2858013" y="6866467"/>
+                  </a:lnTo>
+                  <a:lnTo>
+                    <a:pt x="2473942" y="6866467"/>
+                  </a:lnTo>
+                  <a:lnTo>
+                    <a:pt x="0" y="0"/>
+                  </a:lnTo>
+                  <a:close/>
+                </a:path>
+              </a:pathLst>
+            </a:custGeom>
+            <a:solidFill>
+              <a:schemeClr val="accent1">
+                <a:lumMod val="75000"/>
+                <a:alpha val="50000"/>
+              </a:schemeClr>
+            </a:solidFill>
+            <a:ln>
+              <a:noFill/>
+            </a:ln>
+            <a:effectLst/>
+          </p:spPr>
+          <p:style>
+            <a:lnRef idx="1">
+              <a:schemeClr val="accent1"/>
+            </a:lnRef>
+            <a:fillRef idx="3">
+              <a:schemeClr val="accent1"/>
+            </a:fillRef>
+            <a:effectRef idx="2">
+              <a:schemeClr val="accent1"/>
+            </a:effectRef>
+            <a:fontRef idx="minor">
+              <a:schemeClr val="lt1"/>
+            </a:fontRef>
+          </p:style>
+        </p:sp>
+        <p:sp>
+          <p:nvSpPr>
+            <p:cNvPr id="25" name="Rectangle 28"/>
+            <p:cNvSpPr/>
+            <p:nvPr/>
+          </p:nvSpPr>
+          <p:spPr>
+            <a:xfrm>
+              <a:off x="10898730" y="-8467"/>
+              <a:ext cx="1290094" cy="6866467"/>
+            </a:xfrm>
+            <a:custGeom>
+              <a:avLst/>
+              <a:gdLst/>
+              <a:ahLst/>
+              <a:cxnLst/>
+              <a:rect l="l" t="t" r="r" b="b"/>
+              <a:pathLst>
+                <a:path w="1290094" h="6858000">
+                  <a:moveTo>
+                    <a:pt x="1019735" y="0"/>
+                  </a:moveTo>
+                  <a:lnTo>
+                    <a:pt x="1290094" y="0"/>
+                  </a:lnTo>
+                  <a:lnTo>
+                    <a:pt x="1290094" y="6858000"/>
+                  </a:lnTo>
+                  <a:lnTo>
+                    <a:pt x="0" y="6858000"/>
+                  </a:lnTo>
+                  <a:lnTo>
+                    <a:pt x="1019735" y="0"/>
+                  </a:lnTo>
+                  <a:close/>
+                </a:path>
+              </a:pathLst>
+            </a:custGeom>
+            <a:solidFill>
+              <a:schemeClr val="accent2">
+                <a:alpha val="70000"/>
+              </a:schemeClr>
+            </a:solidFill>
+            <a:ln>
+              <a:noFill/>
+            </a:ln>
+            <a:effectLst/>
+          </p:spPr>
+          <p:style>
+            <a:lnRef idx="1">
+              <a:schemeClr val="accent1"/>
+            </a:lnRef>
+            <a:fillRef idx="3">
+              <a:schemeClr val="accent1"/>
+            </a:fillRef>
+            <a:effectRef idx="2">
+              <a:schemeClr val="accent1"/>
+            </a:effectRef>
+            <a:fontRef idx="minor">
+              <a:schemeClr val="lt1"/>
+            </a:fontRef>
+          </p:style>
+        </p:sp>
+        <p:sp>
+          <p:nvSpPr>
+            <p:cNvPr id="26" name="Rectangle 29"/>
+            <p:cNvSpPr/>
+            <p:nvPr/>
+          </p:nvSpPr>
+          <p:spPr>
+            <a:xfrm>
+              <a:off x="10938999" y="-8467"/>
+              <a:ext cx="1249825" cy="6866467"/>
+            </a:xfrm>
+            <a:custGeom>
+              <a:avLst/>
+              <a:gdLst/>
+              <a:ahLst/>
+              <a:cxnLst/>
+              <a:rect l="l" t="t" r="r" b="b"/>
+              <a:pathLst>
+                <a:path w="1249825" h="6858000">
+                  <a:moveTo>
+                    <a:pt x="0" y="0"/>
+                  </a:moveTo>
+                  <a:lnTo>
+                    <a:pt x="1249825" y="0"/>
+                  </a:lnTo>
+                  <a:lnTo>
+                    <a:pt x="1249825" y="6858000"/>
+                  </a:lnTo>
+                  <a:lnTo>
+                    <a:pt x="1109382" y="6858000"/>
+                  </a:lnTo>
+                  <a:lnTo>
+                    <a:pt x="0" y="0"/>
+                  </a:lnTo>
+                  <a:close/>
+                </a:path>
+              </a:pathLst>
+            </a:custGeom>
+            <a:solidFill>
+              <a:schemeClr val="accent2">
+                <a:lumMod val="75000"/>
+                <a:alpha val="80000"/>
+              </a:schemeClr>
+            </a:solidFill>
+            <a:ln>
+              <a:noFill/>
+            </a:ln>
+            <a:effectLst/>
+          </p:spPr>
+          <p:style>
+            <a:lnRef idx="1">
+              <a:schemeClr val="accent1"/>
+            </a:lnRef>
+            <a:fillRef idx="3">
+              <a:schemeClr val="accent1"/>
+            </a:fillRef>
+            <a:effectRef idx="2">
+              <a:schemeClr val="accent1"/>
+            </a:effectRef>
+            <a:fontRef idx="minor">
+              <a:schemeClr val="lt1"/>
+            </a:fontRef>
+          </p:style>
+        </p:sp>
+        <p:sp>
+          <p:nvSpPr>
+            <p:cNvPr id="27" name="Isosceles Triangle 26"/>
+            <p:cNvSpPr/>
+            <p:nvPr/>
+          </p:nvSpPr>
+          <p:spPr>
+            <a:xfrm>
+              <a:off x="10371666" y="3589867"/>
+              <a:ext cx="1817159" cy="3268133"/>
+            </a:xfrm>
+            <a:prstGeom prst="triangle">
+              <a:avLst>
+                <a:gd name="adj" fmla="val 100000"/>
+              </a:avLst>
+            </a:prstGeom>
+            <a:solidFill>
+              <a:schemeClr val="accent1">
+                <a:lumMod val="75000"/>
+                <a:alpha val="66000"/>
+              </a:schemeClr>
+            </a:solidFill>
+            <a:ln>
+              <a:noFill/>
+            </a:ln>
+            <a:effectLst/>
+          </p:spPr>
+          <p:style>
+            <a:lnRef idx="1">
+              <a:schemeClr val="accent1"/>
+            </a:lnRef>
+            <a:fillRef idx="3">
+              <a:schemeClr val="accent1"/>
+            </a:fillRef>
+            <a:effectRef idx="2">
+              <a:schemeClr val="accent1"/>
+            </a:effectRef>
+            <a:fontRef idx="minor">
+              <a:schemeClr val="lt1"/>
+            </a:fontRef>
+          </p:style>
+        </p:sp>
+      </p:grpSp>
       <p:sp>
         <p:nvSpPr>
           <p:cNvPr id="2" name="Title 1"/>
@@ -144,23 +703,29 @@
         </p:nvSpPr>
         <p:spPr>
           <a:xfrm>
-            <a:off x="1524000" y="1122363"/>
-            <a:ext cx="9144000" cy="2387600"/>
+            <a:off x="1507067" y="2404534"/>
+            <a:ext cx="7766936" cy="1646302"/>
           </a:xfrm>
         </p:spPr>
         <p:txBody>
-          <a:bodyPr anchor="b"/>
+          <a:bodyPr anchor="b">
+            <a:noAutofit/>
+          </a:bodyPr>
           <a:lstStyle>
-            <a:lvl1pPr algn="ctr">
-              <a:defRPr sz="6000"/>
+            <a:lvl1pPr algn="r">
+              <a:defRPr sz="5400">
+                <a:solidFill>
+                  <a:schemeClr val="accent1"/>
+                </a:solidFill>
+              </a:defRPr>
             </a:lvl1pPr>
           </a:lstStyle>
           <a:p>
             <a:r>
-              <a:rPr lang="en-US"/>
+              <a:rPr lang="en-US" smtClean="0"/>
               <a:t>Click to edit Master title style</a:t>
             </a:r>
-            <a:endParaRPr lang="en-US"/>
+            <a:endParaRPr lang="en-US" dirty="0"/>
           </a:p>
         </p:txBody>
       </p:sp>
@@ -176,56 +741,111 @@
         </p:nvSpPr>
         <p:spPr>
           <a:xfrm>
-            <a:off x="1524000" y="3602038"/>
-            <a:ext cx="9144000" cy="1655762"/>
+            <a:off x="1507067" y="4050833"/>
+            <a:ext cx="7766936" cy="1096899"/>
           </a:xfrm>
         </p:spPr>
         <p:txBody>
-          <a:bodyPr/>
+          <a:bodyPr anchor="t"/>
           <a:lstStyle>
-            <a:lvl1pPr marL="0" indent="0" algn="ctr">
-              <a:buNone/>
-              <a:defRPr sz="2400"/>
+            <a:lvl1pPr marL="0" indent="0" algn="r">
+              <a:buNone/>
+              <a:defRPr>
+                <a:solidFill>
+                  <a:schemeClr val="tx1">
+                    <a:lumMod val="50000"/>
+                    <a:lumOff val="50000"/>
+                  </a:schemeClr>
+                </a:solidFill>
+              </a:defRPr>
             </a:lvl1pPr>
             <a:lvl2pPr marL="457200" indent="0" algn="ctr">
               <a:buNone/>
-              <a:defRPr sz="2000"/>
+              <a:defRPr>
+                <a:solidFill>
+                  <a:schemeClr val="tx1">
+                    <a:tint val="75000"/>
+                  </a:schemeClr>
+                </a:solidFill>
+              </a:defRPr>
             </a:lvl2pPr>
             <a:lvl3pPr marL="914400" indent="0" algn="ctr">
               <a:buNone/>
-              <a:defRPr sz="1800"/>
+              <a:defRPr>
+                <a:solidFill>
+                  <a:schemeClr val="tx1">
+                    <a:tint val="75000"/>
+                  </a:schemeClr>
+                </a:solidFill>
+              </a:defRPr>
             </a:lvl3pPr>
             <a:lvl4pPr marL="1371600" indent="0" algn="ctr">
               <a:buNone/>
-              <a:defRPr sz="1600"/>
+              <a:defRPr>
+                <a:solidFill>
+                  <a:schemeClr val="tx1">
+                    <a:tint val="75000"/>
+                  </a:schemeClr>
+                </a:solidFill>
+              </a:defRPr>
             </a:lvl4pPr>
             <a:lvl5pPr marL="1828800" indent="0" algn="ctr">
               <a:buNone/>
-              <a:defRPr sz="1600"/>
+              <a:defRPr>
+                <a:solidFill>
+                  <a:schemeClr val="tx1">
+                    <a:tint val="75000"/>
+                  </a:schemeClr>
+                </a:solidFill>
+              </a:defRPr>
             </a:lvl5pPr>
             <a:lvl6pPr marL="2286000" indent="0" algn="ctr">
               <a:buNone/>
-              <a:defRPr sz="1600"/>
+              <a:defRPr>
+                <a:solidFill>
+                  <a:schemeClr val="tx1">
+                    <a:tint val="75000"/>
+                  </a:schemeClr>
+                </a:solidFill>
+              </a:defRPr>
             </a:lvl6pPr>
             <a:lvl7pPr marL="2743200" indent="0" algn="ctr">
               <a:buNone/>
-              <a:defRPr sz="1600"/>
+              <a:defRPr>
+                <a:solidFill>
+                  <a:schemeClr val="tx1">
+                    <a:tint val="75000"/>
+                  </a:schemeClr>
+                </a:solidFill>
+              </a:defRPr>
             </a:lvl7pPr>
             <a:lvl8pPr marL="3200400" indent="0" algn="ctr">
               <a:buNone/>
-              <a:defRPr sz="1600"/>
+              <a:defRPr>
+                <a:solidFill>
+                  <a:schemeClr val="tx1">
+                    <a:tint val="75000"/>
+                  </a:schemeClr>
+                </a:solidFill>
+              </a:defRPr>
             </a:lvl8pPr>
             <a:lvl9pPr marL="3657600" indent="0" algn="ctr">
               <a:buNone/>
-              <a:defRPr sz="1600"/>
+              <a:defRPr>
+                <a:solidFill>
+                  <a:schemeClr val="tx1">
+                    <a:tint val="75000"/>
+                  </a:schemeClr>
+                </a:solidFill>
+              </a:defRPr>
             </a:lvl9pPr>
           </a:lstStyle>
           <a:p>
             <a:r>
-              <a:rPr lang="en-US"/>
+              <a:rPr lang="en-US" smtClean="0"/>
               <a:t>Click to edit Master subtitle style</a:t>
             </a:r>
-            <a:endParaRPr lang="en-US"/>
+            <a:endParaRPr lang="en-US" dirty="0"/>
           </a:p>
         </p:txBody>
       </p:sp>
@@ -246,7 +866,7 @@
           <a:p>
             <a:fld id="{F9217CA3-C83D-4696-B2B2-00C5226867BC}" type="datetimeFigureOut">
               <a:rPr lang="en-US" smtClean="0"/>
-              <a:t>2016-03-01</a:t>
+              <a:t>3/3/2016</a:t>
             </a:fld>
             <a:endParaRPr lang="en-US"/>
           </a:p>
@@ -297,7 +917,7 @@
     </p:spTree>
     <p:extLst>
       <p:ext uri="{BB962C8B-B14F-4D97-AF65-F5344CB8AC3E}">
-        <p14:creationId xmlns:p14="http://schemas.microsoft.com/office/powerpoint/2010/main" val="362003345"/>
+        <p14:creationId xmlns:p14="http://schemas.microsoft.com/office/powerpoint/2010/main" val="4268355851"/>
       </p:ext>
     </p:extLst>
   </p:cSld>
@@ -308,6 +928,1611 @@
 </file>
 
 <file path=ppt/slideLayouts/slideLayout10.xml><?xml version="1.0" encoding="utf-8"?>
+<p:sldLayout xmlns:a="http://schemas.openxmlformats.org/drawingml/2006/main" xmlns:r="http://schemas.openxmlformats.org/officeDocument/2006/relationships" xmlns:p="http://schemas.openxmlformats.org/presentationml/2006/main" preserve="1">
+  <p:cSld name="Title and Caption">
+    <p:spTree>
+      <p:nvGrpSpPr>
+        <p:cNvPr id="1" name=""/>
+        <p:cNvGrpSpPr/>
+        <p:nvPr/>
+      </p:nvGrpSpPr>
+      <p:grpSpPr>
+        <a:xfrm>
+          <a:off x="0" y="0"/>
+          <a:ext cx="0" cy="0"/>
+          <a:chOff x="0" y="0"/>
+          <a:chExt cx="0" cy="0"/>
+        </a:xfrm>
+      </p:grpSpPr>
+      <p:sp>
+        <p:nvSpPr>
+          <p:cNvPr id="2" name="Title 1"/>
+          <p:cNvSpPr>
+            <a:spLocks noGrp="1"/>
+          </p:cNvSpPr>
+          <p:nvPr>
+            <p:ph type="title"/>
+          </p:nvPr>
+        </p:nvSpPr>
+        <p:spPr>
+          <a:xfrm>
+            <a:off x="677335" y="609600"/>
+            <a:ext cx="8596668" cy="3403600"/>
+          </a:xfrm>
+        </p:spPr>
+        <p:txBody>
+          <a:bodyPr anchor="ctr">
+            <a:normAutofit/>
+          </a:bodyPr>
+          <a:lstStyle>
+            <a:lvl1pPr algn="l">
+              <a:defRPr sz="4400" b="0" cap="none"/>
+            </a:lvl1pPr>
+          </a:lstStyle>
+          <a:p>
+            <a:r>
+              <a:rPr lang="en-US" smtClean="0"/>
+              <a:t>Click to edit Master title style</a:t>
+            </a:r>
+            <a:endParaRPr lang="en-US" dirty="0"/>
+          </a:p>
+        </p:txBody>
+      </p:sp>
+      <p:sp>
+        <p:nvSpPr>
+          <p:cNvPr id="3" name="Text Placeholder 2"/>
+          <p:cNvSpPr>
+            <a:spLocks noGrp="1"/>
+          </p:cNvSpPr>
+          <p:nvPr>
+            <p:ph type="body" idx="1"/>
+          </p:nvPr>
+        </p:nvSpPr>
+        <p:spPr>
+          <a:xfrm>
+            <a:off x="677335" y="4470400"/>
+            <a:ext cx="8596668" cy="1570962"/>
+          </a:xfrm>
+        </p:spPr>
+        <p:txBody>
+          <a:bodyPr anchor="ctr">
+            <a:normAutofit/>
+          </a:bodyPr>
+          <a:lstStyle>
+            <a:lvl1pPr marL="0" indent="0" algn="l">
+              <a:buNone/>
+              <a:defRPr sz="1800">
+                <a:solidFill>
+                  <a:schemeClr val="tx1">
+                    <a:lumMod val="75000"/>
+                    <a:lumOff val="25000"/>
+                  </a:schemeClr>
+                </a:solidFill>
+              </a:defRPr>
+            </a:lvl1pPr>
+            <a:lvl2pPr marL="457200" indent="0">
+              <a:buNone/>
+              <a:defRPr sz="1800">
+                <a:solidFill>
+                  <a:schemeClr val="tx1">
+                    <a:tint val="75000"/>
+                  </a:schemeClr>
+                </a:solidFill>
+              </a:defRPr>
+            </a:lvl2pPr>
+            <a:lvl3pPr marL="914400" indent="0">
+              <a:buNone/>
+              <a:defRPr sz="1600">
+                <a:solidFill>
+                  <a:schemeClr val="tx1">
+                    <a:tint val="75000"/>
+                  </a:schemeClr>
+                </a:solidFill>
+              </a:defRPr>
+            </a:lvl3pPr>
+            <a:lvl4pPr marL="1371600" indent="0">
+              <a:buNone/>
+              <a:defRPr sz="1400">
+                <a:solidFill>
+                  <a:schemeClr val="tx1">
+                    <a:tint val="75000"/>
+                  </a:schemeClr>
+                </a:solidFill>
+              </a:defRPr>
+            </a:lvl4pPr>
+            <a:lvl5pPr marL="1828800" indent="0">
+              <a:buNone/>
+              <a:defRPr sz="1400">
+                <a:solidFill>
+                  <a:schemeClr val="tx1">
+                    <a:tint val="75000"/>
+                  </a:schemeClr>
+                </a:solidFill>
+              </a:defRPr>
+            </a:lvl5pPr>
+            <a:lvl6pPr marL="2286000" indent="0">
+              <a:buNone/>
+              <a:defRPr sz="1400">
+                <a:solidFill>
+                  <a:schemeClr val="tx1">
+                    <a:tint val="75000"/>
+                  </a:schemeClr>
+                </a:solidFill>
+              </a:defRPr>
+            </a:lvl6pPr>
+            <a:lvl7pPr marL="2743200" indent="0">
+              <a:buNone/>
+              <a:defRPr sz="1400">
+                <a:solidFill>
+                  <a:schemeClr val="tx1">
+                    <a:tint val="75000"/>
+                  </a:schemeClr>
+                </a:solidFill>
+              </a:defRPr>
+            </a:lvl7pPr>
+            <a:lvl8pPr marL="3200400" indent="0">
+              <a:buNone/>
+              <a:defRPr sz="1400">
+                <a:solidFill>
+                  <a:schemeClr val="tx1">
+                    <a:tint val="75000"/>
+                  </a:schemeClr>
+                </a:solidFill>
+              </a:defRPr>
+            </a:lvl8pPr>
+            <a:lvl9pPr marL="3657600" indent="0">
+              <a:buNone/>
+              <a:defRPr sz="1400">
+                <a:solidFill>
+                  <a:schemeClr val="tx1">
+                    <a:tint val="75000"/>
+                  </a:schemeClr>
+                </a:solidFill>
+              </a:defRPr>
+            </a:lvl9pPr>
+          </a:lstStyle>
+          <a:p>
+            <a:pPr lvl="0"/>
+            <a:r>
+              <a:rPr lang="en-US" smtClean="0"/>
+              <a:t>Click to edit Master text styles</a:t>
+            </a:r>
+          </a:p>
+        </p:txBody>
+      </p:sp>
+      <p:sp>
+        <p:nvSpPr>
+          <p:cNvPr id="4" name="Date Placeholder 3"/>
+          <p:cNvSpPr>
+            <a:spLocks noGrp="1"/>
+          </p:cNvSpPr>
+          <p:nvPr>
+            <p:ph type="dt" sz="half" idx="10"/>
+          </p:nvPr>
+        </p:nvSpPr>
+        <p:spPr/>
+        <p:txBody>
+          <a:bodyPr/>
+          <a:lstStyle/>
+          <a:p>
+            <a:fld id="{F9217CA3-C83D-4696-B2B2-00C5226867BC}" type="datetimeFigureOut">
+              <a:rPr lang="en-US" smtClean="0"/>
+              <a:t>3/3/2016</a:t>
+            </a:fld>
+            <a:endParaRPr lang="en-US"/>
+          </a:p>
+        </p:txBody>
+      </p:sp>
+      <p:sp>
+        <p:nvSpPr>
+          <p:cNvPr id="5" name="Footer Placeholder 4"/>
+          <p:cNvSpPr>
+            <a:spLocks noGrp="1"/>
+          </p:cNvSpPr>
+          <p:nvPr>
+            <p:ph type="ftr" sz="quarter" idx="11"/>
+          </p:nvPr>
+        </p:nvSpPr>
+        <p:spPr/>
+        <p:txBody>
+          <a:bodyPr/>
+          <a:lstStyle/>
+          <a:p>
+            <a:endParaRPr lang="en-US"/>
+          </a:p>
+        </p:txBody>
+      </p:sp>
+      <p:sp>
+        <p:nvSpPr>
+          <p:cNvPr id="6" name="Slide Number Placeholder 5"/>
+          <p:cNvSpPr>
+            <a:spLocks noGrp="1"/>
+          </p:cNvSpPr>
+          <p:nvPr>
+            <p:ph type="sldNum" sz="quarter" idx="12"/>
+          </p:nvPr>
+        </p:nvSpPr>
+        <p:spPr/>
+        <p:txBody>
+          <a:bodyPr/>
+          <a:lstStyle/>
+          <a:p>
+            <a:fld id="{B04E07E5-7211-45A0-B4D7-361A9281E2A0}" type="slidenum">
+              <a:rPr lang="en-US" smtClean="0"/>
+              <a:t>‹#›</a:t>
+            </a:fld>
+            <a:endParaRPr lang="en-US"/>
+          </a:p>
+        </p:txBody>
+      </p:sp>
+    </p:spTree>
+    <p:extLst>
+      <p:ext uri="{BB962C8B-B14F-4D97-AF65-F5344CB8AC3E}">
+        <p14:creationId xmlns:p14="http://schemas.microsoft.com/office/powerpoint/2010/main" val="1909410980"/>
+      </p:ext>
+    </p:extLst>
+  </p:cSld>
+  <p:clrMapOvr>
+    <a:masterClrMapping/>
+  </p:clrMapOvr>
+</p:sldLayout>
+</file>
+
+<file path=ppt/slideLayouts/slideLayout11.xml><?xml version="1.0" encoding="utf-8"?>
+<p:sldLayout xmlns:a="http://schemas.openxmlformats.org/drawingml/2006/main" xmlns:r="http://schemas.openxmlformats.org/officeDocument/2006/relationships" xmlns:p="http://schemas.openxmlformats.org/presentationml/2006/main" preserve="1">
+  <p:cSld name="Quote with Caption">
+    <p:spTree>
+      <p:nvGrpSpPr>
+        <p:cNvPr id="1" name=""/>
+        <p:cNvGrpSpPr/>
+        <p:nvPr/>
+      </p:nvGrpSpPr>
+      <p:grpSpPr>
+        <a:xfrm>
+          <a:off x="0" y="0"/>
+          <a:ext cx="0" cy="0"/>
+          <a:chOff x="0" y="0"/>
+          <a:chExt cx="0" cy="0"/>
+        </a:xfrm>
+      </p:grpSpPr>
+      <p:sp>
+        <p:nvSpPr>
+          <p:cNvPr id="2" name="Title 1"/>
+          <p:cNvSpPr>
+            <a:spLocks noGrp="1"/>
+          </p:cNvSpPr>
+          <p:nvPr>
+            <p:ph type="title"/>
+          </p:nvPr>
+        </p:nvSpPr>
+        <p:spPr>
+          <a:xfrm>
+            <a:off x="931334" y="609600"/>
+            <a:ext cx="8094134" cy="3022600"/>
+          </a:xfrm>
+        </p:spPr>
+        <p:txBody>
+          <a:bodyPr anchor="ctr">
+            <a:normAutofit/>
+          </a:bodyPr>
+          <a:lstStyle>
+            <a:lvl1pPr algn="l">
+              <a:defRPr sz="4400" b="0" cap="none"/>
+            </a:lvl1pPr>
+          </a:lstStyle>
+          <a:p>
+            <a:r>
+              <a:rPr lang="en-US" smtClean="0"/>
+              <a:t>Click to edit Master title style</a:t>
+            </a:r>
+            <a:endParaRPr lang="en-US" dirty="0"/>
+          </a:p>
+        </p:txBody>
+      </p:sp>
+      <p:sp>
+        <p:nvSpPr>
+          <p:cNvPr id="23" name="Text Placeholder 9"/>
+          <p:cNvSpPr>
+            <a:spLocks noGrp="1"/>
+          </p:cNvSpPr>
+          <p:nvPr>
+            <p:ph type="body" sz="quarter" idx="13"/>
+          </p:nvPr>
+        </p:nvSpPr>
+        <p:spPr>
+          <a:xfrm>
+            <a:off x="1366139" y="3632200"/>
+            <a:ext cx="7224524" cy="381000"/>
+          </a:xfrm>
+        </p:spPr>
+        <p:txBody>
+          <a:bodyPr anchor="ctr">
+            <a:noAutofit/>
+          </a:bodyPr>
+          <a:lstStyle>
+            <a:lvl1pPr marL="0" indent="0">
+              <a:buFontTx/>
+              <a:buNone/>
+              <a:defRPr sz="1600">
+                <a:solidFill>
+                  <a:schemeClr val="tx1">
+                    <a:lumMod val="50000"/>
+                    <a:lumOff val="50000"/>
+                  </a:schemeClr>
+                </a:solidFill>
+              </a:defRPr>
+            </a:lvl1pPr>
+            <a:lvl2pPr marL="457200" indent="0">
+              <a:buFontTx/>
+              <a:buNone/>
+              <a:defRPr/>
+            </a:lvl2pPr>
+            <a:lvl3pPr marL="914400" indent="0">
+              <a:buFontTx/>
+              <a:buNone/>
+              <a:defRPr/>
+            </a:lvl3pPr>
+            <a:lvl4pPr marL="1371600" indent="0">
+              <a:buFontTx/>
+              <a:buNone/>
+              <a:defRPr/>
+            </a:lvl4pPr>
+            <a:lvl5pPr marL="1828800" indent="0">
+              <a:buFontTx/>
+              <a:buNone/>
+              <a:defRPr/>
+            </a:lvl5pPr>
+          </a:lstStyle>
+          <a:p>
+            <a:pPr lvl="0"/>
+            <a:r>
+              <a:rPr lang="en-US" smtClean="0"/>
+              <a:t>Click to edit Master text styles</a:t>
+            </a:r>
+          </a:p>
+        </p:txBody>
+      </p:sp>
+      <p:sp>
+        <p:nvSpPr>
+          <p:cNvPr id="3" name="Text Placeholder 2"/>
+          <p:cNvSpPr>
+            <a:spLocks noGrp="1"/>
+          </p:cNvSpPr>
+          <p:nvPr>
+            <p:ph type="body" idx="1"/>
+          </p:nvPr>
+        </p:nvSpPr>
+        <p:spPr>
+          <a:xfrm>
+            <a:off x="677335" y="4470400"/>
+            <a:ext cx="8596668" cy="1570962"/>
+          </a:xfrm>
+        </p:spPr>
+        <p:txBody>
+          <a:bodyPr anchor="ctr">
+            <a:normAutofit/>
+          </a:bodyPr>
+          <a:lstStyle>
+            <a:lvl1pPr marL="0" indent="0" algn="l">
+              <a:buNone/>
+              <a:defRPr sz="1800">
+                <a:solidFill>
+                  <a:schemeClr val="tx1">
+                    <a:lumMod val="75000"/>
+                    <a:lumOff val="25000"/>
+                  </a:schemeClr>
+                </a:solidFill>
+              </a:defRPr>
+            </a:lvl1pPr>
+            <a:lvl2pPr marL="457200" indent="0">
+              <a:buNone/>
+              <a:defRPr sz="1800">
+                <a:solidFill>
+                  <a:schemeClr val="tx1">
+                    <a:tint val="75000"/>
+                  </a:schemeClr>
+                </a:solidFill>
+              </a:defRPr>
+            </a:lvl2pPr>
+            <a:lvl3pPr marL="914400" indent="0">
+              <a:buNone/>
+              <a:defRPr sz="1600">
+                <a:solidFill>
+                  <a:schemeClr val="tx1">
+                    <a:tint val="75000"/>
+                  </a:schemeClr>
+                </a:solidFill>
+              </a:defRPr>
+            </a:lvl3pPr>
+            <a:lvl4pPr marL="1371600" indent="0">
+              <a:buNone/>
+              <a:defRPr sz="1400">
+                <a:solidFill>
+                  <a:schemeClr val="tx1">
+                    <a:tint val="75000"/>
+                  </a:schemeClr>
+                </a:solidFill>
+              </a:defRPr>
+            </a:lvl4pPr>
+            <a:lvl5pPr marL="1828800" indent="0">
+              <a:buNone/>
+              <a:defRPr sz="1400">
+                <a:solidFill>
+                  <a:schemeClr val="tx1">
+                    <a:tint val="75000"/>
+                  </a:schemeClr>
+                </a:solidFill>
+              </a:defRPr>
+            </a:lvl5pPr>
+            <a:lvl6pPr marL="2286000" indent="0">
+              <a:buNone/>
+              <a:defRPr sz="1400">
+                <a:solidFill>
+                  <a:schemeClr val="tx1">
+                    <a:tint val="75000"/>
+                  </a:schemeClr>
+                </a:solidFill>
+              </a:defRPr>
+            </a:lvl6pPr>
+            <a:lvl7pPr marL="2743200" indent="0">
+              <a:buNone/>
+              <a:defRPr sz="1400">
+                <a:solidFill>
+                  <a:schemeClr val="tx1">
+                    <a:tint val="75000"/>
+                  </a:schemeClr>
+                </a:solidFill>
+              </a:defRPr>
+            </a:lvl7pPr>
+            <a:lvl8pPr marL="3200400" indent="0">
+              <a:buNone/>
+              <a:defRPr sz="1400">
+                <a:solidFill>
+                  <a:schemeClr val="tx1">
+                    <a:tint val="75000"/>
+                  </a:schemeClr>
+                </a:solidFill>
+              </a:defRPr>
+            </a:lvl8pPr>
+            <a:lvl9pPr marL="3657600" indent="0">
+              <a:buNone/>
+              <a:defRPr sz="1400">
+                <a:solidFill>
+                  <a:schemeClr val="tx1">
+                    <a:tint val="75000"/>
+                  </a:schemeClr>
+                </a:solidFill>
+              </a:defRPr>
+            </a:lvl9pPr>
+          </a:lstStyle>
+          <a:p>
+            <a:pPr lvl="0"/>
+            <a:r>
+              <a:rPr lang="en-US" smtClean="0"/>
+              <a:t>Click to edit Master text styles</a:t>
+            </a:r>
+          </a:p>
+        </p:txBody>
+      </p:sp>
+      <p:sp>
+        <p:nvSpPr>
+          <p:cNvPr id="4" name="Date Placeholder 3"/>
+          <p:cNvSpPr>
+            <a:spLocks noGrp="1"/>
+          </p:cNvSpPr>
+          <p:nvPr>
+            <p:ph type="dt" sz="half" idx="10"/>
+          </p:nvPr>
+        </p:nvSpPr>
+        <p:spPr/>
+        <p:txBody>
+          <a:bodyPr/>
+          <a:lstStyle/>
+          <a:p>
+            <a:fld id="{F9217CA3-C83D-4696-B2B2-00C5226867BC}" type="datetimeFigureOut">
+              <a:rPr lang="en-US" smtClean="0"/>
+              <a:t>3/3/2016</a:t>
+            </a:fld>
+            <a:endParaRPr lang="en-US"/>
+          </a:p>
+        </p:txBody>
+      </p:sp>
+      <p:sp>
+        <p:nvSpPr>
+          <p:cNvPr id="5" name="Footer Placeholder 4"/>
+          <p:cNvSpPr>
+            <a:spLocks noGrp="1"/>
+          </p:cNvSpPr>
+          <p:nvPr>
+            <p:ph type="ftr" sz="quarter" idx="11"/>
+          </p:nvPr>
+        </p:nvSpPr>
+        <p:spPr/>
+        <p:txBody>
+          <a:bodyPr/>
+          <a:lstStyle/>
+          <a:p>
+            <a:endParaRPr lang="en-US"/>
+          </a:p>
+        </p:txBody>
+      </p:sp>
+      <p:sp>
+        <p:nvSpPr>
+          <p:cNvPr id="6" name="Slide Number Placeholder 5"/>
+          <p:cNvSpPr>
+            <a:spLocks noGrp="1"/>
+          </p:cNvSpPr>
+          <p:nvPr>
+            <p:ph type="sldNum" sz="quarter" idx="12"/>
+          </p:nvPr>
+        </p:nvSpPr>
+        <p:spPr/>
+        <p:txBody>
+          <a:bodyPr/>
+          <a:lstStyle/>
+          <a:p>
+            <a:fld id="{B04E07E5-7211-45A0-B4D7-361A9281E2A0}" type="slidenum">
+              <a:rPr lang="en-US" smtClean="0"/>
+              <a:t>‹#›</a:t>
+            </a:fld>
+            <a:endParaRPr lang="en-US"/>
+          </a:p>
+        </p:txBody>
+      </p:sp>
+      <p:sp>
+        <p:nvSpPr>
+          <p:cNvPr id="24" name="TextBox 23"/>
+          <p:cNvSpPr txBox="1"/>
+          <p:nvPr/>
+        </p:nvSpPr>
+        <p:spPr>
+          <a:xfrm>
+            <a:off x="541870" y="790378"/>
+            <a:ext cx="609600" cy="584776"/>
+          </a:xfrm>
+          <a:prstGeom prst="rect">
+            <a:avLst/>
+          </a:prstGeom>
+        </p:spPr>
+        <p:txBody>
+          <a:bodyPr vert="horz" lIns="91440" tIns="45720" rIns="91440" bIns="45720" rtlCol="0" anchor="ctr">
+            <a:noAutofit/>
+          </a:bodyPr>
+          <a:lstStyle/>
+          <a:p>
+            <a:pPr lvl="0"/>
+            <a:r>
+              <a:rPr lang="en-US" sz="8000" baseline="0" dirty="0">
+                <a:ln w="3175" cmpd="sng">
+                  <a:noFill/>
+                </a:ln>
+                <a:solidFill>
+                  <a:schemeClr val="accent1">
+                    <a:lumMod val="60000"/>
+                    <a:lumOff val="40000"/>
+                  </a:schemeClr>
+                </a:solidFill>
+                <a:effectLst/>
+                <a:latin typeface="Arial"/>
+              </a:rPr>
+              <a:t>“</a:t>
+            </a:r>
+          </a:p>
+        </p:txBody>
+      </p:sp>
+      <p:sp>
+        <p:nvSpPr>
+          <p:cNvPr id="25" name="TextBox 24"/>
+          <p:cNvSpPr txBox="1"/>
+          <p:nvPr/>
+        </p:nvSpPr>
+        <p:spPr>
+          <a:xfrm>
+            <a:off x="8893011" y="2886556"/>
+            <a:ext cx="609600" cy="584776"/>
+          </a:xfrm>
+          <a:prstGeom prst="rect">
+            <a:avLst/>
+          </a:prstGeom>
+        </p:spPr>
+        <p:txBody>
+          <a:bodyPr vert="horz" lIns="91440" tIns="45720" rIns="91440" bIns="45720" rtlCol="0" anchor="ctr">
+            <a:noAutofit/>
+          </a:bodyPr>
+          <a:lstStyle/>
+          <a:p>
+            <a:pPr lvl="0"/>
+            <a:r>
+              <a:rPr lang="en-US" sz="8000" baseline="0" dirty="0">
+                <a:ln w="3175" cmpd="sng">
+                  <a:noFill/>
+                </a:ln>
+                <a:solidFill>
+                  <a:schemeClr val="accent1">
+                    <a:lumMod val="60000"/>
+                    <a:lumOff val="40000"/>
+                  </a:schemeClr>
+                </a:solidFill>
+                <a:effectLst/>
+                <a:latin typeface="Arial"/>
+              </a:rPr>
+              <a:t>”</a:t>
+            </a:r>
+          </a:p>
+        </p:txBody>
+      </p:sp>
+    </p:spTree>
+    <p:extLst>
+      <p:ext uri="{BB962C8B-B14F-4D97-AF65-F5344CB8AC3E}">
+        <p14:creationId xmlns:p14="http://schemas.microsoft.com/office/powerpoint/2010/main" val="128412865"/>
+      </p:ext>
+    </p:extLst>
+  </p:cSld>
+  <p:clrMapOvr>
+    <a:masterClrMapping/>
+  </p:clrMapOvr>
+</p:sldLayout>
+</file>
+
+<file path=ppt/slideLayouts/slideLayout12.xml><?xml version="1.0" encoding="utf-8"?>
+<p:sldLayout xmlns:a="http://schemas.openxmlformats.org/drawingml/2006/main" xmlns:r="http://schemas.openxmlformats.org/officeDocument/2006/relationships" xmlns:p="http://schemas.openxmlformats.org/presentationml/2006/main" preserve="1">
+  <p:cSld name="Name Card">
+    <p:spTree>
+      <p:nvGrpSpPr>
+        <p:cNvPr id="1" name=""/>
+        <p:cNvGrpSpPr/>
+        <p:nvPr/>
+      </p:nvGrpSpPr>
+      <p:grpSpPr>
+        <a:xfrm>
+          <a:off x="0" y="0"/>
+          <a:ext cx="0" cy="0"/>
+          <a:chOff x="0" y="0"/>
+          <a:chExt cx="0" cy="0"/>
+        </a:xfrm>
+      </p:grpSpPr>
+      <p:sp>
+        <p:nvSpPr>
+          <p:cNvPr id="2" name="Title 1"/>
+          <p:cNvSpPr>
+            <a:spLocks noGrp="1"/>
+          </p:cNvSpPr>
+          <p:nvPr>
+            <p:ph type="title"/>
+          </p:nvPr>
+        </p:nvSpPr>
+        <p:spPr>
+          <a:xfrm>
+            <a:off x="677335" y="1931988"/>
+            <a:ext cx="8596668" cy="2595460"/>
+          </a:xfrm>
+        </p:spPr>
+        <p:txBody>
+          <a:bodyPr anchor="b">
+            <a:normAutofit/>
+          </a:bodyPr>
+          <a:lstStyle>
+            <a:lvl1pPr algn="l">
+              <a:defRPr sz="4400" b="0" cap="none"/>
+            </a:lvl1pPr>
+          </a:lstStyle>
+          <a:p>
+            <a:r>
+              <a:rPr lang="en-US" smtClean="0"/>
+              <a:t>Click to edit Master title style</a:t>
+            </a:r>
+            <a:endParaRPr lang="en-US" dirty="0"/>
+          </a:p>
+        </p:txBody>
+      </p:sp>
+      <p:sp>
+        <p:nvSpPr>
+          <p:cNvPr id="3" name="Text Placeholder 2"/>
+          <p:cNvSpPr>
+            <a:spLocks noGrp="1"/>
+          </p:cNvSpPr>
+          <p:nvPr>
+            <p:ph type="body" idx="1"/>
+          </p:nvPr>
+        </p:nvSpPr>
+        <p:spPr>
+          <a:xfrm>
+            <a:off x="677335" y="4527448"/>
+            <a:ext cx="8596668" cy="1513914"/>
+          </a:xfrm>
+        </p:spPr>
+        <p:txBody>
+          <a:bodyPr anchor="t">
+            <a:normAutofit/>
+          </a:bodyPr>
+          <a:lstStyle>
+            <a:lvl1pPr marL="0" indent="0" algn="l">
+              <a:buNone/>
+              <a:defRPr sz="1800">
+                <a:solidFill>
+                  <a:schemeClr val="tx1">
+                    <a:lumMod val="75000"/>
+                    <a:lumOff val="25000"/>
+                  </a:schemeClr>
+                </a:solidFill>
+              </a:defRPr>
+            </a:lvl1pPr>
+            <a:lvl2pPr marL="457200" indent="0">
+              <a:buNone/>
+              <a:defRPr sz="1800">
+                <a:solidFill>
+                  <a:schemeClr val="tx1">
+                    <a:tint val="75000"/>
+                  </a:schemeClr>
+                </a:solidFill>
+              </a:defRPr>
+            </a:lvl2pPr>
+            <a:lvl3pPr marL="914400" indent="0">
+              <a:buNone/>
+              <a:defRPr sz="1600">
+                <a:solidFill>
+                  <a:schemeClr val="tx1">
+                    <a:tint val="75000"/>
+                  </a:schemeClr>
+                </a:solidFill>
+              </a:defRPr>
+            </a:lvl3pPr>
+            <a:lvl4pPr marL="1371600" indent="0">
+              <a:buNone/>
+              <a:defRPr sz="1400">
+                <a:solidFill>
+                  <a:schemeClr val="tx1">
+                    <a:tint val="75000"/>
+                  </a:schemeClr>
+                </a:solidFill>
+              </a:defRPr>
+            </a:lvl4pPr>
+            <a:lvl5pPr marL="1828800" indent="0">
+              <a:buNone/>
+              <a:defRPr sz="1400">
+                <a:solidFill>
+                  <a:schemeClr val="tx1">
+                    <a:tint val="75000"/>
+                  </a:schemeClr>
+                </a:solidFill>
+              </a:defRPr>
+            </a:lvl5pPr>
+            <a:lvl6pPr marL="2286000" indent="0">
+              <a:buNone/>
+              <a:defRPr sz="1400">
+                <a:solidFill>
+                  <a:schemeClr val="tx1">
+                    <a:tint val="75000"/>
+                  </a:schemeClr>
+                </a:solidFill>
+              </a:defRPr>
+            </a:lvl6pPr>
+            <a:lvl7pPr marL="2743200" indent="0">
+              <a:buNone/>
+              <a:defRPr sz="1400">
+                <a:solidFill>
+                  <a:schemeClr val="tx1">
+                    <a:tint val="75000"/>
+                  </a:schemeClr>
+                </a:solidFill>
+              </a:defRPr>
+            </a:lvl7pPr>
+            <a:lvl8pPr marL="3200400" indent="0">
+              <a:buNone/>
+              <a:defRPr sz="1400">
+                <a:solidFill>
+                  <a:schemeClr val="tx1">
+                    <a:tint val="75000"/>
+                  </a:schemeClr>
+                </a:solidFill>
+              </a:defRPr>
+            </a:lvl8pPr>
+            <a:lvl9pPr marL="3657600" indent="0">
+              <a:buNone/>
+              <a:defRPr sz="1400">
+                <a:solidFill>
+                  <a:schemeClr val="tx1">
+                    <a:tint val="75000"/>
+                  </a:schemeClr>
+                </a:solidFill>
+              </a:defRPr>
+            </a:lvl9pPr>
+          </a:lstStyle>
+          <a:p>
+            <a:pPr lvl="0"/>
+            <a:r>
+              <a:rPr lang="en-US" smtClean="0"/>
+              <a:t>Click to edit Master text styles</a:t>
+            </a:r>
+          </a:p>
+        </p:txBody>
+      </p:sp>
+      <p:sp>
+        <p:nvSpPr>
+          <p:cNvPr id="4" name="Date Placeholder 3"/>
+          <p:cNvSpPr>
+            <a:spLocks noGrp="1"/>
+          </p:cNvSpPr>
+          <p:nvPr>
+            <p:ph type="dt" sz="half" idx="10"/>
+          </p:nvPr>
+        </p:nvSpPr>
+        <p:spPr/>
+        <p:txBody>
+          <a:bodyPr/>
+          <a:lstStyle/>
+          <a:p>
+            <a:fld id="{F9217CA3-C83D-4696-B2B2-00C5226867BC}" type="datetimeFigureOut">
+              <a:rPr lang="en-US" smtClean="0"/>
+              <a:t>3/3/2016</a:t>
+            </a:fld>
+            <a:endParaRPr lang="en-US"/>
+          </a:p>
+        </p:txBody>
+      </p:sp>
+      <p:sp>
+        <p:nvSpPr>
+          <p:cNvPr id="5" name="Footer Placeholder 4"/>
+          <p:cNvSpPr>
+            <a:spLocks noGrp="1"/>
+          </p:cNvSpPr>
+          <p:nvPr>
+            <p:ph type="ftr" sz="quarter" idx="11"/>
+          </p:nvPr>
+        </p:nvSpPr>
+        <p:spPr/>
+        <p:txBody>
+          <a:bodyPr/>
+          <a:lstStyle/>
+          <a:p>
+            <a:endParaRPr lang="en-US"/>
+          </a:p>
+        </p:txBody>
+      </p:sp>
+      <p:sp>
+        <p:nvSpPr>
+          <p:cNvPr id="6" name="Slide Number Placeholder 5"/>
+          <p:cNvSpPr>
+            <a:spLocks noGrp="1"/>
+          </p:cNvSpPr>
+          <p:nvPr>
+            <p:ph type="sldNum" sz="quarter" idx="12"/>
+          </p:nvPr>
+        </p:nvSpPr>
+        <p:spPr/>
+        <p:txBody>
+          <a:bodyPr/>
+          <a:lstStyle/>
+          <a:p>
+            <a:fld id="{B04E07E5-7211-45A0-B4D7-361A9281E2A0}" type="slidenum">
+              <a:rPr lang="en-US" smtClean="0"/>
+              <a:t>‹#›</a:t>
+            </a:fld>
+            <a:endParaRPr lang="en-US"/>
+          </a:p>
+        </p:txBody>
+      </p:sp>
+    </p:spTree>
+    <p:extLst>
+      <p:ext uri="{BB962C8B-B14F-4D97-AF65-F5344CB8AC3E}">
+        <p14:creationId xmlns:p14="http://schemas.microsoft.com/office/powerpoint/2010/main" val="3019511214"/>
+      </p:ext>
+    </p:extLst>
+  </p:cSld>
+  <p:clrMapOvr>
+    <a:masterClrMapping/>
+  </p:clrMapOvr>
+</p:sldLayout>
+</file>
+
+<file path=ppt/slideLayouts/slideLayout13.xml><?xml version="1.0" encoding="utf-8"?>
+<p:sldLayout xmlns:a="http://schemas.openxmlformats.org/drawingml/2006/main" xmlns:r="http://schemas.openxmlformats.org/officeDocument/2006/relationships" xmlns:p="http://schemas.openxmlformats.org/presentationml/2006/main" preserve="1">
+  <p:cSld name="Quote Name Card">
+    <p:spTree>
+      <p:nvGrpSpPr>
+        <p:cNvPr id="1" name=""/>
+        <p:cNvGrpSpPr/>
+        <p:nvPr/>
+      </p:nvGrpSpPr>
+      <p:grpSpPr>
+        <a:xfrm>
+          <a:off x="0" y="0"/>
+          <a:ext cx="0" cy="0"/>
+          <a:chOff x="0" y="0"/>
+          <a:chExt cx="0" cy="0"/>
+        </a:xfrm>
+      </p:grpSpPr>
+      <p:sp>
+        <p:nvSpPr>
+          <p:cNvPr id="2" name="Title 1"/>
+          <p:cNvSpPr>
+            <a:spLocks noGrp="1"/>
+          </p:cNvSpPr>
+          <p:nvPr>
+            <p:ph type="title"/>
+          </p:nvPr>
+        </p:nvSpPr>
+        <p:spPr>
+          <a:xfrm>
+            <a:off x="931334" y="609600"/>
+            <a:ext cx="8094134" cy="3022600"/>
+          </a:xfrm>
+        </p:spPr>
+        <p:txBody>
+          <a:bodyPr anchor="ctr">
+            <a:normAutofit/>
+          </a:bodyPr>
+          <a:lstStyle>
+            <a:lvl1pPr algn="l">
+              <a:defRPr sz="4400" b="0" cap="none"/>
+            </a:lvl1pPr>
+          </a:lstStyle>
+          <a:p>
+            <a:r>
+              <a:rPr lang="en-US" smtClean="0"/>
+              <a:t>Click to edit Master title style</a:t>
+            </a:r>
+            <a:endParaRPr lang="en-US" dirty="0"/>
+          </a:p>
+        </p:txBody>
+      </p:sp>
+      <p:sp>
+        <p:nvSpPr>
+          <p:cNvPr id="23" name="Text Placeholder 9"/>
+          <p:cNvSpPr>
+            <a:spLocks noGrp="1"/>
+          </p:cNvSpPr>
+          <p:nvPr>
+            <p:ph type="body" sz="quarter" idx="13"/>
+          </p:nvPr>
+        </p:nvSpPr>
+        <p:spPr>
+          <a:xfrm>
+            <a:off x="677332" y="4013200"/>
+            <a:ext cx="8596669" cy="514248"/>
+          </a:xfrm>
+        </p:spPr>
+        <p:txBody>
+          <a:bodyPr anchor="b">
+            <a:noAutofit/>
+          </a:bodyPr>
+          <a:lstStyle>
+            <a:lvl1pPr marL="0" indent="0">
+              <a:buFontTx/>
+              <a:buNone/>
+              <a:defRPr sz="2400">
+                <a:solidFill>
+                  <a:schemeClr val="tx1">
+                    <a:lumMod val="75000"/>
+                    <a:lumOff val="25000"/>
+                  </a:schemeClr>
+                </a:solidFill>
+              </a:defRPr>
+            </a:lvl1pPr>
+            <a:lvl2pPr marL="457200" indent="0">
+              <a:buFontTx/>
+              <a:buNone/>
+              <a:defRPr/>
+            </a:lvl2pPr>
+            <a:lvl3pPr marL="914400" indent="0">
+              <a:buFontTx/>
+              <a:buNone/>
+              <a:defRPr/>
+            </a:lvl3pPr>
+            <a:lvl4pPr marL="1371600" indent="0">
+              <a:buFontTx/>
+              <a:buNone/>
+              <a:defRPr/>
+            </a:lvl4pPr>
+            <a:lvl5pPr marL="1828800" indent="0">
+              <a:buFontTx/>
+              <a:buNone/>
+              <a:defRPr/>
+            </a:lvl5pPr>
+          </a:lstStyle>
+          <a:p>
+            <a:pPr lvl="0"/>
+            <a:r>
+              <a:rPr lang="en-US" smtClean="0"/>
+              <a:t>Click to edit Master text styles</a:t>
+            </a:r>
+          </a:p>
+        </p:txBody>
+      </p:sp>
+      <p:sp>
+        <p:nvSpPr>
+          <p:cNvPr id="3" name="Text Placeholder 2"/>
+          <p:cNvSpPr>
+            <a:spLocks noGrp="1"/>
+          </p:cNvSpPr>
+          <p:nvPr>
+            <p:ph type="body" idx="1"/>
+          </p:nvPr>
+        </p:nvSpPr>
+        <p:spPr>
+          <a:xfrm>
+            <a:off x="677335" y="4527448"/>
+            <a:ext cx="8596668" cy="1513914"/>
+          </a:xfrm>
+        </p:spPr>
+        <p:txBody>
+          <a:bodyPr anchor="t">
+            <a:normAutofit/>
+          </a:bodyPr>
+          <a:lstStyle>
+            <a:lvl1pPr marL="0" indent="0" algn="l">
+              <a:buNone/>
+              <a:defRPr sz="1800">
+                <a:solidFill>
+                  <a:schemeClr val="tx1">
+                    <a:lumMod val="50000"/>
+                    <a:lumOff val="50000"/>
+                  </a:schemeClr>
+                </a:solidFill>
+              </a:defRPr>
+            </a:lvl1pPr>
+            <a:lvl2pPr marL="457200" indent="0">
+              <a:buNone/>
+              <a:defRPr sz="1800">
+                <a:solidFill>
+                  <a:schemeClr val="tx1">
+                    <a:tint val="75000"/>
+                  </a:schemeClr>
+                </a:solidFill>
+              </a:defRPr>
+            </a:lvl2pPr>
+            <a:lvl3pPr marL="914400" indent="0">
+              <a:buNone/>
+              <a:defRPr sz="1600">
+                <a:solidFill>
+                  <a:schemeClr val="tx1">
+                    <a:tint val="75000"/>
+                  </a:schemeClr>
+                </a:solidFill>
+              </a:defRPr>
+            </a:lvl3pPr>
+            <a:lvl4pPr marL="1371600" indent="0">
+              <a:buNone/>
+              <a:defRPr sz="1400">
+                <a:solidFill>
+                  <a:schemeClr val="tx1">
+                    <a:tint val="75000"/>
+                  </a:schemeClr>
+                </a:solidFill>
+              </a:defRPr>
+            </a:lvl4pPr>
+            <a:lvl5pPr marL="1828800" indent="0">
+              <a:buNone/>
+              <a:defRPr sz="1400">
+                <a:solidFill>
+                  <a:schemeClr val="tx1">
+                    <a:tint val="75000"/>
+                  </a:schemeClr>
+                </a:solidFill>
+              </a:defRPr>
+            </a:lvl5pPr>
+            <a:lvl6pPr marL="2286000" indent="0">
+              <a:buNone/>
+              <a:defRPr sz="1400">
+                <a:solidFill>
+                  <a:schemeClr val="tx1">
+                    <a:tint val="75000"/>
+                  </a:schemeClr>
+                </a:solidFill>
+              </a:defRPr>
+            </a:lvl6pPr>
+            <a:lvl7pPr marL="2743200" indent="0">
+              <a:buNone/>
+              <a:defRPr sz="1400">
+                <a:solidFill>
+                  <a:schemeClr val="tx1">
+                    <a:tint val="75000"/>
+                  </a:schemeClr>
+                </a:solidFill>
+              </a:defRPr>
+            </a:lvl7pPr>
+            <a:lvl8pPr marL="3200400" indent="0">
+              <a:buNone/>
+              <a:defRPr sz="1400">
+                <a:solidFill>
+                  <a:schemeClr val="tx1">
+                    <a:tint val="75000"/>
+                  </a:schemeClr>
+                </a:solidFill>
+              </a:defRPr>
+            </a:lvl8pPr>
+            <a:lvl9pPr marL="3657600" indent="0">
+              <a:buNone/>
+              <a:defRPr sz="1400">
+                <a:solidFill>
+                  <a:schemeClr val="tx1">
+                    <a:tint val="75000"/>
+                  </a:schemeClr>
+                </a:solidFill>
+              </a:defRPr>
+            </a:lvl9pPr>
+          </a:lstStyle>
+          <a:p>
+            <a:pPr lvl="0"/>
+            <a:r>
+              <a:rPr lang="en-US" smtClean="0"/>
+              <a:t>Click to edit Master text styles</a:t>
+            </a:r>
+          </a:p>
+        </p:txBody>
+      </p:sp>
+      <p:sp>
+        <p:nvSpPr>
+          <p:cNvPr id="4" name="Date Placeholder 3"/>
+          <p:cNvSpPr>
+            <a:spLocks noGrp="1"/>
+          </p:cNvSpPr>
+          <p:nvPr>
+            <p:ph type="dt" sz="half" idx="10"/>
+          </p:nvPr>
+        </p:nvSpPr>
+        <p:spPr/>
+        <p:txBody>
+          <a:bodyPr/>
+          <a:lstStyle/>
+          <a:p>
+            <a:fld id="{F9217CA3-C83D-4696-B2B2-00C5226867BC}" type="datetimeFigureOut">
+              <a:rPr lang="en-US" smtClean="0"/>
+              <a:t>3/3/2016</a:t>
+            </a:fld>
+            <a:endParaRPr lang="en-US"/>
+          </a:p>
+        </p:txBody>
+      </p:sp>
+      <p:sp>
+        <p:nvSpPr>
+          <p:cNvPr id="5" name="Footer Placeholder 4"/>
+          <p:cNvSpPr>
+            <a:spLocks noGrp="1"/>
+          </p:cNvSpPr>
+          <p:nvPr>
+            <p:ph type="ftr" sz="quarter" idx="11"/>
+          </p:nvPr>
+        </p:nvSpPr>
+        <p:spPr/>
+        <p:txBody>
+          <a:bodyPr/>
+          <a:lstStyle/>
+          <a:p>
+            <a:endParaRPr lang="en-US"/>
+          </a:p>
+        </p:txBody>
+      </p:sp>
+      <p:sp>
+        <p:nvSpPr>
+          <p:cNvPr id="6" name="Slide Number Placeholder 5"/>
+          <p:cNvSpPr>
+            <a:spLocks noGrp="1"/>
+          </p:cNvSpPr>
+          <p:nvPr>
+            <p:ph type="sldNum" sz="quarter" idx="12"/>
+          </p:nvPr>
+        </p:nvSpPr>
+        <p:spPr/>
+        <p:txBody>
+          <a:bodyPr/>
+          <a:lstStyle/>
+          <a:p>
+            <a:fld id="{B04E07E5-7211-45A0-B4D7-361A9281E2A0}" type="slidenum">
+              <a:rPr lang="en-US" smtClean="0"/>
+              <a:t>‹#›</a:t>
+            </a:fld>
+            <a:endParaRPr lang="en-US"/>
+          </a:p>
+        </p:txBody>
+      </p:sp>
+      <p:sp>
+        <p:nvSpPr>
+          <p:cNvPr id="24" name="TextBox 23"/>
+          <p:cNvSpPr txBox="1"/>
+          <p:nvPr/>
+        </p:nvSpPr>
+        <p:spPr>
+          <a:xfrm>
+            <a:off x="541870" y="790378"/>
+            <a:ext cx="609600" cy="584776"/>
+          </a:xfrm>
+          <a:prstGeom prst="rect">
+            <a:avLst/>
+          </a:prstGeom>
+        </p:spPr>
+        <p:txBody>
+          <a:bodyPr vert="horz" lIns="91440" tIns="45720" rIns="91440" bIns="45720" rtlCol="0" anchor="ctr">
+            <a:noAutofit/>
+          </a:bodyPr>
+          <a:lstStyle/>
+          <a:p>
+            <a:pPr lvl="0"/>
+            <a:r>
+              <a:rPr lang="en-US" sz="8000" baseline="0" dirty="0">
+                <a:ln w="3175" cmpd="sng">
+                  <a:noFill/>
+                </a:ln>
+                <a:solidFill>
+                  <a:schemeClr val="accent1">
+                    <a:lumMod val="60000"/>
+                    <a:lumOff val="40000"/>
+                  </a:schemeClr>
+                </a:solidFill>
+                <a:effectLst/>
+                <a:latin typeface="Arial"/>
+              </a:rPr>
+              <a:t>“</a:t>
+            </a:r>
+          </a:p>
+        </p:txBody>
+      </p:sp>
+      <p:sp>
+        <p:nvSpPr>
+          <p:cNvPr id="25" name="TextBox 24"/>
+          <p:cNvSpPr txBox="1"/>
+          <p:nvPr/>
+        </p:nvSpPr>
+        <p:spPr>
+          <a:xfrm>
+            <a:off x="8893011" y="2886556"/>
+            <a:ext cx="609600" cy="584776"/>
+          </a:xfrm>
+          <a:prstGeom prst="rect">
+            <a:avLst/>
+          </a:prstGeom>
+        </p:spPr>
+        <p:txBody>
+          <a:bodyPr vert="horz" lIns="91440" tIns="45720" rIns="91440" bIns="45720" rtlCol="0" anchor="ctr">
+            <a:noAutofit/>
+          </a:bodyPr>
+          <a:lstStyle/>
+          <a:p>
+            <a:pPr lvl="0"/>
+            <a:r>
+              <a:rPr lang="en-US" sz="8000" baseline="0" dirty="0">
+                <a:ln w="3175" cmpd="sng">
+                  <a:noFill/>
+                </a:ln>
+                <a:solidFill>
+                  <a:schemeClr val="accent1">
+                    <a:lumMod val="60000"/>
+                    <a:lumOff val="40000"/>
+                  </a:schemeClr>
+                </a:solidFill>
+                <a:effectLst/>
+                <a:latin typeface="Arial"/>
+              </a:rPr>
+              <a:t>”</a:t>
+            </a:r>
+          </a:p>
+        </p:txBody>
+      </p:sp>
+    </p:spTree>
+    <p:extLst>
+      <p:ext uri="{BB962C8B-B14F-4D97-AF65-F5344CB8AC3E}">
+        <p14:creationId xmlns:p14="http://schemas.microsoft.com/office/powerpoint/2010/main" val="2531975454"/>
+      </p:ext>
+    </p:extLst>
+  </p:cSld>
+  <p:clrMapOvr>
+    <a:masterClrMapping/>
+  </p:clrMapOvr>
+</p:sldLayout>
+</file>
+
+<file path=ppt/slideLayouts/slideLayout14.xml><?xml version="1.0" encoding="utf-8"?>
+<p:sldLayout xmlns:a="http://schemas.openxmlformats.org/drawingml/2006/main" xmlns:r="http://schemas.openxmlformats.org/officeDocument/2006/relationships" xmlns:p="http://schemas.openxmlformats.org/presentationml/2006/main" preserve="1">
+  <p:cSld name="True or False">
+    <p:spTree>
+      <p:nvGrpSpPr>
+        <p:cNvPr id="1" name=""/>
+        <p:cNvGrpSpPr/>
+        <p:nvPr/>
+      </p:nvGrpSpPr>
+      <p:grpSpPr>
+        <a:xfrm>
+          <a:off x="0" y="0"/>
+          <a:ext cx="0" cy="0"/>
+          <a:chOff x="0" y="0"/>
+          <a:chExt cx="0" cy="0"/>
+        </a:xfrm>
+      </p:grpSpPr>
+      <p:sp>
+        <p:nvSpPr>
+          <p:cNvPr id="2" name="Title 1"/>
+          <p:cNvSpPr>
+            <a:spLocks noGrp="1"/>
+          </p:cNvSpPr>
+          <p:nvPr>
+            <p:ph type="title"/>
+          </p:nvPr>
+        </p:nvSpPr>
+        <p:spPr>
+          <a:xfrm>
+            <a:off x="685799" y="609600"/>
+            <a:ext cx="8588203" cy="3022600"/>
+          </a:xfrm>
+        </p:spPr>
+        <p:txBody>
+          <a:bodyPr anchor="ctr">
+            <a:normAutofit/>
+          </a:bodyPr>
+          <a:lstStyle>
+            <a:lvl1pPr algn="l">
+              <a:defRPr sz="4400" b="0" cap="none"/>
+            </a:lvl1pPr>
+          </a:lstStyle>
+          <a:p>
+            <a:r>
+              <a:rPr lang="en-US" smtClean="0"/>
+              <a:t>Click to edit Master title style</a:t>
+            </a:r>
+            <a:endParaRPr lang="en-US" dirty="0"/>
+          </a:p>
+        </p:txBody>
+      </p:sp>
+      <p:sp>
+        <p:nvSpPr>
+          <p:cNvPr id="23" name="Text Placeholder 9"/>
+          <p:cNvSpPr>
+            <a:spLocks noGrp="1"/>
+          </p:cNvSpPr>
+          <p:nvPr>
+            <p:ph type="body" sz="quarter" idx="13"/>
+          </p:nvPr>
+        </p:nvSpPr>
+        <p:spPr>
+          <a:xfrm>
+            <a:off x="677332" y="4013200"/>
+            <a:ext cx="8596669" cy="514248"/>
+          </a:xfrm>
+        </p:spPr>
+        <p:txBody>
+          <a:bodyPr anchor="b">
+            <a:noAutofit/>
+          </a:bodyPr>
+          <a:lstStyle>
+            <a:lvl1pPr marL="0" indent="0">
+              <a:buFontTx/>
+              <a:buNone/>
+              <a:defRPr sz="2400">
+                <a:solidFill>
+                  <a:schemeClr val="accent1"/>
+                </a:solidFill>
+              </a:defRPr>
+            </a:lvl1pPr>
+            <a:lvl2pPr marL="457200" indent="0">
+              <a:buFontTx/>
+              <a:buNone/>
+              <a:defRPr/>
+            </a:lvl2pPr>
+            <a:lvl3pPr marL="914400" indent="0">
+              <a:buFontTx/>
+              <a:buNone/>
+              <a:defRPr/>
+            </a:lvl3pPr>
+            <a:lvl4pPr marL="1371600" indent="0">
+              <a:buFontTx/>
+              <a:buNone/>
+              <a:defRPr/>
+            </a:lvl4pPr>
+            <a:lvl5pPr marL="1828800" indent="0">
+              <a:buFontTx/>
+              <a:buNone/>
+              <a:defRPr/>
+            </a:lvl5pPr>
+          </a:lstStyle>
+          <a:p>
+            <a:pPr lvl="0"/>
+            <a:r>
+              <a:rPr lang="en-US" smtClean="0"/>
+              <a:t>Click to edit Master text styles</a:t>
+            </a:r>
+          </a:p>
+        </p:txBody>
+      </p:sp>
+      <p:sp>
+        <p:nvSpPr>
+          <p:cNvPr id="3" name="Text Placeholder 2"/>
+          <p:cNvSpPr>
+            <a:spLocks noGrp="1"/>
+          </p:cNvSpPr>
+          <p:nvPr>
+            <p:ph type="body" idx="1"/>
+          </p:nvPr>
+        </p:nvSpPr>
+        <p:spPr>
+          <a:xfrm>
+            <a:off x="677335" y="4527448"/>
+            <a:ext cx="8596668" cy="1513914"/>
+          </a:xfrm>
+        </p:spPr>
+        <p:txBody>
+          <a:bodyPr anchor="t">
+            <a:normAutofit/>
+          </a:bodyPr>
+          <a:lstStyle>
+            <a:lvl1pPr marL="0" indent="0" algn="l">
+              <a:buNone/>
+              <a:defRPr sz="1800">
+                <a:solidFill>
+                  <a:schemeClr val="tx1">
+                    <a:lumMod val="50000"/>
+                    <a:lumOff val="50000"/>
+                  </a:schemeClr>
+                </a:solidFill>
+              </a:defRPr>
+            </a:lvl1pPr>
+            <a:lvl2pPr marL="457200" indent="0">
+              <a:buNone/>
+              <a:defRPr sz="1800">
+                <a:solidFill>
+                  <a:schemeClr val="tx1">
+                    <a:tint val="75000"/>
+                  </a:schemeClr>
+                </a:solidFill>
+              </a:defRPr>
+            </a:lvl2pPr>
+            <a:lvl3pPr marL="914400" indent="0">
+              <a:buNone/>
+              <a:defRPr sz="1600">
+                <a:solidFill>
+                  <a:schemeClr val="tx1">
+                    <a:tint val="75000"/>
+                  </a:schemeClr>
+                </a:solidFill>
+              </a:defRPr>
+            </a:lvl3pPr>
+            <a:lvl4pPr marL="1371600" indent="0">
+              <a:buNone/>
+              <a:defRPr sz="1400">
+                <a:solidFill>
+                  <a:schemeClr val="tx1">
+                    <a:tint val="75000"/>
+                  </a:schemeClr>
+                </a:solidFill>
+              </a:defRPr>
+            </a:lvl4pPr>
+            <a:lvl5pPr marL="1828800" indent="0">
+              <a:buNone/>
+              <a:defRPr sz="1400">
+                <a:solidFill>
+                  <a:schemeClr val="tx1">
+                    <a:tint val="75000"/>
+                  </a:schemeClr>
+                </a:solidFill>
+              </a:defRPr>
+            </a:lvl5pPr>
+            <a:lvl6pPr marL="2286000" indent="0">
+              <a:buNone/>
+              <a:defRPr sz="1400">
+                <a:solidFill>
+                  <a:schemeClr val="tx1">
+                    <a:tint val="75000"/>
+                  </a:schemeClr>
+                </a:solidFill>
+              </a:defRPr>
+            </a:lvl6pPr>
+            <a:lvl7pPr marL="2743200" indent="0">
+              <a:buNone/>
+              <a:defRPr sz="1400">
+                <a:solidFill>
+                  <a:schemeClr val="tx1">
+                    <a:tint val="75000"/>
+                  </a:schemeClr>
+                </a:solidFill>
+              </a:defRPr>
+            </a:lvl7pPr>
+            <a:lvl8pPr marL="3200400" indent="0">
+              <a:buNone/>
+              <a:defRPr sz="1400">
+                <a:solidFill>
+                  <a:schemeClr val="tx1">
+                    <a:tint val="75000"/>
+                  </a:schemeClr>
+                </a:solidFill>
+              </a:defRPr>
+            </a:lvl8pPr>
+            <a:lvl9pPr marL="3657600" indent="0">
+              <a:buNone/>
+              <a:defRPr sz="1400">
+                <a:solidFill>
+                  <a:schemeClr val="tx1">
+                    <a:tint val="75000"/>
+                  </a:schemeClr>
+                </a:solidFill>
+              </a:defRPr>
+            </a:lvl9pPr>
+          </a:lstStyle>
+          <a:p>
+            <a:pPr lvl="0"/>
+            <a:r>
+              <a:rPr lang="en-US" smtClean="0"/>
+              <a:t>Click to edit Master text styles</a:t>
+            </a:r>
+          </a:p>
+        </p:txBody>
+      </p:sp>
+      <p:sp>
+        <p:nvSpPr>
+          <p:cNvPr id="4" name="Date Placeholder 3"/>
+          <p:cNvSpPr>
+            <a:spLocks noGrp="1"/>
+          </p:cNvSpPr>
+          <p:nvPr>
+            <p:ph type="dt" sz="half" idx="10"/>
+          </p:nvPr>
+        </p:nvSpPr>
+        <p:spPr/>
+        <p:txBody>
+          <a:bodyPr/>
+          <a:lstStyle/>
+          <a:p>
+            <a:fld id="{F9217CA3-C83D-4696-B2B2-00C5226867BC}" type="datetimeFigureOut">
+              <a:rPr lang="en-US" smtClean="0"/>
+              <a:t>3/3/2016</a:t>
+            </a:fld>
+            <a:endParaRPr lang="en-US"/>
+          </a:p>
+        </p:txBody>
+      </p:sp>
+      <p:sp>
+        <p:nvSpPr>
+          <p:cNvPr id="5" name="Footer Placeholder 4"/>
+          <p:cNvSpPr>
+            <a:spLocks noGrp="1"/>
+          </p:cNvSpPr>
+          <p:nvPr>
+            <p:ph type="ftr" sz="quarter" idx="11"/>
+          </p:nvPr>
+        </p:nvSpPr>
+        <p:spPr/>
+        <p:txBody>
+          <a:bodyPr/>
+          <a:lstStyle/>
+          <a:p>
+            <a:endParaRPr lang="en-US"/>
+          </a:p>
+        </p:txBody>
+      </p:sp>
+      <p:sp>
+        <p:nvSpPr>
+          <p:cNvPr id="6" name="Slide Number Placeholder 5"/>
+          <p:cNvSpPr>
+            <a:spLocks noGrp="1"/>
+          </p:cNvSpPr>
+          <p:nvPr>
+            <p:ph type="sldNum" sz="quarter" idx="12"/>
+          </p:nvPr>
+        </p:nvSpPr>
+        <p:spPr/>
+        <p:txBody>
+          <a:bodyPr/>
+          <a:lstStyle/>
+          <a:p>
+            <a:fld id="{B04E07E5-7211-45A0-B4D7-361A9281E2A0}" type="slidenum">
+              <a:rPr lang="en-US" smtClean="0"/>
+              <a:t>‹#›</a:t>
+            </a:fld>
+            <a:endParaRPr lang="en-US"/>
+          </a:p>
+        </p:txBody>
+      </p:sp>
+    </p:spTree>
+    <p:extLst>
+      <p:ext uri="{BB962C8B-B14F-4D97-AF65-F5344CB8AC3E}">
+        <p14:creationId xmlns:p14="http://schemas.microsoft.com/office/powerpoint/2010/main" val="2320973445"/>
+      </p:ext>
+    </p:extLst>
+  </p:cSld>
+  <p:clrMapOvr>
+    <a:masterClrMapping/>
+  </p:clrMapOvr>
+</p:sldLayout>
+</file>
+
+<file path=ppt/slideLayouts/slideLayout15.xml><?xml version="1.0" encoding="utf-8"?>
 <p:sldLayout xmlns:a="http://schemas.openxmlformats.org/drawingml/2006/main" xmlns:r="http://schemas.openxmlformats.org/officeDocument/2006/relationships" xmlns:p="http://schemas.openxmlformats.org/presentationml/2006/main" type="vertTx" preserve="1">
   <p:cSld name="Title and Vertical Text">
     <p:spTree>
@@ -340,10 +2565,10 @@
           <a:lstStyle/>
           <a:p>
             <a:r>
-              <a:rPr lang="en-US"/>
+              <a:rPr lang="en-US" smtClean="0"/>
               <a:t>Click to edit Master title style</a:t>
             </a:r>
-            <a:endParaRPr lang="en-US"/>
+            <a:endParaRPr lang="en-US" dirty="0"/>
           </a:p>
         </p:txBody>
       </p:sp>
@@ -364,38 +2589,38 @@
           <a:p>
             <a:pPr lvl="0"/>
             <a:r>
-              <a:rPr lang="en-US"/>
-              <a:t>Edit Master text styles</a:t>
+              <a:rPr lang="en-US" smtClean="0"/>
+              <a:t>Click to edit Master text styles</a:t>
             </a:r>
           </a:p>
           <a:p>
             <a:pPr lvl="1"/>
             <a:r>
-              <a:rPr lang="en-US"/>
+              <a:rPr lang="en-US" smtClean="0"/>
               <a:t>Second level</a:t>
             </a:r>
           </a:p>
           <a:p>
             <a:pPr lvl="2"/>
             <a:r>
-              <a:rPr lang="en-US"/>
+              <a:rPr lang="en-US" smtClean="0"/>
               <a:t>Third level</a:t>
             </a:r>
           </a:p>
           <a:p>
             <a:pPr lvl="3"/>
             <a:r>
-              <a:rPr lang="en-US"/>
+              <a:rPr lang="en-US" smtClean="0"/>
               <a:t>Fourth level</a:t>
             </a:r>
           </a:p>
           <a:p>
             <a:pPr lvl="4"/>
             <a:r>
-              <a:rPr lang="en-US"/>
+              <a:rPr lang="en-US" smtClean="0"/>
               <a:t>Fifth level</a:t>
             </a:r>
-            <a:endParaRPr lang="en-US"/>
+            <a:endParaRPr lang="en-US" dirty="0"/>
           </a:p>
         </p:txBody>
       </p:sp>
@@ -416,7 +2641,7 @@
           <a:p>
             <a:fld id="{F9217CA3-C83D-4696-B2B2-00C5226867BC}" type="datetimeFigureOut">
               <a:rPr lang="en-US" smtClean="0"/>
-              <a:t>2016-03-01</a:t>
+              <a:t>3/3/2016</a:t>
             </a:fld>
             <a:endParaRPr lang="en-US"/>
           </a:p>
@@ -467,7 +2692,7 @@
     </p:spTree>
     <p:extLst>
       <p:ext uri="{BB962C8B-B14F-4D97-AF65-F5344CB8AC3E}">
-        <p14:creationId xmlns:p14="http://schemas.microsoft.com/office/powerpoint/2010/main" val="1406568840"/>
+        <p14:creationId xmlns:p14="http://schemas.microsoft.com/office/powerpoint/2010/main" val="2793815004"/>
       </p:ext>
     </p:extLst>
   </p:cSld>
@@ -477,7 +2702,7 @@
 </p:sldLayout>
 </file>
 
-<file path=ppt/slideLayouts/slideLayout11.xml><?xml version="1.0" encoding="utf-8"?>
+<file path=ppt/slideLayouts/slideLayout16.xml><?xml version="1.0" encoding="utf-8"?>
 <p:sldLayout xmlns:a="http://schemas.openxmlformats.org/drawingml/2006/main" xmlns:r="http://schemas.openxmlformats.org/officeDocument/2006/relationships" xmlns:p="http://schemas.openxmlformats.org/presentationml/2006/main" type="vertTitleAndTx" preserve="1">
   <p:cSld name="Vertical Title and Text">
     <p:spTree>
@@ -506,19 +2731,19 @@
         </p:nvSpPr>
         <p:spPr>
           <a:xfrm>
-            <a:off x="8724900" y="365125"/>
-            <a:ext cx="2628900" cy="5811838"/>
+            <a:off x="7967673" y="609599"/>
+            <a:ext cx="1304743" cy="5251451"/>
           </a:xfrm>
         </p:spPr>
         <p:txBody>
-          <a:bodyPr vert="eaVert"/>
-          <a:lstStyle/>
-          <a:p>
-            <a:r>
-              <a:rPr lang="en-US"/>
+          <a:bodyPr vert="eaVert" anchor="ctr"/>
+          <a:lstStyle/>
+          <a:p>
+            <a:r>
+              <a:rPr lang="en-US" smtClean="0"/>
               <a:t>Click to edit Master title style</a:t>
             </a:r>
-            <a:endParaRPr lang="en-US"/>
+            <a:endParaRPr lang="en-US" dirty="0"/>
           </a:p>
         </p:txBody>
       </p:sp>
@@ -534,8 +2759,8 @@
         </p:nvSpPr>
         <p:spPr>
           <a:xfrm>
-            <a:off x="838200" y="365125"/>
-            <a:ext cx="7734300" cy="5811838"/>
+            <a:off x="677335" y="609600"/>
+            <a:ext cx="7060150" cy="5251450"/>
           </a:xfrm>
         </p:spPr>
         <p:txBody>
@@ -544,38 +2769,38 @@
           <a:p>
             <a:pPr lvl="0"/>
             <a:r>
-              <a:rPr lang="en-US"/>
-              <a:t>Edit Master text styles</a:t>
+              <a:rPr lang="en-US" smtClean="0"/>
+              <a:t>Click to edit Master text styles</a:t>
             </a:r>
           </a:p>
           <a:p>
             <a:pPr lvl="1"/>
             <a:r>
-              <a:rPr lang="en-US"/>
+              <a:rPr lang="en-US" smtClean="0"/>
               <a:t>Second level</a:t>
             </a:r>
           </a:p>
           <a:p>
             <a:pPr lvl="2"/>
             <a:r>
-              <a:rPr lang="en-US"/>
+              <a:rPr lang="en-US" smtClean="0"/>
               <a:t>Third level</a:t>
             </a:r>
           </a:p>
           <a:p>
             <a:pPr lvl="3"/>
             <a:r>
-              <a:rPr lang="en-US"/>
+              <a:rPr lang="en-US" smtClean="0"/>
               <a:t>Fourth level</a:t>
             </a:r>
           </a:p>
           <a:p>
             <a:pPr lvl="4"/>
             <a:r>
-              <a:rPr lang="en-US"/>
+              <a:rPr lang="en-US" smtClean="0"/>
               <a:t>Fifth level</a:t>
             </a:r>
-            <a:endParaRPr lang="en-US"/>
+            <a:endParaRPr lang="en-US" dirty="0"/>
           </a:p>
         </p:txBody>
       </p:sp>
@@ -596,7 +2821,7 @@
           <a:p>
             <a:fld id="{F9217CA3-C83D-4696-B2B2-00C5226867BC}" type="datetimeFigureOut">
               <a:rPr lang="en-US" smtClean="0"/>
-              <a:t>2016-03-01</a:t>
+              <a:t>3/3/2016</a:t>
             </a:fld>
             <a:endParaRPr lang="en-US"/>
           </a:p>
@@ -647,7 +2872,7 @@
     </p:spTree>
     <p:extLst>
       <p:ext uri="{BB962C8B-B14F-4D97-AF65-F5344CB8AC3E}">
-        <p14:creationId xmlns:p14="http://schemas.microsoft.com/office/powerpoint/2010/main" val="2233863846"/>
+        <p14:creationId xmlns:p14="http://schemas.microsoft.com/office/powerpoint/2010/main" val="471716583"/>
       </p:ext>
     </p:extLst>
   </p:cSld>
@@ -690,10 +2915,10 @@
           <a:lstStyle/>
           <a:p>
             <a:r>
-              <a:rPr lang="en-US"/>
+              <a:rPr lang="en-US" smtClean="0"/>
               <a:t>Click to edit Master title style</a:t>
             </a:r>
-            <a:endParaRPr lang="en-US"/>
+            <a:endParaRPr lang="en-US" dirty="0"/>
           </a:p>
         </p:txBody>
       </p:sp>
@@ -714,38 +2939,38 @@
           <a:p>
             <a:pPr lvl="0"/>
             <a:r>
-              <a:rPr lang="en-US"/>
-              <a:t>Edit Master text styles</a:t>
+              <a:rPr lang="en-US" smtClean="0"/>
+              <a:t>Click to edit Master text styles</a:t>
             </a:r>
           </a:p>
           <a:p>
             <a:pPr lvl="1"/>
             <a:r>
-              <a:rPr lang="en-US"/>
+              <a:rPr lang="en-US" smtClean="0"/>
               <a:t>Second level</a:t>
             </a:r>
           </a:p>
           <a:p>
             <a:pPr lvl="2"/>
             <a:r>
-              <a:rPr lang="en-US"/>
+              <a:rPr lang="en-US" smtClean="0"/>
               <a:t>Third level</a:t>
             </a:r>
           </a:p>
           <a:p>
             <a:pPr lvl="3"/>
             <a:r>
-              <a:rPr lang="en-US"/>
+              <a:rPr lang="en-US" smtClean="0"/>
               <a:t>Fourth level</a:t>
             </a:r>
           </a:p>
           <a:p>
             <a:pPr lvl="4"/>
             <a:r>
-              <a:rPr lang="en-US"/>
+              <a:rPr lang="en-US" smtClean="0"/>
               <a:t>Fifth level</a:t>
             </a:r>
-            <a:endParaRPr lang="en-US"/>
+            <a:endParaRPr lang="en-US" dirty="0"/>
           </a:p>
         </p:txBody>
       </p:sp>
@@ -766,7 +2991,7 @@
           <a:p>
             <a:fld id="{F9217CA3-C83D-4696-B2B2-00C5226867BC}" type="datetimeFigureOut">
               <a:rPr lang="en-US" smtClean="0"/>
-              <a:t>2016-03-01</a:t>
+              <a:t>3/3/2016</a:t>
             </a:fld>
             <a:endParaRPr lang="en-US"/>
           </a:p>
@@ -817,7 +3042,7 @@
     </p:spTree>
     <p:extLst>
       <p:ext uri="{BB962C8B-B14F-4D97-AF65-F5344CB8AC3E}">
-        <p14:creationId xmlns:p14="http://schemas.microsoft.com/office/powerpoint/2010/main" val="4179332868"/>
+        <p14:creationId xmlns:p14="http://schemas.microsoft.com/office/powerpoint/2010/main" val="3409903973"/>
       </p:ext>
     </p:extLst>
   </p:cSld>
@@ -856,23 +3081,23 @@
         </p:nvSpPr>
         <p:spPr>
           <a:xfrm>
-            <a:off x="831850" y="1709738"/>
-            <a:ext cx="10515600" cy="2852737"/>
+            <a:off x="677335" y="2700867"/>
+            <a:ext cx="8596668" cy="1826581"/>
           </a:xfrm>
         </p:spPr>
         <p:txBody>
           <a:bodyPr anchor="b"/>
           <a:lstStyle>
-            <a:lvl1pPr>
-              <a:defRPr sz="6000"/>
+            <a:lvl1pPr algn="l">
+              <a:defRPr sz="4000" b="0" cap="none"/>
             </a:lvl1pPr>
           </a:lstStyle>
           <a:p>
             <a:r>
-              <a:rPr lang="en-US"/>
+              <a:rPr lang="en-US" smtClean="0"/>
               <a:t>Click to edit Master title style</a:t>
             </a:r>
-            <a:endParaRPr lang="en-US"/>
+            <a:endParaRPr lang="en-US" dirty="0"/>
           </a:p>
         </p:txBody>
       </p:sp>
@@ -888,26 +3113,27 @@
         </p:nvSpPr>
         <p:spPr>
           <a:xfrm>
-            <a:off x="831850" y="4589463"/>
-            <a:ext cx="10515600" cy="1500187"/>
+            <a:off x="677335" y="4527448"/>
+            <a:ext cx="8596668" cy="860400"/>
           </a:xfrm>
         </p:spPr>
         <p:txBody>
-          <a:bodyPr/>
+          <a:bodyPr anchor="t"/>
           <a:lstStyle>
-            <a:lvl1pPr marL="0" indent="0">
-              <a:buNone/>
-              <a:defRPr sz="2400">
+            <a:lvl1pPr marL="0" indent="0" algn="l">
+              <a:buNone/>
+              <a:defRPr sz="2000">
                 <a:solidFill>
                   <a:schemeClr val="tx1">
-                    <a:tint val="75000"/>
+                    <a:lumMod val="50000"/>
+                    <a:lumOff val="50000"/>
                   </a:schemeClr>
                 </a:solidFill>
               </a:defRPr>
             </a:lvl1pPr>
             <a:lvl2pPr marL="457200" indent="0">
               <a:buNone/>
-              <a:defRPr sz="2000">
+              <a:defRPr sz="1800">
                 <a:solidFill>
                   <a:schemeClr val="tx1">
                     <a:tint val="75000"/>
@@ -917,7 +3143,7 @@
             </a:lvl2pPr>
             <a:lvl3pPr marL="914400" indent="0">
               <a:buNone/>
-              <a:defRPr sz="1800">
+              <a:defRPr sz="1600">
                 <a:solidFill>
                   <a:schemeClr val="tx1">
                     <a:tint val="75000"/>
@@ -927,7 +3153,7 @@
             </a:lvl3pPr>
             <a:lvl4pPr marL="1371600" indent="0">
               <a:buNone/>
-              <a:defRPr sz="1600">
+              <a:defRPr sz="1400">
                 <a:solidFill>
                   <a:schemeClr val="tx1">
                     <a:tint val="75000"/>
@@ -937,7 +3163,7 @@
             </a:lvl4pPr>
             <a:lvl5pPr marL="1828800" indent="0">
               <a:buNone/>
-              <a:defRPr sz="1600">
+              <a:defRPr sz="1400">
                 <a:solidFill>
                   <a:schemeClr val="tx1">
                     <a:tint val="75000"/>
@@ -947,7 +3173,7 @@
             </a:lvl5pPr>
             <a:lvl6pPr marL="2286000" indent="0">
               <a:buNone/>
-              <a:defRPr sz="1600">
+              <a:defRPr sz="1400">
                 <a:solidFill>
                   <a:schemeClr val="tx1">
                     <a:tint val="75000"/>
@@ -957,7 +3183,7 @@
             </a:lvl6pPr>
             <a:lvl7pPr marL="2743200" indent="0">
               <a:buNone/>
-              <a:defRPr sz="1600">
+              <a:defRPr sz="1400">
                 <a:solidFill>
                   <a:schemeClr val="tx1">
                     <a:tint val="75000"/>
@@ -967,7 +3193,7 @@
             </a:lvl7pPr>
             <a:lvl8pPr marL="3200400" indent="0">
               <a:buNone/>
-              <a:defRPr sz="1600">
+              <a:defRPr sz="1400">
                 <a:solidFill>
                   <a:schemeClr val="tx1">
                     <a:tint val="75000"/>
@@ -977,7 +3203,7 @@
             </a:lvl8pPr>
             <a:lvl9pPr marL="3657600" indent="0">
               <a:buNone/>
-              <a:defRPr sz="1600">
+              <a:defRPr sz="1400">
                 <a:solidFill>
                   <a:schemeClr val="tx1">
                     <a:tint val="75000"/>
@@ -989,8 +3215,8 @@
           <a:p>
             <a:pPr lvl="0"/>
             <a:r>
-              <a:rPr lang="en-US"/>
-              <a:t>Edit Master text styles</a:t>
+              <a:rPr lang="en-US" smtClean="0"/>
+              <a:t>Click to edit Master text styles</a:t>
             </a:r>
           </a:p>
         </p:txBody>
@@ -1012,7 +3238,7 @@
           <a:p>
             <a:fld id="{F9217CA3-C83D-4696-B2B2-00C5226867BC}" type="datetimeFigureOut">
               <a:rPr lang="en-US" smtClean="0"/>
-              <a:t>2016-03-01</a:t>
+              <a:t>3/3/2016</a:t>
             </a:fld>
             <a:endParaRPr lang="en-US"/>
           </a:p>
@@ -1063,7 +3289,7 @@
     </p:spTree>
     <p:extLst>
       <p:ext uri="{BB962C8B-B14F-4D97-AF65-F5344CB8AC3E}">
-        <p14:creationId xmlns:p14="http://schemas.microsoft.com/office/powerpoint/2010/main" val="420813460"/>
+        <p14:creationId xmlns:p14="http://schemas.microsoft.com/office/powerpoint/2010/main" val="3589549184"/>
       </p:ext>
     </p:extLst>
   </p:cSld>
@@ -1106,10 +3332,10 @@
           <a:lstStyle/>
           <a:p>
             <a:r>
-              <a:rPr lang="en-US"/>
+              <a:rPr lang="en-US" smtClean="0"/>
               <a:t>Click to edit Master title style</a:t>
             </a:r>
-            <a:endParaRPr lang="en-US"/>
+            <a:endParaRPr lang="en-US" dirty="0"/>
           </a:p>
         </p:txBody>
       </p:sp>
@@ -1125,8 +3351,8 @@
         </p:nvSpPr>
         <p:spPr>
           <a:xfrm>
-            <a:off x="838200" y="1825625"/>
-            <a:ext cx="5181600" cy="4351338"/>
+            <a:off x="677334" y="2160589"/>
+            <a:ext cx="4184035" cy="3880772"/>
           </a:xfrm>
         </p:spPr>
         <p:txBody>
@@ -1135,38 +3361,38 @@
           <a:p>
             <a:pPr lvl="0"/>
             <a:r>
-              <a:rPr lang="en-US"/>
-              <a:t>Edit Master text styles</a:t>
+              <a:rPr lang="en-US" smtClean="0"/>
+              <a:t>Click to edit Master text styles</a:t>
             </a:r>
           </a:p>
           <a:p>
             <a:pPr lvl="1"/>
             <a:r>
-              <a:rPr lang="en-US"/>
+              <a:rPr lang="en-US" smtClean="0"/>
               <a:t>Second level</a:t>
             </a:r>
           </a:p>
           <a:p>
             <a:pPr lvl="2"/>
             <a:r>
-              <a:rPr lang="en-US"/>
+              <a:rPr lang="en-US" smtClean="0"/>
               <a:t>Third level</a:t>
             </a:r>
           </a:p>
           <a:p>
             <a:pPr lvl="3"/>
             <a:r>
-              <a:rPr lang="en-US"/>
+              <a:rPr lang="en-US" smtClean="0"/>
               <a:t>Fourth level</a:t>
             </a:r>
           </a:p>
           <a:p>
             <a:pPr lvl="4"/>
             <a:r>
-              <a:rPr lang="en-US"/>
+              <a:rPr lang="en-US" smtClean="0"/>
               <a:t>Fifth level</a:t>
             </a:r>
-            <a:endParaRPr lang="en-US"/>
+            <a:endParaRPr lang="en-US" dirty="0"/>
           </a:p>
         </p:txBody>
       </p:sp>
@@ -1182,8 +3408,8 @@
         </p:nvSpPr>
         <p:spPr>
           <a:xfrm>
-            <a:off x="6172200" y="1825625"/>
-            <a:ext cx="5181600" cy="4351338"/>
+            <a:off x="5089970" y="2160589"/>
+            <a:ext cx="4184034" cy="3880773"/>
           </a:xfrm>
         </p:spPr>
         <p:txBody>
@@ -1192,38 +3418,38 @@
           <a:p>
             <a:pPr lvl="0"/>
             <a:r>
-              <a:rPr lang="en-US"/>
-              <a:t>Edit Master text styles</a:t>
+              <a:rPr lang="en-US" smtClean="0"/>
+              <a:t>Click to edit Master text styles</a:t>
             </a:r>
           </a:p>
           <a:p>
             <a:pPr lvl="1"/>
             <a:r>
-              <a:rPr lang="en-US"/>
+              <a:rPr lang="en-US" smtClean="0"/>
               <a:t>Second level</a:t>
             </a:r>
           </a:p>
           <a:p>
             <a:pPr lvl="2"/>
             <a:r>
-              <a:rPr lang="en-US"/>
+              <a:rPr lang="en-US" smtClean="0"/>
               <a:t>Third level</a:t>
             </a:r>
           </a:p>
           <a:p>
             <a:pPr lvl="3"/>
             <a:r>
-              <a:rPr lang="en-US"/>
+              <a:rPr lang="en-US" smtClean="0"/>
               <a:t>Fourth level</a:t>
             </a:r>
           </a:p>
           <a:p>
             <a:pPr lvl="4"/>
             <a:r>
-              <a:rPr lang="en-US"/>
+              <a:rPr lang="en-US" smtClean="0"/>
               <a:t>Fifth level</a:t>
             </a:r>
-            <a:endParaRPr lang="en-US"/>
+            <a:endParaRPr lang="en-US" dirty="0"/>
           </a:p>
         </p:txBody>
       </p:sp>
@@ -1244,7 +3470,7 @@
           <a:p>
             <a:fld id="{F9217CA3-C83D-4696-B2B2-00C5226867BC}" type="datetimeFigureOut">
               <a:rPr lang="en-US" smtClean="0"/>
-              <a:t>2016-03-01</a:t>
+              <a:t>3/3/2016</a:t>
             </a:fld>
             <a:endParaRPr lang="en-US"/>
           </a:p>
@@ -1295,7 +3521,7 @@
     </p:spTree>
     <p:extLst>
       <p:ext uri="{BB962C8B-B14F-4D97-AF65-F5344CB8AC3E}">
-        <p14:creationId xmlns:p14="http://schemas.microsoft.com/office/powerpoint/2010/main" val="3085172152"/>
+        <p14:creationId xmlns:p14="http://schemas.microsoft.com/office/powerpoint/2010/main" val="2642850098"/>
       </p:ext>
     </p:extLst>
   </p:cSld>
@@ -1332,46 +3558,47 @@
             <p:ph type="title"/>
           </p:nvPr>
         </p:nvSpPr>
+        <p:spPr/>
+        <p:txBody>
+          <a:bodyPr/>
+          <a:lstStyle>
+            <a:lvl1pPr>
+              <a:defRPr/>
+            </a:lvl1pPr>
+          </a:lstStyle>
+          <a:p>
+            <a:r>
+              <a:rPr lang="en-US" smtClean="0"/>
+              <a:t>Click to edit Master title style</a:t>
+            </a:r>
+            <a:endParaRPr lang="en-US" dirty="0"/>
+          </a:p>
+        </p:txBody>
+      </p:sp>
+      <p:sp>
+        <p:nvSpPr>
+          <p:cNvPr id="3" name="Text Placeholder 2"/>
+          <p:cNvSpPr>
+            <a:spLocks noGrp="1"/>
+          </p:cNvSpPr>
+          <p:nvPr>
+            <p:ph type="body" idx="1"/>
+          </p:nvPr>
+        </p:nvSpPr>
         <p:spPr>
           <a:xfrm>
-            <a:off x="839788" y="365125"/>
-            <a:ext cx="10515600" cy="1325563"/>
+            <a:off x="675745" y="2160983"/>
+            <a:ext cx="4185623" cy="576262"/>
           </a:xfrm>
         </p:spPr>
         <p:txBody>
-          <a:bodyPr/>
-          <a:lstStyle/>
-          <a:p>
-            <a:r>
-              <a:rPr lang="en-US"/>
-              <a:t>Click to edit Master title style</a:t>
-            </a:r>
-            <a:endParaRPr lang="en-US"/>
-          </a:p>
-        </p:txBody>
-      </p:sp>
-      <p:sp>
-        <p:nvSpPr>
-          <p:cNvPr id="3" name="Text Placeholder 2"/>
-          <p:cNvSpPr>
-            <a:spLocks noGrp="1"/>
-          </p:cNvSpPr>
-          <p:nvPr>
-            <p:ph type="body" idx="1"/>
-          </p:nvPr>
-        </p:nvSpPr>
-        <p:spPr>
-          <a:xfrm>
-            <a:off x="839788" y="1681163"/>
-            <a:ext cx="5157787" cy="823912"/>
-          </a:xfrm>
-        </p:spPr>
-        <p:txBody>
-          <a:bodyPr anchor="b"/>
+          <a:bodyPr anchor="b">
+            <a:noAutofit/>
+          </a:bodyPr>
           <a:lstStyle>
             <a:lvl1pPr marL="0" indent="0">
               <a:buNone/>
-              <a:defRPr sz="2400" b="1"/>
+              <a:defRPr sz="2400" b="0"/>
             </a:lvl1pPr>
             <a:lvl2pPr marL="457200" indent="0">
               <a:buNone/>
@@ -1409,8 +3636,8 @@
           <a:p>
             <a:pPr lvl="0"/>
             <a:r>
-              <a:rPr lang="en-US"/>
-              <a:t>Edit Master text styles</a:t>
+              <a:rPr lang="en-US" smtClean="0"/>
+              <a:t>Click to edit Master text styles</a:t>
             </a:r>
           </a:p>
         </p:txBody>
@@ -1427,48 +3654,50 @@
         </p:nvSpPr>
         <p:spPr>
           <a:xfrm>
-            <a:off x="839788" y="2505075"/>
-            <a:ext cx="5157787" cy="3684588"/>
+            <a:off x="675745" y="2737245"/>
+            <a:ext cx="4185623" cy="3304117"/>
           </a:xfrm>
         </p:spPr>
         <p:txBody>
-          <a:bodyPr/>
+          <a:bodyPr>
+            <a:normAutofit/>
+          </a:bodyPr>
           <a:lstStyle/>
           <a:p>
             <a:pPr lvl="0"/>
             <a:r>
-              <a:rPr lang="en-US"/>
-              <a:t>Edit Master text styles</a:t>
+              <a:rPr lang="en-US" smtClean="0"/>
+              <a:t>Click to edit Master text styles</a:t>
             </a:r>
           </a:p>
           <a:p>
             <a:pPr lvl="1"/>
             <a:r>
-              <a:rPr lang="en-US"/>
+              <a:rPr lang="en-US" smtClean="0"/>
               <a:t>Second level</a:t>
             </a:r>
           </a:p>
           <a:p>
             <a:pPr lvl="2"/>
             <a:r>
-              <a:rPr lang="en-US"/>
+              <a:rPr lang="en-US" smtClean="0"/>
               <a:t>Third level</a:t>
             </a:r>
           </a:p>
           <a:p>
             <a:pPr lvl="3"/>
             <a:r>
-              <a:rPr lang="en-US"/>
+              <a:rPr lang="en-US" smtClean="0"/>
               <a:t>Fourth level</a:t>
             </a:r>
           </a:p>
           <a:p>
             <a:pPr lvl="4"/>
             <a:r>
-              <a:rPr lang="en-US"/>
+              <a:rPr lang="en-US" smtClean="0"/>
               <a:t>Fifth level</a:t>
             </a:r>
-            <a:endParaRPr lang="en-US"/>
+            <a:endParaRPr lang="en-US" dirty="0"/>
           </a:p>
         </p:txBody>
       </p:sp>
@@ -1484,16 +3713,18 @@
         </p:nvSpPr>
         <p:spPr>
           <a:xfrm>
-            <a:off x="6172200" y="1681163"/>
-            <a:ext cx="5183188" cy="823912"/>
+            <a:off x="5088383" y="2160983"/>
+            <a:ext cx="4185618" cy="576262"/>
           </a:xfrm>
         </p:spPr>
         <p:txBody>
-          <a:bodyPr anchor="b"/>
+          <a:bodyPr anchor="b">
+            <a:noAutofit/>
+          </a:bodyPr>
           <a:lstStyle>
             <a:lvl1pPr marL="0" indent="0">
               <a:buNone/>
-              <a:defRPr sz="2400" b="1"/>
+              <a:defRPr sz="2400" b="0"/>
             </a:lvl1pPr>
             <a:lvl2pPr marL="457200" indent="0">
               <a:buNone/>
@@ -1531,8 +3762,8 @@
           <a:p>
             <a:pPr lvl="0"/>
             <a:r>
-              <a:rPr lang="en-US"/>
-              <a:t>Edit Master text styles</a:t>
+              <a:rPr lang="en-US" smtClean="0"/>
+              <a:t>Click to edit Master text styles</a:t>
             </a:r>
           </a:p>
         </p:txBody>
@@ -1549,69 +3780,71 @@
         </p:nvSpPr>
         <p:spPr>
           <a:xfrm>
-            <a:off x="6172200" y="2505075"/>
-            <a:ext cx="5183188" cy="3684588"/>
+            <a:off x="5088384" y="2737245"/>
+            <a:ext cx="4185617" cy="3304117"/>
           </a:xfrm>
         </p:spPr>
         <p:txBody>
+          <a:bodyPr>
+            <a:normAutofit/>
+          </a:bodyPr>
+          <a:lstStyle/>
+          <a:p>
+            <a:pPr lvl="0"/>
+            <a:r>
+              <a:rPr lang="en-US" smtClean="0"/>
+              <a:t>Click to edit Master text styles</a:t>
+            </a:r>
+          </a:p>
+          <a:p>
+            <a:pPr lvl="1"/>
+            <a:r>
+              <a:rPr lang="en-US" smtClean="0"/>
+              <a:t>Second level</a:t>
+            </a:r>
+          </a:p>
+          <a:p>
+            <a:pPr lvl="2"/>
+            <a:r>
+              <a:rPr lang="en-US" smtClean="0"/>
+              <a:t>Third level</a:t>
+            </a:r>
+          </a:p>
+          <a:p>
+            <a:pPr lvl="3"/>
+            <a:r>
+              <a:rPr lang="en-US" smtClean="0"/>
+              <a:t>Fourth level</a:t>
+            </a:r>
+          </a:p>
+          <a:p>
+            <a:pPr lvl="4"/>
+            <a:r>
+              <a:rPr lang="en-US" smtClean="0"/>
+              <a:t>Fifth level</a:t>
+            </a:r>
+            <a:endParaRPr lang="en-US" dirty="0"/>
+          </a:p>
+        </p:txBody>
+      </p:sp>
+      <p:sp>
+        <p:nvSpPr>
+          <p:cNvPr id="7" name="Date Placeholder 6"/>
+          <p:cNvSpPr>
+            <a:spLocks noGrp="1"/>
+          </p:cNvSpPr>
+          <p:nvPr>
+            <p:ph type="dt" sz="half" idx="10"/>
+          </p:nvPr>
+        </p:nvSpPr>
+        <p:spPr/>
+        <p:txBody>
           <a:bodyPr/>
           <a:lstStyle/>
           <a:p>
-            <a:pPr lvl="0"/>
-            <a:r>
-              <a:rPr lang="en-US"/>
-              <a:t>Edit Master text styles</a:t>
-            </a:r>
-          </a:p>
-          <a:p>
-            <a:pPr lvl="1"/>
-            <a:r>
-              <a:rPr lang="en-US"/>
-              <a:t>Second level</a:t>
-            </a:r>
-          </a:p>
-          <a:p>
-            <a:pPr lvl="2"/>
-            <a:r>
-              <a:rPr lang="en-US"/>
-              <a:t>Third level</a:t>
-            </a:r>
-          </a:p>
-          <a:p>
-            <a:pPr lvl="3"/>
-            <a:r>
-              <a:rPr lang="en-US"/>
-              <a:t>Fourth level</a:t>
-            </a:r>
-          </a:p>
-          <a:p>
-            <a:pPr lvl="4"/>
-            <a:r>
-              <a:rPr lang="en-US"/>
-              <a:t>Fifth level</a:t>
-            </a:r>
-            <a:endParaRPr lang="en-US"/>
-          </a:p>
-        </p:txBody>
-      </p:sp>
-      <p:sp>
-        <p:nvSpPr>
-          <p:cNvPr id="7" name="Date Placeholder 6"/>
-          <p:cNvSpPr>
-            <a:spLocks noGrp="1"/>
-          </p:cNvSpPr>
-          <p:nvPr>
-            <p:ph type="dt" sz="half" idx="10"/>
-          </p:nvPr>
-        </p:nvSpPr>
-        <p:spPr/>
-        <p:txBody>
-          <a:bodyPr/>
-          <a:lstStyle/>
-          <a:p>
             <a:fld id="{F9217CA3-C83D-4696-B2B2-00C5226867BC}" type="datetimeFigureOut">
               <a:rPr lang="en-US" smtClean="0"/>
-              <a:t>2016-03-01</a:t>
+              <a:t>3/3/2016</a:t>
             </a:fld>
             <a:endParaRPr lang="en-US"/>
           </a:p>
@@ -1662,7 +3895,7 @@
     </p:spTree>
     <p:extLst>
       <p:ext uri="{BB962C8B-B14F-4D97-AF65-F5344CB8AC3E}">
-        <p14:creationId xmlns:p14="http://schemas.microsoft.com/office/powerpoint/2010/main" val="932873761"/>
+        <p14:creationId xmlns:p14="http://schemas.microsoft.com/office/powerpoint/2010/main" val="2986787844"/>
       </p:ext>
     </p:extLst>
   </p:cSld>
@@ -1699,37 +3932,42 @@
             <p:ph type="title"/>
           </p:nvPr>
         </p:nvSpPr>
+        <p:spPr>
+          <a:xfrm>
+            <a:off x="677334" y="609600"/>
+            <a:ext cx="8596668" cy="1320800"/>
+          </a:xfrm>
+        </p:spPr>
+        <p:txBody>
+          <a:bodyPr/>
+          <a:lstStyle/>
+          <a:p>
+            <a:r>
+              <a:rPr lang="en-US" smtClean="0"/>
+              <a:t>Click to edit Master title style</a:t>
+            </a:r>
+            <a:endParaRPr lang="en-US" dirty="0"/>
+          </a:p>
+        </p:txBody>
+      </p:sp>
+      <p:sp>
+        <p:nvSpPr>
+          <p:cNvPr id="3" name="Date Placeholder 2"/>
+          <p:cNvSpPr>
+            <a:spLocks noGrp="1"/>
+          </p:cNvSpPr>
+          <p:nvPr>
+            <p:ph type="dt" sz="half" idx="10"/>
+          </p:nvPr>
+        </p:nvSpPr>
         <p:spPr/>
         <p:txBody>
           <a:bodyPr/>
           <a:lstStyle/>
           <a:p>
-            <a:r>
-              <a:rPr lang="en-US"/>
-              <a:t>Click to edit Master title style</a:t>
-            </a:r>
-            <a:endParaRPr lang="en-US"/>
-          </a:p>
-        </p:txBody>
-      </p:sp>
-      <p:sp>
-        <p:nvSpPr>
-          <p:cNvPr id="3" name="Date Placeholder 2"/>
-          <p:cNvSpPr>
-            <a:spLocks noGrp="1"/>
-          </p:cNvSpPr>
-          <p:nvPr>
-            <p:ph type="dt" sz="half" idx="10"/>
-          </p:nvPr>
-        </p:nvSpPr>
-        <p:spPr/>
-        <p:txBody>
-          <a:bodyPr/>
-          <a:lstStyle/>
-          <a:p>
             <a:fld id="{F9217CA3-C83D-4696-B2B2-00C5226867BC}" type="datetimeFigureOut">
               <a:rPr lang="en-US" smtClean="0"/>
-              <a:t>2016-03-01</a:t>
+              <a:t>3/3/2016</a:t>
             </a:fld>
             <a:endParaRPr lang="en-US"/>
           </a:p>
@@ -1780,7 +4018,7 @@
     </p:spTree>
     <p:extLst>
       <p:ext uri="{BB962C8B-B14F-4D97-AF65-F5344CB8AC3E}">
-        <p14:creationId xmlns:p14="http://schemas.microsoft.com/office/powerpoint/2010/main" val="3881442149"/>
+        <p14:creationId xmlns:p14="http://schemas.microsoft.com/office/powerpoint/2010/main" val="3032415744"/>
       </p:ext>
     </p:extLst>
   </p:cSld>
@@ -1824,7 +4062,7 @@
           <a:p>
             <a:fld id="{F9217CA3-C83D-4696-B2B2-00C5226867BC}" type="datetimeFigureOut">
               <a:rPr lang="en-US" smtClean="0"/>
-              <a:t>2016-03-01</a:t>
+              <a:t>3/3/2016</a:t>
             </a:fld>
             <a:endParaRPr lang="en-US"/>
           </a:p>
@@ -1875,7 +4113,7 @@
     </p:spTree>
     <p:extLst>
       <p:ext uri="{BB962C8B-B14F-4D97-AF65-F5344CB8AC3E}">
-        <p14:creationId xmlns:p14="http://schemas.microsoft.com/office/powerpoint/2010/main" val="2438833359"/>
+        <p14:creationId xmlns:p14="http://schemas.microsoft.com/office/powerpoint/2010/main" val="3245864107"/>
       </p:ext>
     </p:extLst>
   </p:cSld>
@@ -1914,23 +4152,25 @@
         </p:nvSpPr>
         <p:spPr>
           <a:xfrm>
-            <a:off x="839788" y="457200"/>
-            <a:ext cx="3932237" cy="1600200"/>
+            <a:off x="677334" y="1498604"/>
+            <a:ext cx="3854528" cy="1278466"/>
           </a:xfrm>
         </p:spPr>
         <p:txBody>
-          <a:bodyPr anchor="b"/>
+          <a:bodyPr anchor="b">
+            <a:normAutofit/>
+          </a:bodyPr>
           <a:lstStyle>
             <a:lvl1pPr>
-              <a:defRPr sz="3200"/>
+              <a:defRPr sz="2000"/>
             </a:lvl1pPr>
           </a:lstStyle>
           <a:p>
             <a:r>
-              <a:rPr lang="en-US"/>
+              <a:rPr lang="en-US" smtClean="0"/>
               <a:t>Click to edit Master title style</a:t>
             </a:r>
-            <a:endParaRPr lang="en-US"/>
+            <a:endParaRPr lang="en-US" dirty="0"/>
           </a:p>
         </p:txBody>
       </p:sp>
@@ -1946,76 +4186,50 @@
         </p:nvSpPr>
         <p:spPr>
           <a:xfrm>
-            <a:off x="5183188" y="987425"/>
-            <a:ext cx="6172200" cy="4873625"/>
+            <a:off x="4760461" y="514924"/>
+            <a:ext cx="4513541" cy="5526437"/>
           </a:xfrm>
         </p:spPr>
         <p:txBody>
-          <a:bodyPr/>
-          <a:lstStyle>
-            <a:lvl1pPr>
-              <a:defRPr sz="3200"/>
-            </a:lvl1pPr>
-            <a:lvl2pPr>
-              <a:defRPr sz="2800"/>
-            </a:lvl2pPr>
-            <a:lvl3pPr>
-              <a:defRPr sz="2400"/>
-            </a:lvl3pPr>
-            <a:lvl4pPr>
-              <a:defRPr sz="2000"/>
-            </a:lvl4pPr>
-            <a:lvl5pPr>
-              <a:defRPr sz="2000"/>
-            </a:lvl5pPr>
-            <a:lvl6pPr>
-              <a:defRPr sz="2000"/>
-            </a:lvl6pPr>
-            <a:lvl7pPr>
-              <a:defRPr sz="2000"/>
-            </a:lvl7pPr>
-            <a:lvl8pPr>
-              <a:defRPr sz="2000"/>
-            </a:lvl8pPr>
-            <a:lvl9pPr>
-              <a:defRPr sz="2000"/>
-            </a:lvl9pPr>
-          </a:lstStyle>
+          <a:bodyPr>
+            <a:normAutofit/>
+          </a:bodyPr>
+          <a:lstStyle/>
           <a:p>
             <a:pPr lvl="0"/>
             <a:r>
-              <a:rPr lang="en-US"/>
-              <a:t>Edit Master text styles</a:t>
+              <a:rPr lang="en-US" smtClean="0"/>
+              <a:t>Click to edit Master text styles</a:t>
             </a:r>
           </a:p>
           <a:p>
             <a:pPr lvl="1"/>
             <a:r>
-              <a:rPr lang="en-US"/>
+              <a:rPr lang="en-US" smtClean="0"/>
               <a:t>Second level</a:t>
             </a:r>
           </a:p>
           <a:p>
             <a:pPr lvl="2"/>
             <a:r>
-              <a:rPr lang="en-US"/>
+              <a:rPr lang="en-US" smtClean="0"/>
               <a:t>Third level</a:t>
             </a:r>
           </a:p>
           <a:p>
             <a:pPr lvl="3"/>
             <a:r>
-              <a:rPr lang="en-US"/>
+              <a:rPr lang="en-US" smtClean="0"/>
               <a:t>Fourth level</a:t>
             </a:r>
           </a:p>
           <a:p>
             <a:pPr lvl="4"/>
             <a:r>
-              <a:rPr lang="en-US"/>
+              <a:rPr lang="en-US" smtClean="0"/>
               <a:t>Fifth level</a:t>
             </a:r>
-            <a:endParaRPr lang="en-US"/>
+            <a:endParaRPr lang="en-US" dirty="0"/>
           </a:p>
         </p:txBody>
       </p:sp>
@@ -2031,46 +4245,48 @@
         </p:nvSpPr>
         <p:spPr>
           <a:xfrm>
-            <a:off x="839788" y="2057400"/>
-            <a:ext cx="3932237" cy="3811588"/>
+            <a:off x="677334" y="2777069"/>
+            <a:ext cx="3854528" cy="2584449"/>
           </a:xfrm>
         </p:spPr>
         <p:txBody>
-          <a:bodyPr/>
+          <a:bodyPr>
+            <a:normAutofit/>
+          </a:bodyPr>
           <a:lstStyle>
             <a:lvl1pPr marL="0" indent="0">
               <a:buNone/>
-              <a:defRPr sz="1600"/>
+              <a:defRPr sz="1400"/>
             </a:lvl1pPr>
-            <a:lvl2pPr marL="457200" indent="0">
+            <a:lvl2pPr marL="457063" indent="0">
               <a:buNone/>
               <a:defRPr sz="1400"/>
             </a:lvl2pPr>
-            <a:lvl3pPr marL="914400" indent="0">
+            <a:lvl3pPr marL="914126" indent="0">
               <a:buNone/>
               <a:defRPr sz="1200"/>
             </a:lvl3pPr>
-            <a:lvl4pPr marL="1371600" indent="0">
+            <a:lvl4pPr marL="1371189" indent="0">
               <a:buNone/>
               <a:defRPr sz="1000"/>
             </a:lvl4pPr>
-            <a:lvl5pPr marL="1828800" indent="0">
+            <a:lvl5pPr marL="1828251" indent="0">
               <a:buNone/>
               <a:defRPr sz="1000"/>
             </a:lvl5pPr>
-            <a:lvl6pPr marL="2286000" indent="0">
+            <a:lvl6pPr marL="2285314" indent="0">
               <a:buNone/>
               <a:defRPr sz="1000"/>
             </a:lvl6pPr>
-            <a:lvl7pPr marL="2743200" indent="0">
+            <a:lvl7pPr marL="2742377" indent="0">
               <a:buNone/>
               <a:defRPr sz="1000"/>
             </a:lvl7pPr>
-            <a:lvl8pPr marL="3200400" indent="0">
+            <a:lvl8pPr marL="3199440" indent="0">
               <a:buNone/>
               <a:defRPr sz="1000"/>
             </a:lvl8pPr>
-            <a:lvl9pPr marL="3657600" indent="0">
+            <a:lvl9pPr marL="3656503" indent="0">
               <a:buNone/>
               <a:defRPr sz="1000"/>
             </a:lvl9pPr>
@@ -2078,8 +4294,8 @@
           <a:p>
             <a:pPr lvl="0"/>
             <a:r>
-              <a:rPr lang="en-US"/>
-              <a:t>Edit Master text styles</a:t>
+              <a:rPr lang="en-US" smtClean="0"/>
+              <a:t>Click to edit Master text styles</a:t>
             </a:r>
           </a:p>
         </p:txBody>
@@ -2101,7 +4317,7 @@
           <a:p>
             <a:fld id="{F9217CA3-C83D-4696-B2B2-00C5226867BC}" type="datetimeFigureOut">
               <a:rPr lang="en-US" smtClean="0"/>
-              <a:t>2016-03-01</a:t>
+              <a:t>3/3/2016</a:t>
             </a:fld>
             <a:endParaRPr lang="en-US"/>
           </a:p>
@@ -2152,7 +4368,7 @@
     </p:spTree>
     <p:extLst>
       <p:ext uri="{BB962C8B-B14F-4D97-AF65-F5344CB8AC3E}">
-        <p14:creationId xmlns:p14="http://schemas.microsoft.com/office/powerpoint/2010/main" val="4051389469"/>
+        <p14:creationId xmlns:p14="http://schemas.microsoft.com/office/powerpoint/2010/main" val="595744166"/>
       </p:ext>
     </p:extLst>
   </p:cSld>
@@ -2191,23 +4407,25 @@
         </p:nvSpPr>
         <p:spPr>
           <a:xfrm>
-            <a:off x="839788" y="457200"/>
-            <a:ext cx="3932237" cy="1600200"/>
+            <a:off x="677334" y="4800600"/>
+            <a:ext cx="8596667" cy="566738"/>
           </a:xfrm>
         </p:spPr>
         <p:txBody>
-          <a:bodyPr anchor="b"/>
+          <a:bodyPr anchor="b">
+            <a:normAutofit/>
+          </a:bodyPr>
           <a:lstStyle>
-            <a:lvl1pPr>
-              <a:defRPr sz="3200"/>
+            <a:lvl1pPr algn="l">
+              <a:defRPr sz="2400" b="0"/>
             </a:lvl1pPr>
           </a:lstStyle>
           <a:p>
             <a:r>
-              <a:rPr lang="en-US"/>
+              <a:rPr lang="en-US" smtClean="0"/>
               <a:t>Click to edit Master title style</a:t>
             </a:r>
-            <a:endParaRPr lang="en-US"/>
+            <a:endParaRPr lang="en-US" dirty="0"/>
           </a:p>
         </p:txBody>
       </p:sp>
@@ -2215,7 +4433,7 @@
         <p:nvSpPr>
           <p:cNvPr id="3" name="Picture Placeholder 2"/>
           <p:cNvSpPr>
-            <a:spLocks noGrp="1"/>
+            <a:spLocks noGrp="1" noChangeAspect="1"/>
           </p:cNvSpPr>
           <p:nvPr>
             <p:ph type="pic" idx="1"/>
@@ -2223,140 +4441,125 @@
         </p:nvSpPr>
         <p:spPr>
           <a:xfrm>
-            <a:off x="5183188" y="987425"/>
-            <a:ext cx="6172200" cy="4873625"/>
+            <a:off x="677334" y="609600"/>
+            <a:ext cx="8596668" cy="3845718"/>
           </a:xfrm>
         </p:spPr>
         <p:txBody>
-          <a:bodyPr/>
+          <a:bodyPr anchor="t">
+            <a:normAutofit/>
+          </a:bodyPr>
           <a:lstStyle>
-            <a:lvl1pPr marL="0" indent="0">
-              <a:buNone/>
-              <a:defRPr sz="3200"/>
-            </a:lvl1pPr>
-            <a:lvl2pPr marL="457200" indent="0">
-              <a:buNone/>
-              <a:defRPr sz="2800"/>
-            </a:lvl2pPr>
-            <a:lvl3pPr marL="914400" indent="0">
-              <a:buNone/>
-              <a:defRPr sz="2400"/>
-            </a:lvl3pPr>
-            <a:lvl4pPr marL="1371600" indent="0">
-              <a:buNone/>
-              <a:defRPr sz="2000"/>
-            </a:lvl4pPr>
-            <a:lvl5pPr marL="1828800" indent="0">
-              <a:buNone/>
-              <a:defRPr sz="2000"/>
-            </a:lvl5pPr>
-            <a:lvl6pPr marL="2286000" indent="0">
-              <a:buNone/>
-              <a:defRPr sz="2000"/>
-            </a:lvl6pPr>
-            <a:lvl7pPr marL="2743200" indent="0">
-              <a:buNone/>
-              <a:defRPr sz="2000"/>
-            </a:lvl7pPr>
-            <a:lvl8pPr marL="3200400" indent="0">
-              <a:buNone/>
-              <a:defRPr sz="2000"/>
-            </a:lvl8pPr>
-            <a:lvl9pPr marL="3657600" indent="0">
-              <a:buNone/>
-              <a:defRPr sz="2000"/>
-            </a:lvl9pPr>
-          </a:lstStyle>
-          <a:p>
-            <a:endParaRPr lang="en-US"/>
-          </a:p>
-        </p:txBody>
-      </p:sp>
-      <p:sp>
-        <p:nvSpPr>
-          <p:cNvPr id="4" name="Text Placeholder 3"/>
-          <p:cNvSpPr>
-            <a:spLocks noGrp="1"/>
-          </p:cNvSpPr>
-          <p:nvPr>
-            <p:ph type="body" sz="half" idx="2"/>
-          </p:nvPr>
-        </p:nvSpPr>
-        <p:spPr>
-          <a:xfrm>
-            <a:off x="839788" y="2057400"/>
-            <a:ext cx="3932237" cy="3811588"/>
-          </a:xfrm>
-        </p:spPr>
-        <p:txBody>
-          <a:bodyPr/>
-          <a:lstStyle>
-            <a:lvl1pPr marL="0" indent="0">
+            <a:lvl1pPr marL="0" indent="0" algn="ctr">
               <a:buNone/>
               <a:defRPr sz="1600"/>
             </a:lvl1pPr>
             <a:lvl2pPr marL="457200" indent="0">
               <a:buNone/>
-              <a:defRPr sz="1400"/>
+              <a:defRPr sz="1600"/>
             </a:lvl2pPr>
             <a:lvl3pPr marL="914400" indent="0">
               <a:buNone/>
-              <a:defRPr sz="1200"/>
+              <a:defRPr sz="1600"/>
             </a:lvl3pPr>
             <a:lvl4pPr marL="1371600" indent="0">
               <a:buNone/>
-              <a:defRPr sz="1000"/>
+              <a:defRPr sz="1600"/>
             </a:lvl4pPr>
             <a:lvl5pPr marL="1828800" indent="0">
               <a:buNone/>
-              <a:defRPr sz="1000"/>
+              <a:defRPr sz="1600"/>
             </a:lvl5pPr>
             <a:lvl6pPr marL="2286000" indent="0">
               <a:buNone/>
-              <a:defRPr sz="1000"/>
+              <a:defRPr sz="1600"/>
             </a:lvl6pPr>
             <a:lvl7pPr marL="2743200" indent="0">
               <a:buNone/>
-              <a:defRPr sz="1000"/>
+              <a:defRPr sz="1600"/>
             </a:lvl7pPr>
             <a:lvl8pPr marL="3200400" indent="0">
               <a:buNone/>
-              <a:defRPr sz="1000"/>
+              <a:defRPr sz="1600"/>
             </a:lvl8pPr>
             <a:lvl9pPr marL="3657600" indent="0">
               <a:buNone/>
-              <a:defRPr sz="1000"/>
+              <a:defRPr sz="1600"/>
             </a:lvl9pPr>
           </a:lstStyle>
           <a:p>
+            <a:r>
+              <a:rPr lang="en-US" smtClean="0"/>
+              <a:t>Click icon to add picture</a:t>
+            </a:r>
+            <a:endParaRPr lang="en-US" dirty="0"/>
+          </a:p>
+        </p:txBody>
+      </p:sp>
+      <p:sp>
+        <p:nvSpPr>
+          <p:cNvPr id="4" name="Text Placeholder 3"/>
+          <p:cNvSpPr>
+            <a:spLocks noGrp="1"/>
+          </p:cNvSpPr>
+          <p:nvPr>
+            <p:ph type="body" sz="half" idx="2"/>
+          </p:nvPr>
+        </p:nvSpPr>
+        <p:spPr>
+          <a:xfrm>
+            <a:off x="677334" y="5367338"/>
+            <a:ext cx="8596667" cy="674024"/>
+          </a:xfrm>
+        </p:spPr>
+        <p:txBody>
+          <a:bodyPr>
+            <a:normAutofit/>
+          </a:bodyPr>
+          <a:lstStyle>
+            <a:lvl1pPr marL="0" indent="0">
+              <a:buNone/>
+              <a:defRPr sz="1200"/>
+            </a:lvl1pPr>
+            <a:lvl2pPr marL="457200" indent="0">
+              <a:buNone/>
+              <a:defRPr sz="1200"/>
+            </a:lvl2pPr>
+            <a:lvl3pPr marL="914400" indent="0">
+              <a:buNone/>
+              <a:defRPr sz="1000"/>
+            </a:lvl3pPr>
+            <a:lvl4pPr marL="1371600" indent="0">
+              <a:buNone/>
+              <a:defRPr sz="900"/>
+            </a:lvl4pPr>
+            <a:lvl5pPr marL="1828800" indent="0">
+              <a:buNone/>
+              <a:defRPr sz="900"/>
+            </a:lvl5pPr>
+            <a:lvl6pPr marL="2286000" indent="0">
+              <a:buNone/>
+              <a:defRPr sz="900"/>
+            </a:lvl6pPr>
+            <a:lvl7pPr marL="2743200" indent="0">
+              <a:buNone/>
+              <a:defRPr sz="900"/>
+            </a:lvl7pPr>
+            <a:lvl8pPr marL="3200400" indent="0">
+              <a:buNone/>
+              <a:defRPr sz="900"/>
+            </a:lvl8pPr>
+            <a:lvl9pPr marL="3657600" indent="0">
+              <a:buNone/>
+              <a:defRPr sz="900"/>
+            </a:lvl9pPr>
+          </a:lstStyle>
+          <a:p>
             <a:pPr lvl="0"/>
             <a:r>
-              <a:rPr lang="en-US"/>
-              <a:t>Edit Master text styles</a:t>
-            </a:r>
-          </a:p>
-        </p:txBody>
-      </p:sp>
-      <p:sp>
-        <p:nvSpPr>
-          <p:cNvPr id="5" name="Date Placeholder 4"/>
-          <p:cNvSpPr>
-            <a:spLocks noGrp="1"/>
-          </p:cNvSpPr>
-          <p:nvPr>
-            <p:ph type="dt" sz="half" idx="10"/>
-          </p:nvPr>
-        </p:nvSpPr>
-        <p:spPr/>
-        <p:txBody>
-          <a:bodyPr/>
-          <a:lstStyle/>
-          <a:p>
-            <a:fld id="{F9217CA3-C83D-4696-B2B2-00C5226867BC}" type="datetimeFigureOut">
-              <a:rPr lang="en-US" smtClean="0"/>
-              <a:t>2016-03-01</a:t>
-            </a:fld>
-            <a:endParaRPr lang="en-US"/>
+              <a:rPr lang="en-US" smtClean="0"/>
+              <a:t>Click to edit Master text styles</a:t>
+            </a:r>
           </a:p>
         </p:txBody>
       </p:sp>
@@ -2402,10 +4605,33 @@
           </a:p>
         </p:txBody>
       </p:sp>
+      <p:sp>
+        <p:nvSpPr>
+          <p:cNvPr id="5" name="Date Placeholder 4"/>
+          <p:cNvSpPr>
+            <a:spLocks noGrp="1"/>
+          </p:cNvSpPr>
+          <p:nvPr>
+            <p:ph type="dt" sz="half" idx="10"/>
+          </p:nvPr>
+        </p:nvSpPr>
+        <p:spPr/>
+        <p:txBody>
+          <a:bodyPr/>
+          <a:lstStyle/>
+          <a:p>
+            <a:fld id="{F9217CA3-C83D-4696-B2B2-00C5226867BC}" type="datetimeFigureOut">
+              <a:rPr lang="en-US" smtClean="0"/>
+              <a:t>3/3/2016</a:t>
+            </a:fld>
+            <a:endParaRPr lang="en-US"/>
+          </a:p>
+        </p:txBody>
+      </p:sp>
     </p:spTree>
     <p:extLst>
       <p:ext uri="{BB962C8B-B14F-4D97-AF65-F5344CB8AC3E}">
-        <p14:creationId xmlns:p14="http://schemas.microsoft.com/office/powerpoint/2010/main" val="3114966285"/>
+        <p14:creationId xmlns:p14="http://schemas.microsoft.com/office/powerpoint/2010/main" val="3555923209"/>
       </p:ext>
     </p:extLst>
   </p:cSld>
@@ -2437,6 +4663,537 @@
           <a:chExt cx="0" cy="0"/>
         </a:xfrm>
       </p:grpSpPr>
+      <p:grpSp>
+        <p:nvGrpSpPr>
+          <p:cNvPr id="44" name="Group 43"/>
+          <p:cNvGrpSpPr/>
+          <p:nvPr/>
+        </p:nvGrpSpPr>
+        <p:grpSpPr>
+          <a:xfrm>
+            <a:off x="0" y="-8467"/>
+            <a:ext cx="12192000" cy="6866467"/>
+            <a:chOff x="0" y="-8467"/>
+            <a:chExt cx="12192000" cy="6866467"/>
+          </a:xfrm>
+        </p:grpSpPr>
+        <p:cxnSp>
+          <p:nvCxnSpPr>
+            <p:cNvPr id="20" name="Straight Connector 19"/>
+            <p:cNvCxnSpPr/>
+            <p:nvPr/>
+          </p:nvCxnSpPr>
+          <p:spPr>
+            <a:xfrm>
+              <a:off x="9371012" y="0"/>
+              <a:ext cx="1219200" cy="6858000"/>
+            </a:xfrm>
+            <a:prstGeom prst="line">
+              <a:avLst/>
+            </a:prstGeom>
+            <a:ln w="9525">
+              <a:solidFill>
+                <a:schemeClr val="accent1">
+                  <a:alpha val="70000"/>
+                </a:schemeClr>
+              </a:solidFill>
+            </a:ln>
+          </p:spPr>
+          <p:style>
+            <a:lnRef idx="2">
+              <a:schemeClr val="accent1"/>
+            </a:lnRef>
+            <a:fillRef idx="0">
+              <a:schemeClr val="accent1"/>
+            </a:fillRef>
+            <a:effectRef idx="1">
+              <a:schemeClr val="accent1"/>
+            </a:effectRef>
+            <a:fontRef idx="minor">
+              <a:schemeClr val="tx1"/>
+            </a:fontRef>
+          </p:style>
+        </p:cxnSp>
+        <p:cxnSp>
+          <p:nvCxnSpPr>
+            <p:cNvPr id="21" name="Straight Connector 20"/>
+            <p:cNvCxnSpPr/>
+            <p:nvPr/>
+          </p:nvCxnSpPr>
+          <p:spPr>
+            <a:xfrm flipH="1">
+              <a:off x="7425267" y="3681413"/>
+              <a:ext cx="4763558" cy="3176587"/>
+            </a:xfrm>
+            <a:prstGeom prst="line">
+              <a:avLst/>
+            </a:prstGeom>
+            <a:ln w="9525">
+              <a:solidFill>
+                <a:schemeClr val="accent1">
+                  <a:alpha val="70000"/>
+                </a:schemeClr>
+              </a:solidFill>
+            </a:ln>
+          </p:spPr>
+          <p:style>
+            <a:lnRef idx="2">
+              <a:schemeClr val="accent1"/>
+            </a:lnRef>
+            <a:fillRef idx="0">
+              <a:schemeClr val="accent1"/>
+            </a:fillRef>
+            <a:effectRef idx="1">
+              <a:schemeClr val="accent1"/>
+            </a:effectRef>
+            <a:fontRef idx="minor">
+              <a:schemeClr val="tx1"/>
+            </a:fontRef>
+          </p:style>
+        </p:cxnSp>
+        <p:sp>
+          <p:nvSpPr>
+            <p:cNvPr id="22" name="Rectangle 23"/>
+            <p:cNvSpPr/>
+            <p:nvPr/>
+          </p:nvSpPr>
+          <p:spPr>
+            <a:xfrm>
+              <a:off x="9181476" y="-8467"/>
+              <a:ext cx="3007349" cy="6866467"/>
+            </a:xfrm>
+            <a:custGeom>
+              <a:avLst/>
+              <a:gdLst/>
+              <a:ahLst/>
+              <a:cxnLst/>
+              <a:rect l="l" t="t" r="r" b="b"/>
+              <a:pathLst>
+                <a:path w="3007349" h="6866467">
+                  <a:moveTo>
+                    <a:pt x="2045532" y="0"/>
+                  </a:moveTo>
+                  <a:lnTo>
+                    <a:pt x="3007349" y="0"/>
+                  </a:lnTo>
+                  <a:lnTo>
+                    <a:pt x="3007349" y="6866467"/>
+                  </a:lnTo>
+                  <a:lnTo>
+                    <a:pt x="0" y="6866467"/>
+                  </a:lnTo>
+                  <a:lnTo>
+                    <a:pt x="2045532" y="0"/>
+                  </a:lnTo>
+                  <a:close/>
+                </a:path>
+              </a:pathLst>
+            </a:custGeom>
+            <a:solidFill>
+              <a:schemeClr val="accent1">
+                <a:alpha val="36000"/>
+              </a:schemeClr>
+            </a:solidFill>
+            <a:ln>
+              <a:noFill/>
+            </a:ln>
+            <a:effectLst/>
+          </p:spPr>
+          <p:style>
+            <a:lnRef idx="1">
+              <a:schemeClr val="accent1"/>
+            </a:lnRef>
+            <a:fillRef idx="3">
+              <a:schemeClr val="accent1"/>
+            </a:fillRef>
+            <a:effectRef idx="2">
+              <a:schemeClr val="accent1"/>
+            </a:effectRef>
+            <a:fontRef idx="minor">
+              <a:schemeClr val="lt1"/>
+            </a:fontRef>
+          </p:style>
+        </p:sp>
+        <p:sp>
+          <p:nvSpPr>
+            <p:cNvPr id="23" name="Rectangle 25"/>
+            <p:cNvSpPr/>
+            <p:nvPr/>
+          </p:nvSpPr>
+          <p:spPr>
+            <a:xfrm>
+              <a:off x="9603442" y="-8467"/>
+              <a:ext cx="2588558" cy="6866467"/>
+            </a:xfrm>
+            <a:custGeom>
+              <a:avLst/>
+              <a:gdLst/>
+              <a:ahLst/>
+              <a:cxnLst/>
+              <a:rect l="l" t="t" r="r" b="b"/>
+              <a:pathLst>
+                <a:path w="2573311" h="6866467">
+                  <a:moveTo>
+                    <a:pt x="0" y="0"/>
+                  </a:moveTo>
+                  <a:lnTo>
+                    <a:pt x="2573311" y="0"/>
+                  </a:lnTo>
+                  <a:lnTo>
+                    <a:pt x="2573311" y="6866467"/>
+                  </a:lnTo>
+                  <a:lnTo>
+                    <a:pt x="1202336" y="6866467"/>
+                  </a:lnTo>
+                  <a:lnTo>
+                    <a:pt x="0" y="0"/>
+                  </a:lnTo>
+                  <a:close/>
+                </a:path>
+              </a:pathLst>
+            </a:custGeom>
+            <a:solidFill>
+              <a:schemeClr val="accent1">
+                <a:alpha val="20000"/>
+              </a:schemeClr>
+            </a:solidFill>
+            <a:ln>
+              <a:noFill/>
+            </a:ln>
+            <a:effectLst/>
+          </p:spPr>
+          <p:style>
+            <a:lnRef idx="1">
+              <a:schemeClr val="accent1"/>
+            </a:lnRef>
+            <a:fillRef idx="3">
+              <a:schemeClr val="accent1"/>
+            </a:fillRef>
+            <a:effectRef idx="2">
+              <a:schemeClr val="accent1"/>
+            </a:effectRef>
+            <a:fontRef idx="minor">
+              <a:schemeClr val="lt1"/>
+            </a:fontRef>
+          </p:style>
+        </p:sp>
+        <p:sp>
+          <p:nvSpPr>
+            <p:cNvPr id="24" name="Isosceles Triangle 23"/>
+            <p:cNvSpPr/>
+            <p:nvPr/>
+          </p:nvSpPr>
+          <p:spPr>
+            <a:xfrm>
+              <a:off x="8932333" y="3048000"/>
+              <a:ext cx="3259667" cy="3810000"/>
+            </a:xfrm>
+            <a:prstGeom prst="triangle">
+              <a:avLst>
+                <a:gd name="adj" fmla="val 100000"/>
+              </a:avLst>
+            </a:prstGeom>
+            <a:solidFill>
+              <a:schemeClr val="accent1">
+                <a:lumMod val="75000"/>
+                <a:alpha val="66000"/>
+              </a:schemeClr>
+            </a:solidFill>
+            <a:ln>
+              <a:noFill/>
+            </a:ln>
+            <a:effectLst/>
+          </p:spPr>
+          <p:style>
+            <a:lnRef idx="1">
+              <a:schemeClr val="accent1"/>
+            </a:lnRef>
+            <a:fillRef idx="3">
+              <a:schemeClr val="accent1"/>
+            </a:fillRef>
+            <a:effectRef idx="2">
+              <a:schemeClr val="accent1"/>
+            </a:effectRef>
+            <a:fontRef idx="minor">
+              <a:schemeClr val="lt1"/>
+            </a:fontRef>
+          </p:style>
+        </p:sp>
+        <p:sp>
+          <p:nvSpPr>
+            <p:cNvPr id="25" name="Rectangle 27"/>
+            <p:cNvSpPr/>
+            <p:nvPr/>
+          </p:nvSpPr>
+          <p:spPr>
+            <a:xfrm>
+              <a:off x="9334500" y="-8467"/>
+              <a:ext cx="2854326" cy="6866467"/>
+            </a:xfrm>
+            <a:custGeom>
+              <a:avLst/>
+              <a:gdLst/>
+              <a:ahLst/>
+              <a:cxnLst/>
+              <a:rect l="l" t="t" r="r" b="b"/>
+              <a:pathLst>
+                <a:path w="2858013" h="6866467">
+                  <a:moveTo>
+                    <a:pt x="0" y="0"/>
+                  </a:moveTo>
+                  <a:lnTo>
+                    <a:pt x="2858013" y="0"/>
+                  </a:lnTo>
+                  <a:lnTo>
+                    <a:pt x="2858013" y="6866467"/>
+                  </a:lnTo>
+                  <a:lnTo>
+                    <a:pt x="2473942" y="6866467"/>
+                  </a:lnTo>
+                  <a:lnTo>
+                    <a:pt x="0" y="0"/>
+                  </a:lnTo>
+                  <a:close/>
+                </a:path>
+              </a:pathLst>
+            </a:custGeom>
+            <a:solidFill>
+              <a:schemeClr val="accent1">
+                <a:lumMod val="75000"/>
+                <a:alpha val="50000"/>
+              </a:schemeClr>
+            </a:solidFill>
+            <a:ln>
+              <a:noFill/>
+            </a:ln>
+            <a:effectLst/>
+          </p:spPr>
+          <p:style>
+            <a:lnRef idx="1">
+              <a:schemeClr val="accent1"/>
+            </a:lnRef>
+            <a:fillRef idx="3">
+              <a:schemeClr val="accent1"/>
+            </a:fillRef>
+            <a:effectRef idx="2">
+              <a:schemeClr val="accent1"/>
+            </a:effectRef>
+            <a:fontRef idx="minor">
+              <a:schemeClr val="lt1"/>
+            </a:fontRef>
+          </p:style>
+        </p:sp>
+        <p:sp>
+          <p:nvSpPr>
+            <p:cNvPr id="26" name="Rectangle 28"/>
+            <p:cNvSpPr/>
+            <p:nvPr/>
+          </p:nvSpPr>
+          <p:spPr>
+            <a:xfrm>
+              <a:off x="10898730" y="-8467"/>
+              <a:ext cx="1290094" cy="6866467"/>
+            </a:xfrm>
+            <a:custGeom>
+              <a:avLst/>
+              <a:gdLst/>
+              <a:ahLst/>
+              <a:cxnLst/>
+              <a:rect l="l" t="t" r="r" b="b"/>
+              <a:pathLst>
+                <a:path w="1290094" h="6858000">
+                  <a:moveTo>
+                    <a:pt x="1019735" y="0"/>
+                  </a:moveTo>
+                  <a:lnTo>
+                    <a:pt x="1290094" y="0"/>
+                  </a:lnTo>
+                  <a:lnTo>
+                    <a:pt x="1290094" y="6858000"/>
+                  </a:lnTo>
+                  <a:lnTo>
+                    <a:pt x="0" y="6858000"/>
+                  </a:lnTo>
+                  <a:lnTo>
+                    <a:pt x="1019735" y="0"/>
+                  </a:lnTo>
+                  <a:close/>
+                </a:path>
+              </a:pathLst>
+            </a:custGeom>
+            <a:solidFill>
+              <a:schemeClr val="accent2">
+                <a:alpha val="70000"/>
+              </a:schemeClr>
+            </a:solidFill>
+            <a:ln>
+              <a:noFill/>
+            </a:ln>
+            <a:effectLst/>
+          </p:spPr>
+          <p:style>
+            <a:lnRef idx="1">
+              <a:schemeClr val="accent1"/>
+            </a:lnRef>
+            <a:fillRef idx="3">
+              <a:schemeClr val="accent1"/>
+            </a:fillRef>
+            <a:effectRef idx="2">
+              <a:schemeClr val="accent1"/>
+            </a:effectRef>
+            <a:fontRef idx="minor">
+              <a:schemeClr val="lt1"/>
+            </a:fontRef>
+          </p:style>
+        </p:sp>
+        <p:sp>
+          <p:nvSpPr>
+            <p:cNvPr id="27" name="Rectangle 29"/>
+            <p:cNvSpPr/>
+            <p:nvPr/>
+          </p:nvSpPr>
+          <p:spPr>
+            <a:xfrm>
+              <a:off x="10938999" y="-8467"/>
+              <a:ext cx="1249825" cy="6866467"/>
+            </a:xfrm>
+            <a:custGeom>
+              <a:avLst/>
+              <a:gdLst/>
+              <a:ahLst/>
+              <a:cxnLst/>
+              <a:rect l="l" t="t" r="r" b="b"/>
+              <a:pathLst>
+                <a:path w="1249825" h="6858000">
+                  <a:moveTo>
+                    <a:pt x="0" y="0"/>
+                  </a:moveTo>
+                  <a:lnTo>
+                    <a:pt x="1249825" y="0"/>
+                  </a:lnTo>
+                  <a:lnTo>
+                    <a:pt x="1249825" y="6858000"/>
+                  </a:lnTo>
+                  <a:lnTo>
+                    <a:pt x="1109382" y="6858000"/>
+                  </a:lnTo>
+                  <a:lnTo>
+                    <a:pt x="0" y="0"/>
+                  </a:lnTo>
+                  <a:close/>
+                </a:path>
+              </a:pathLst>
+            </a:custGeom>
+            <a:solidFill>
+              <a:schemeClr val="accent2">
+                <a:lumMod val="75000"/>
+                <a:alpha val="80000"/>
+              </a:schemeClr>
+            </a:solidFill>
+            <a:ln>
+              <a:noFill/>
+            </a:ln>
+            <a:effectLst/>
+          </p:spPr>
+          <p:style>
+            <a:lnRef idx="1">
+              <a:schemeClr val="accent1"/>
+            </a:lnRef>
+            <a:fillRef idx="3">
+              <a:schemeClr val="accent1"/>
+            </a:fillRef>
+            <a:effectRef idx="2">
+              <a:schemeClr val="accent1"/>
+            </a:effectRef>
+            <a:fontRef idx="minor">
+              <a:schemeClr val="lt1"/>
+            </a:fontRef>
+          </p:style>
+        </p:sp>
+        <p:sp>
+          <p:nvSpPr>
+            <p:cNvPr id="28" name="Isosceles Triangle 27"/>
+            <p:cNvSpPr/>
+            <p:nvPr/>
+          </p:nvSpPr>
+          <p:spPr>
+            <a:xfrm>
+              <a:off x="10371666" y="3589867"/>
+              <a:ext cx="1817159" cy="3268133"/>
+            </a:xfrm>
+            <a:prstGeom prst="triangle">
+              <a:avLst>
+                <a:gd name="adj" fmla="val 100000"/>
+              </a:avLst>
+            </a:prstGeom>
+            <a:solidFill>
+              <a:schemeClr val="accent1">
+                <a:lumMod val="75000"/>
+                <a:alpha val="66000"/>
+              </a:schemeClr>
+            </a:solidFill>
+            <a:ln>
+              <a:noFill/>
+            </a:ln>
+            <a:effectLst/>
+          </p:spPr>
+          <p:style>
+            <a:lnRef idx="1">
+              <a:schemeClr val="accent1"/>
+            </a:lnRef>
+            <a:fillRef idx="3">
+              <a:schemeClr val="accent1"/>
+            </a:fillRef>
+            <a:effectRef idx="2">
+              <a:schemeClr val="accent1"/>
+            </a:effectRef>
+            <a:fontRef idx="minor">
+              <a:schemeClr val="lt1"/>
+            </a:fontRef>
+          </p:style>
+        </p:sp>
+        <p:sp>
+          <p:nvSpPr>
+            <p:cNvPr id="19" name="Isosceles Triangle 18"/>
+            <p:cNvSpPr/>
+            <p:nvPr/>
+          </p:nvSpPr>
+          <p:spPr>
+            <a:xfrm>
+              <a:off x="0" y="4013200"/>
+              <a:ext cx="448733" cy="2844800"/>
+            </a:xfrm>
+            <a:prstGeom prst="triangle">
+              <a:avLst>
+                <a:gd name="adj" fmla="val 0"/>
+              </a:avLst>
+            </a:prstGeom>
+            <a:solidFill>
+              <a:schemeClr val="accent1">
+                <a:alpha val="70000"/>
+              </a:schemeClr>
+            </a:solidFill>
+            <a:ln>
+              <a:noFill/>
+            </a:ln>
+            <a:effectLst/>
+          </p:spPr>
+          <p:style>
+            <a:lnRef idx="1">
+              <a:schemeClr val="accent1"/>
+            </a:lnRef>
+            <a:fillRef idx="3">
+              <a:schemeClr val="accent1"/>
+            </a:fillRef>
+            <a:effectRef idx="2">
+              <a:schemeClr val="accent1"/>
+            </a:effectRef>
+            <a:fontRef idx="minor">
+              <a:schemeClr val="lt1"/>
+            </a:fontRef>
+          </p:style>
+        </p:sp>
+      </p:grpSp>
       <p:sp>
         <p:nvSpPr>
           <p:cNvPr id="2" name="Title Placeholder 1"/>
@@ -2449,24 +5206,24 @@
         </p:nvSpPr>
         <p:spPr>
           <a:xfrm>
-            <a:off x="838200" y="365125"/>
-            <a:ext cx="10515600" cy="1325563"/>
+            <a:off x="677334" y="609600"/>
+            <a:ext cx="8596668" cy="1320800"/>
           </a:xfrm>
           <a:prstGeom prst="rect">
             <a:avLst/>
           </a:prstGeom>
         </p:spPr>
         <p:txBody>
-          <a:bodyPr vert="horz" lIns="91440" tIns="45720" rIns="91440" bIns="45720" rtlCol="0" anchor="ctr">
+          <a:bodyPr vert="horz" lIns="91440" tIns="45720" rIns="91440" bIns="45720" rtlCol="0" anchor="t">
             <a:normAutofit/>
           </a:bodyPr>
           <a:lstStyle/>
           <a:p>
             <a:r>
-              <a:rPr lang="en-US"/>
+              <a:rPr lang="en-US" smtClean="0"/>
               <a:t>Click to edit Master title style</a:t>
             </a:r>
-            <a:endParaRPr lang="en-US"/>
+            <a:endParaRPr lang="en-US" dirty="0"/>
           </a:p>
         </p:txBody>
       </p:sp>
@@ -2482,8 +5239,8 @@
         </p:nvSpPr>
         <p:spPr>
           <a:xfrm>
-            <a:off x="838200" y="1825625"/>
-            <a:ext cx="10515600" cy="4351338"/>
+            <a:off x="677334" y="2160589"/>
+            <a:ext cx="8596668" cy="3880773"/>
           </a:xfrm>
           <a:prstGeom prst="rect">
             <a:avLst/>
@@ -2497,38 +5254,38 @@
           <a:p>
             <a:pPr lvl="0"/>
             <a:r>
-              <a:rPr lang="en-US"/>
-              <a:t>Edit Master text styles</a:t>
+              <a:rPr lang="en-US" smtClean="0"/>
+              <a:t>Click to edit Master text styles</a:t>
             </a:r>
           </a:p>
           <a:p>
             <a:pPr lvl="1"/>
             <a:r>
-              <a:rPr lang="en-US"/>
+              <a:rPr lang="en-US" smtClean="0"/>
               <a:t>Second level</a:t>
             </a:r>
           </a:p>
           <a:p>
             <a:pPr lvl="2"/>
             <a:r>
-              <a:rPr lang="en-US"/>
+              <a:rPr lang="en-US" smtClean="0"/>
               <a:t>Third level</a:t>
             </a:r>
           </a:p>
           <a:p>
             <a:pPr lvl="3"/>
             <a:r>
-              <a:rPr lang="en-US"/>
+              <a:rPr lang="en-US" smtClean="0"/>
               <a:t>Fourth level</a:t>
             </a:r>
           </a:p>
           <a:p>
             <a:pPr lvl="4"/>
             <a:r>
-              <a:rPr lang="en-US"/>
+              <a:rPr lang="en-US" smtClean="0"/>
               <a:t>Fifth level</a:t>
             </a:r>
-            <a:endParaRPr lang="en-US"/>
+            <a:endParaRPr lang="en-US" dirty="0"/>
           </a:p>
         </p:txBody>
       </p:sp>
@@ -2544,8 +5301,8 @@
         </p:nvSpPr>
         <p:spPr>
           <a:xfrm>
-            <a:off x="838200" y="6356350"/>
-            <a:ext cx="2743200" cy="365125"/>
+            <a:off x="7205133" y="6041362"/>
+            <a:ext cx="911939" cy="365125"/>
           </a:xfrm>
           <a:prstGeom prst="rect">
             <a:avLst/>
@@ -2554,8 +5311,8 @@
         <p:txBody>
           <a:bodyPr vert="horz" lIns="91440" tIns="45720" rIns="91440" bIns="45720" rtlCol="0" anchor="ctr"/>
           <a:lstStyle>
-            <a:lvl1pPr algn="l">
-              <a:defRPr sz="1200">
+            <a:lvl1pPr algn="r">
+              <a:defRPr sz="900">
                 <a:solidFill>
                   <a:schemeClr val="tx1">
                     <a:tint val="75000"/>
@@ -2567,7 +5324,7 @@
           <a:p>
             <a:fld id="{F9217CA3-C83D-4696-B2B2-00C5226867BC}" type="datetimeFigureOut">
               <a:rPr lang="en-US" smtClean="0"/>
-              <a:t>2016-03-01</a:t>
+              <a:t>3/3/2016</a:t>
             </a:fld>
             <a:endParaRPr lang="en-US"/>
           </a:p>
@@ -2585,8 +5342,8 @@
         </p:nvSpPr>
         <p:spPr>
           <a:xfrm>
-            <a:off x="4038600" y="6356350"/>
-            <a:ext cx="4114800" cy="365125"/>
+            <a:off x="677334" y="6041362"/>
+            <a:ext cx="6297612" cy="365125"/>
           </a:xfrm>
           <a:prstGeom prst="rect">
             <a:avLst/>
@@ -2595,8 +5352,8 @@
         <p:txBody>
           <a:bodyPr vert="horz" lIns="91440" tIns="45720" rIns="91440" bIns="45720" rtlCol="0" anchor="ctr"/>
           <a:lstStyle>
-            <a:lvl1pPr algn="ctr">
-              <a:defRPr sz="1200">
+            <a:lvl1pPr algn="l">
+              <a:defRPr sz="900">
                 <a:solidFill>
                   <a:schemeClr val="tx1">
                     <a:tint val="75000"/>
@@ -2622,8 +5379,8 @@
         </p:nvSpPr>
         <p:spPr>
           <a:xfrm>
-            <a:off x="8610600" y="6356350"/>
-            <a:ext cx="2743200" cy="365125"/>
+            <a:off x="8590663" y="6041362"/>
+            <a:ext cx="683339" cy="365125"/>
           </a:xfrm>
           <a:prstGeom prst="rect">
             <a:avLst/>
@@ -2633,11 +5390,9 @@
           <a:bodyPr vert="horz" lIns="91440" tIns="45720" rIns="91440" bIns="45720" rtlCol="0" anchor="ctr"/>
           <a:lstStyle>
             <a:lvl1pPr algn="r">
-              <a:defRPr sz="1200">
+              <a:defRPr sz="900">
                 <a:solidFill>
-                  <a:schemeClr val="tx1">
-                    <a:tint val="75000"/>
-                  </a:schemeClr>
+                  <a:schemeClr val="accent1"/>
                 </a:solidFill>
               </a:defRPr>
             </a:lvl1pPr>
@@ -2654,201 +5409,322 @@
     </p:spTree>
     <p:extLst>
       <p:ext uri="{BB962C8B-B14F-4D97-AF65-F5344CB8AC3E}">
-        <p14:creationId xmlns:p14="http://schemas.microsoft.com/office/powerpoint/2010/main" val="3451542086"/>
+        <p14:creationId xmlns:p14="http://schemas.microsoft.com/office/powerpoint/2010/main" val="1328850888"/>
       </p:ext>
     </p:extLst>
   </p:cSld>
   <p:clrMap bg1="lt1" tx1="dk1" bg2="lt2" tx2="dk2" accent1="accent1" accent2="accent2" accent3="accent3" accent4="accent4" accent5="accent5" accent6="accent6" hlink="hlink" folHlink="folHlink"/>
   <p:sldLayoutIdLst>
-    <p:sldLayoutId id="2147483649" r:id="rId1"/>
-    <p:sldLayoutId id="2147483650" r:id="rId2"/>
-    <p:sldLayoutId id="2147483651" r:id="rId3"/>
-    <p:sldLayoutId id="2147483652" r:id="rId4"/>
-    <p:sldLayoutId id="2147483653" r:id="rId5"/>
-    <p:sldLayoutId id="2147483654" r:id="rId6"/>
-    <p:sldLayoutId id="2147483655" r:id="rId7"/>
-    <p:sldLayoutId id="2147483656" r:id="rId8"/>
-    <p:sldLayoutId id="2147483657" r:id="rId9"/>
-    <p:sldLayoutId id="2147483658" r:id="rId10"/>
-    <p:sldLayoutId id="2147483659" r:id="rId11"/>
+    <p:sldLayoutId id="2147483678" r:id="rId1"/>
+    <p:sldLayoutId id="2147483679" r:id="rId2"/>
+    <p:sldLayoutId id="2147483680" r:id="rId3"/>
+    <p:sldLayoutId id="2147483681" r:id="rId4"/>
+    <p:sldLayoutId id="2147483682" r:id="rId5"/>
+    <p:sldLayoutId id="2147483683" r:id="rId6"/>
+    <p:sldLayoutId id="2147483684" r:id="rId7"/>
+    <p:sldLayoutId id="2147483685" r:id="rId8"/>
+    <p:sldLayoutId id="2147483686" r:id="rId9"/>
+    <p:sldLayoutId id="2147483687" r:id="rId10"/>
+    <p:sldLayoutId id="2147483688" r:id="rId11"/>
+    <p:sldLayoutId id="2147483689" r:id="rId12"/>
+    <p:sldLayoutId id="2147483690" r:id="rId13"/>
+    <p:sldLayoutId id="2147483691" r:id="rId14"/>
+    <p:sldLayoutId id="2147483692" r:id="rId15"/>
+    <p:sldLayoutId id="2147483693" r:id="rId16"/>
   </p:sldLayoutIdLst>
   <p:txStyles>
     <p:titleStyle>
-      <a:lvl1pPr algn="l" defTabSz="914400" rtl="0" eaLnBrk="1" latinLnBrk="0" hangingPunct="1">
-        <a:lnSpc>
-          <a:spcPct val="90000"/>
-        </a:lnSpc>
+      <a:lvl1pPr algn="l" defTabSz="457200" rtl="0" eaLnBrk="1" latinLnBrk="0" hangingPunct="1">
         <a:spcBef>
           <a:spcPct val="0"/>
         </a:spcBef>
         <a:buNone/>
-        <a:defRPr sz="4400" kern="1200">
+        <a:defRPr sz="3600" kern="1200">
           <a:solidFill>
-            <a:schemeClr val="tx1"/>
+            <a:schemeClr val="accent1"/>
           </a:solidFill>
           <a:latin typeface="+mj-lt"/>
           <a:ea typeface="+mj-ea"/>
           <a:cs typeface="+mj-cs"/>
         </a:defRPr>
       </a:lvl1pPr>
+      <a:lvl2pPr eaLnBrk="1" hangingPunct="1">
+        <a:defRPr>
+          <a:solidFill>
+            <a:schemeClr val="tx2"/>
+          </a:solidFill>
+        </a:defRPr>
+      </a:lvl2pPr>
+      <a:lvl3pPr eaLnBrk="1" hangingPunct="1">
+        <a:defRPr>
+          <a:solidFill>
+            <a:schemeClr val="tx2"/>
+          </a:solidFill>
+        </a:defRPr>
+      </a:lvl3pPr>
+      <a:lvl4pPr eaLnBrk="1" hangingPunct="1">
+        <a:defRPr>
+          <a:solidFill>
+            <a:schemeClr val="tx2"/>
+          </a:solidFill>
+        </a:defRPr>
+      </a:lvl4pPr>
+      <a:lvl5pPr eaLnBrk="1" hangingPunct="1">
+        <a:defRPr>
+          <a:solidFill>
+            <a:schemeClr val="tx2"/>
+          </a:solidFill>
+        </a:defRPr>
+      </a:lvl5pPr>
+      <a:lvl6pPr eaLnBrk="1" hangingPunct="1">
+        <a:defRPr>
+          <a:solidFill>
+            <a:schemeClr val="tx2"/>
+          </a:solidFill>
+        </a:defRPr>
+      </a:lvl6pPr>
+      <a:lvl7pPr eaLnBrk="1" hangingPunct="1">
+        <a:defRPr>
+          <a:solidFill>
+            <a:schemeClr val="tx2"/>
+          </a:solidFill>
+        </a:defRPr>
+      </a:lvl7pPr>
+      <a:lvl8pPr eaLnBrk="1" hangingPunct="1">
+        <a:defRPr>
+          <a:solidFill>
+            <a:schemeClr val="tx2"/>
+          </a:solidFill>
+        </a:defRPr>
+      </a:lvl8pPr>
+      <a:lvl9pPr eaLnBrk="1" hangingPunct="1">
+        <a:defRPr>
+          <a:solidFill>
+            <a:schemeClr val="tx2"/>
+          </a:solidFill>
+        </a:defRPr>
+      </a:lvl9pPr>
     </p:titleStyle>
     <p:bodyStyle>
-      <a:lvl1pPr marL="228600" indent="-228600" algn="l" defTabSz="914400" rtl="0" eaLnBrk="1" latinLnBrk="0" hangingPunct="1">
-        <a:lnSpc>
-          <a:spcPct val="90000"/>
-        </a:lnSpc>
+      <a:lvl1pPr marL="342900" indent="-342900" algn="l" defTabSz="457200" rtl="0" eaLnBrk="1" latinLnBrk="0" hangingPunct="1">
         <a:spcBef>
           <a:spcPts val="1000"/>
         </a:spcBef>
-        <a:buFont typeface="Arial" panose="020B0604020202020204" pitchFamily="34" charset="0"/>
-        <a:buChar char="•"/>
-        <a:defRPr sz="2800" kern="1200">
+        <a:spcAft>
+          <a:spcPts val="0"/>
+        </a:spcAft>
+        <a:buClr>
+          <a:schemeClr val="accent1"/>
+        </a:buClr>
+        <a:buSzPct val="80000"/>
+        <a:buFont typeface="Wingdings 3" charset="2"/>
+        <a:buChar char=""/>
+        <a:defRPr sz="1800" kern="1200">
           <a:solidFill>
-            <a:schemeClr val="tx1"/>
+            <a:schemeClr val="tx1">
+              <a:lumMod val="75000"/>
+              <a:lumOff val="25000"/>
+            </a:schemeClr>
           </a:solidFill>
           <a:latin typeface="+mn-lt"/>
           <a:ea typeface="+mn-ea"/>
           <a:cs typeface="+mn-cs"/>
         </a:defRPr>
       </a:lvl1pPr>
-      <a:lvl2pPr marL="685800" indent="-228600" algn="l" defTabSz="914400" rtl="0" eaLnBrk="1" latinLnBrk="0" hangingPunct="1">
-        <a:lnSpc>
-          <a:spcPct val="90000"/>
-        </a:lnSpc>
+      <a:lvl2pPr marL="742950" indent="-285750" algn="l" defTabSz="457200" rtl="0" eaLnBrk="1" latinLnBrk="0" hangingPunct="1">
         <a:spcBef>
-          <a:spcPts val="500"/>
+          <a:spcPts val="1000"/>
         </a:spcBef>
-        <a:buFont typeface="Arial" panose="020B0604020202020204" pitchFamily="34" charset="0"/>
-        <a:buChar char="•"/>
-        <a:defRPr sz="2400" kern="1200">
+        <a:spcAft>
+          <a:spcPts val="0"/>
+        </a:spcAft>
+        <a:buClr>
+          <a:schemeClr val="accent1"/>
+        </a:buClr>
+        <a:buSzPct val="80000"/>
+        <a:buFont typeface="Wingdings 3" charset="2"/>
+        <a:buChar char=""/>
+        <a:defRPr sz="1600" kern="1200">
           <a:solidFill>
-            <a:schemeClr val="tx1"/>
+            <a:schemeClr val="tx1">
+              <a:lumMod val="75000"/>
+              <a:lumOff val="25000"/>
+            </a:schemeClr>
           </a:solidFill>
           <a:latin typeface="+mn-lt"/>
           <a:ea typeface="+mn-ea"/>
           <a:cs typeface="+mn-cs"/>
         </a:defRPr>
       </a:lvl2pPr>
-      <a:lvl3pPr marL="1143000" indent="-228600" algn="l" defTabSz="914400" rtl="0" eaLnBrk="1" latinLnBrk="0" hangingPunct="1">
-        <a:lnSpc>
-          <a:spcPct val="90000"/>
-        </a:lnSpc>
+      <a:lvl3pPr marL="1143000" indent="-228600" algn="l" defTabSz="457200" rtl="0" eaLnBrk="1" latinLnBrk="0" hangingPunct="1">
         <a:spcBef>
-          <a:spcPts val="500"/>
+          <a:spcPts val="1000"/>
         </a:spcBef>
-        <a:buFont typeface="Arial" panose="020B0604020202020204" pitchFamily="34" charset="0"/>
-        <a:buChar char="•"/>
-        <a:defRPr sz="2000" kern="1200">
+        <a:spcAft>
+          <a:spcPts val="0"/>
+        </a:spcAft>
+        <a:buClr>
+          <a:schemeClr val="accent1"/>
+        </a:buClr>
+        <a:buSzPct val="80000"/>
+        <a:buFont typeface="Wingdings 3" charset="2"/>
+        <a:buChar char=""/>
+        <a:defRPr sz="1400" kern="1200">
           <a:solidFill>
-            <a:schemeClr val="tx1"/>
+            <a:schemeClr val="tx1">
+              <a:lumMod val="75000"/>
+              <a:lumOff val="25000"/>
+            </a:schemeClr>
           </a:solidFill>
           <a:latin typeface="+mn-lt"/>
           <a:ea typeface="+mn-ea"/>
           <a:cs typeface="+mn-cs"/>
         </a:defRPr>
       </a:lvl3pPr>
-      <a:lvl4pPr marL="1600200" indent="-228600" algn="l" defTabSz="914400" rtl="0" eaLnBrk="1" latinLnBrk="0" hangingPunct="1">
-        <a:lnSpc>
-          <a:spcPct val="90000"/>
-        </a:lnSpc>
+      <a:lvl4pPr marL="1600200" indent="-228600" algn="l" defTabSz="457200" rtl="0" eaLnBrk="1" latinLnBrk="0" hangingPunct="1">
         <a:spcBef>
-          <a:spcPts val="500"/>
+          <a:spcPts val="1000"/>
         </a:spcBef>
-        <a:buFont typeface="Arial" panose="020B0604020202020204" pitchFamily="34" charset="0"/>
-        <a:buChar char="•"/>
-        <a:defRPr sz="1800" kern="1200">
+        <a:spcAft>
+          <a:spcPts val="0"/>
+        </a:spcAft>
+        <a:buClr>
+          <a:schemeClr val="accent1"/>
+        </a:buClr>
+        <a:buSzPct val="80000"/>
+        <a:buFont typeface="Wingdings 3" charset="2"/>
+        <a:buChar char=""/>
+        <a:defRPr sz="1200" kern="1200">
           <a:solidFill>
-            <a:schemeClr val="tx1"/>
+            <a:schemeClr val="tx1">
+              <a:lumMod val="75000"/>
+              <a:lumOff val="25000"/>
+            </a:schemeClr>
           </a:solidFill>
           <a:latin typeface="+mn-lt"/>
           <a:ea typeface="+mn-ea"/>
           <a:cs typeface="+mn-cs"/>
         </a:defRPr>
       </a:lvl4pPr>
-      <a:lvl5pPr marL="2057400" indent="-228600" algn="l" defTabSz="914400" rtl="0" eaLnBrk="1" latinLnBrk="0" hangingPunct="1">
-        <a:lnSpc>
-          <a:spcPct val="90000"/>
-        </a:lnSpc>
+      <a:lvl5pPr marL="2057400" indent="-228600" algn="l" defTabSz="457200" rtl="0" eaLnBrk="1" latinLnBrk="0" hangingPunct="1">
         <a:spcBef>
-          <a:spcPts val="500"/>
+          <a:spcPts val="1000"/>
         </a:spcBef>
-        <a:buFont typeface="Arial" panose="020B0604020202020204" pitchFamily="34" charset="0"/>
-        <a:buChar char="•"/>
-        <a:defRPr sz="1800" kern="1200">
+        <a:spcAft>
+          <a:spcPts val="0"/>
+        </a:spcAft>
+        <a:buClr>
+          <a:schemeClr val="accent1"/>
+        </a:buClr>
+        <a:buSzPct val="80000"/>
+        <a:buFont typeface="Wingdings 3" charset="2"/>
+        <a:buChar char=""/>
+        <a:defRPr sz="1200" kern="1200">
           <a:solidFill>
-            <a:schemeClr val="tx1"/>
+            <a:schemeClr val="tx1">
+              <a:lumMod val="75000"/>
+              <a:lumOff val="25000"/>
+            </a:schemeClr>
           </a:solidFill>
           <a:latin typeface="+mn-lt"/>
           <a:ea typeface="+mn-ea"/>
           <a:cs typeface="+mn-cs"/>
         </a:defRPr>
       </a:lvl5pPr>
-      <a:lvl6pPr marL="2514600" indent="-228600" algn="l" defTabSz="914400" rtl="0" eaLnBrk="1" latinLnBrk="0" hangingPunct="1">
-        <a:lnSpc>
-          <a:spcPct val="90000"/>
-        </a:lnSpc>
+      <a:lvl6pPr marL="2514600" indent="-228600" algn="l" defTabSz="457200" rtl="0" eaLnBrk="1" latinLnBrk="0" hangingPunct="1">
         <a:spcBef>
-          <a:spcPts val="500"/>
+          <a:spcPts val="1000"/>
         </a:spcBef>
-        <a:buFont typeface="Arial" panose="020B0604020202020204" pitchFamily="34" charset="0"/>
-        <a:buChar char="•"/>
-        <a:defRPr sz="1800" kern="1200">
+        <a:spcAft>
+          <a:spcPts val="0"/>
+        </a:spcAft>
+        <a:buClr>
+          <a:schemeClr val="accent1"/>
+        </a:buClr>
+        <a:buSzPct val="80000"/>
+        <a:buFont typeface="Wingdings 3" charset="2"/>
+        <a:buChar char=""/>
+        <a:defRPr sz="1200" kern="1200">
           <a:solidFill>
-            <a:schemeClr val="tx1"/>
+            <a:schemeClr val="tx1">
+              <a:lumMod val="75000"/>
+              <a:lumOff val="25000"/>
+            </a:schemeClr>
           </a:solidFill>
           <a:latin typeface="+mn-lt"/>
           <a:ea typeface="+mn-ea"/>
           <a:cs typeface="+mn-cs"/>
         </a:defRPr>
       </a:lvl6pPr>
-      <a:lvl7pPr marL="2971800" indent="-228600" algn="l" defTabSz="914400" rtl="0" eaLnBrk="1" latinLnBrk="0" hangingPunct="1">
-        <a:lnSpc>
-          <a:spcPct val="90000"/>
-        </a:lnSpc>
+      <a:lvl7pPr marL="2971800" indent="-228600" algn="l" defTabSz="457200" rtl="0" eaLnBrk="1" latinLnBrk="0" hangingPunct="1">
         <a:spcBef>
-          <a:spcPts val="500"/>
+          <a:spcPts val="1000"/>
         </a:spcBef>
-        <a:buFont typeface="Arial" panose="020B0604020202020204" pitchFamily="34" charset="0"/>
-        <a:buChar char="•"/>
-        <a:defRPr sz="1800" kern="1200">
+        <a:spcAft>
+          <a:spcPts val="0"/>
+        </a:spcAft>
+        <a:buClr>
+          <a:schemeClr val="accent1"/>
+        </a:buClr>
+        <a:buSzPct val="80000"/>
+        <a:buFont typeface="Wingdings 3" charset="2"/>
+        <a:buChar char=""/>
+        <a:defRPr sz="1200" kern="1200">
           <a:solidFill>
-            <a:schemeClr val="tx1"/>
+            <a:schemeClr val="tx1">
+              <a:lumMod val="75000"/>
+              <a:lumOff val="25000"/>
+            </a:schemeClr>
           </a:solidFill>
           <a:latin typeface="+mn-lt"/>
           <a:ea typeface="+mn-ea"/>
           <a:cs typeface="+mn-cs"/>
         </a:defRPr>
       </a:lvl7pPr>
-      <a:lvl8pPr marL="3429000" indent="-228600" algn="l" defTabSz="914400" rtl="0" eaLnBrk="1" latinLnBrk="0" hangingPunct="1">
-        <a:lnSpc>
-          <a:spcPct val="90000"/>
-        </a:lnSpc>
+      <a:lvl8pPr marL="3429000" indent="-228600" algn="l" defTabSz="457200" rtl="0" eaLnBrk="1" latinLnBrk="0" hangingPunct="1">
         <a:spcBef>
-          <a:spcPts val="500"/>
+          <a:spcPts val="1000"/>
         </a:spcBef>
-        <a:buFont typeface="Arial" panose="020B0604020202020204" pitchFamily="34" charset="0"/>
-        <a:buChar char="•"/>
-        <a:defRPr sz="1800" kern="1200">
+        <a:spcAft>
+          <a:spcPts val="0"/>
+        </a:spcAft>
+        <a:buClr>
+          <a:schemeClr val="accent1"/>
+        </a:buClr>
+        <a:buSzPct val="80000"/>
+        <a:buFont typeface="Wingdings 3" charset="2"/>
+        <a:buChar char=""/>
+        <a:defRPr sz="1200" kern="1200">
           <a:solidFill>
-            <a:schemeClr val="tx1"/>
+            <a:schemeClr val="tx1">
+              <a:lumMod val="75000"/>
+              <a:lumOff val="25000"/>
+            </a:schemeClr>
           </a:solidFill>
           <a:latin typeface="+mn-lt"/>
           <a:ea typeface="+mn-ea"/>
           <a:cs typeface="+mn-cs"/>
         </a:defRPr>
       </a:lvl8pPr>
-      <a:lvl9pPr marL="3886200" indent="-228600" algn="l" defTabSz="914400" rtl="0" eaLnBrk="1" latinLnBrk="0" hangingPunct="1">
-        <a:lnSpc>
-          <a:spcPct val="90000"/>
-        </a:lnSpc>
+      <a:lvl9pPr marL="3886200" indent="-228600" algn="l" defTabSz="457200" rtl="0" eaLnBrk="1" latinLnBrk="0" hangingPunct="1">
         <a:spcBef>
-          <a:spcPts val="500"/>
+          <a:spcPts val="1000"/>
         </a:spcBef>
-        <a:buFont typeface="Arial" panose="020B0604020202020204" pitchFamily="34" charset="0"/>
-        <a:buChar char="•"/>
-        <a:defRPr sz="1800" kern="1200">
+        <a:spcAft>
+          <a:spcPts val="0"/>
+        </a:spcAft>
+        <a:buClr>
+          <a:schemeClr val="accent1"/>
+        </a:buClr>
+        <a:buSzPct val="80000"/>
+        <a:buFont typeface="Wingdings 3" charset="2"/>
+        <a:buChar char=""/>
+        <a:defRPr sz="1200" kern="1200">
           <a:solidFill>
-            <a:schemeClr val="tx1"/>
+            <a:schemeClr val="tx1">
+              <a:lumMod val="75000"/>
+              <a:lumOff val="25000"/>
+            </a:schemeClr>
           </a:solidFill>
           <a:latin typeface="+mn-lt"/>
           <a:ea typeface="+mn-ea"/>
@@ -2860,7 +5736,7 @@
       <a:defPPr>
         <a:defRPr lang="en-US"/>
       </a:defPPr>
-      <a:lvl1pPr marL="0" algn="l" defTabSz="914400" rtl="0" eaLnBrk="1" latinLnBrk="0" hangingPunct="1">
+      <a:lvl1pPr marL="0" algn="l" defTabSz="457200" rtl="0" eaLnBrk="1" latinLnBrk="0" hangingPunct="1">
         <a:defRPr sz="1800" kern="1200">
           <a:solidFill>
             <a:schemeClr val="tx1"/>
@@ -2870,7 +5746,7 @@
           <a:cs typeface="+mn-cs"/>
         </a:defRPr>
       </a:lvl1pPr>
-      <a:lvl2pPr marL="457200" algn="l" defTabSz="914400" rtl="0" eaLnBrk="1" latinLnBrk="0" hangingPunct="1">
+      <a:lvl2pPr marL="457200" algn="l" defTabSz="457200" rtl="0" eaLnBrk="1" latinLnBrk="0" hangingPunct="1">
         <a:defRPr sz="1800" kern="1200">
           <a:solidFill>
             <a:schemeClr val="tx1"/>
@@ -2880,7 +5756,7 @@
           <a:cs typeface="+mn-cs"/>
         </a:defRPr>
       </a:lvl2pPr>
-      <a:lvl3pPr marL="914400" algn="l" defTabSz="914400" rtl="0" eaLnBrk="1" latinLnBrk="0" hangingPunct="1">
+      <a:lvl3pPr marL="914400" algn="l" defTabSz="457200" rtl="0" eaLnBrk="1" latinLnBrk="0" hangingPunct="1">
         <a:defRPr sz="1800" kern="1200">
           <a:solidFill>
             <a:schemeClr val="tx1"/>
@@ -2890,7 +5766,7 @@
           <a:cs typeface="+mn-cs"/>
         </a:defRPr>
       </a:lvl3pPr>
-      <a:lvl4pPr marL="1371600" algn="l" defTabSz="914400" rtl="0" eaLnBrk="1" latinLnBrk="0" hangingPunct="1">
+      <a:lvl4pPr marL="1371600" algn="l" defTabSz="457200" rtl="0" eaLnBrk="1" latinLnBrk="0" hangingPunct="1">
         <a:defRPr sz="1800" kern="1200">
           <a:solidFill>
             <a:schemeClr val="tx1"/>
@@ -2900,7 +5776,7 @@
           <a:cs typeface="+mn-cs"/>
         </a:defRPr>
       </a:lvl4pPr>
-      <a:lvl5pPr marL="1828800" algn="l" defTabSz="914400" rtl="0" eaLnBrk="1" latinLnBrk="0" hangingPunct="1">
+      <a:lvl5pPr marL="1828800" algn="l" defTabSz="457200" rtl="0" eaLnBrk="1" latinLnBrk="0" hangingPunct="1">
         <a:defRPr sz="1800" kern="1200">
           <a:solidFill>
             <a:schemeClr val="tx1"/>
@@ -2910,7 +5786,7 @@
           <a:cs typeface="+mn-cs"/>
         </a:defRPr>
       </a:lvl5pPr>
-      <a:lvl6pPr marL="2286000" algn="l" defTabSz="914400" rtl="0" eaLnBrk="1" latinLnBrk="0" hangingPunct="1">
+      <a:lvl6pPr marL="2286000" algn="l" defTabSz="457200" rtl="0" eaLnBrk="1" latinLnBrk="0" hangingPunct="1">
         <a:defRPr sz="1800" kern="1200">
           <a:solidFill>
             <a:schemeClr val="tx1"/>
@@ -2920,7 +5796,7 @@
           <a:cs typeface="+mn-cs"/>
         </a:defRPr>
       </a:lvl6pPr>
-      <a:lvl7pPr marL="2743200" algn="l" defTabSz="914400" rtl="0" eaLnBrk="1" latinLnBrk="0" hangingPunct="1">
+      <a:lvl7pPr marL="2743200" algn="l" defTabSz="457200" rtl="0" eaLnBrk="1" latinLnBrk="0" hangingPunct="1">
         <a:defRPr sz="1800" kern="1200">
           <a:solidFill>
             <a:schemeClr val="tx1"/>
@@ -2930,7 +5806,7 @@
           <a:cs typeface="+mn-cs"/>
         </a:defRPr>
       </a:lvl7pPr>
-      <a:lvl8pPr marL="3200400" algn="l" defTabSz="914400" rtl="0" eaLnBrk="1" latinLnBrk="0" hangingPunct="1">
+      <a:lvl8pPr marL="3200400" algn="l" defTabSz="457200" rtl="0" eaLnBrk="1" latinLnBrk="0" hangingPunct="1">
         <a:defRPr sz="1800" kern="1200">
           <a:solidFill>
             <a:schemeClr val="tx1"/>
@@ -2940,7 +5816,7 @@
           <a:cs typeface="+mn-cs"/>
         </a:defRPr>
       </a:lvl8pPr>
-      <a:lvl9pPr marL="3657600" algn="l" defTabSz="914400" rtl="0" eaLnBrk="1" latinLnBrk="0" hangingPunct="1">
+      <a:lvl9pPr marL="3657600" algn="l" defTabSz="457200" rtl="0" eaLnBrk="1" latinLnBrk="0" hangingPunct="1">
         <a:defRPr sz="1800" kern="1200">
           <a:solidFill>
             <a:schemeClr val="tx1"/>
@@ -2982,7 +5858,12 @@
             <p:ph type="ctrTitle"/>
           </p:nvPr>
         </p:nvSpPr>
-        <p:spPr/>
+        <p:spPr>
+          <a:xfrm>
+            <a:off x="1507067" y="1579418"/>
+            <a:ext cx="7766936" cy="1749917"/>
+          </a:xfrm>
+        </p:spPr>
         <p:txBody>
           <a:bodyPr/>
           <a:lstStyle/>
@@ -3016,17 +5897,161 @@
           <a:bodyPr/>
           <a:lstStyle/>
           <a:p>
-            <a:r>
-              <a:rPr lang="en-US" dirty="0"/>
-              <a:t>Tech Ninjas</a:t>
-            </a:r>
-          </a:p>
-        </p:txBody>
-      </p:sp>
+            <a:endParaRPr lang="en-US" dirty="0"/>
+          </a:p>
+        </p:txBody>
+      </p:sp>
+      <p:pic>
+        <p:nvPicPr>
+          <p:cNvPr id="4" name="Picture 3"/>
+          <p:cNvPicPr>
+            <a:picLocks noChangeAspect="1"/>
+          </p:cNvPicPr>
+          <p:nvPr/>
+        </p:nvPicPr>
+        <p:blipFill>
+          <a:blip r:embed="rId2"/>
+          <a:stretch>
+            <a:fillRect/>
+          </a:stretch>
+        </p:blipFill>
+        <p:spPr>
+          <a:xfrm>
+            <a:off x="4139231" y="3329335"/>
+            <a:ext cx="2502608" cy="2723833"/>
+          </a:xfrm>
+          <a:prstGeom prst="rect">
+            <a:avLst/>
+          </a:prstGeom>
+        </p:spPr>
+      </p:pic>
     </p:spTree>
     <p:extLst>
       <p:ext uri="{BB962C8B-B14F-4D97-AF65-F5344CB8AC3E}">
         <p14:creationId xmlns:p14="http://schemas.microsoft.com/office/powerpoint/2010/main" val="1537877780"/>
+      </p:ext>
+    </p:extLst>
+  </p:cSld>
+  <p:clrMapOvr>
+    <a:masterClrMapping/>
+  </p:clrMapOvr>
+</p:sld>
+</file>
+
+<file path=ppt/slides/slide10.xml><?xml version="1.0" encoding="utf-8"?>
+<p:sld xmlns:a="http://schemas.openxmlformats.org/drawingml/2006/main" xmlns:r="http://schemas.openxmlformats.org/officeDocument/2006/relationships" xmlns:p="http://schemas.openxmlformats.org/presentationml/2006/main">
+  <p:cSld>
+    <p:spTree>
+      <p:nvGrpSpPr>
+        <p:cNvPr id="1" name=""/>
+        <p:cNvGrpSpPr/>
+        <p:nvPr/>
+      </p:nvGrpSpPr>
+      <p:grpSpPr>
+        <a:xfrm>
+          <a:off x="0" y="0"/>
+          <a:ext cx="0" cy="0"/>
+          <a:chOff x="0" y="0"/>
+          <a:chExt cx="0" cy="0"/>
+        </a:xfrm>
+      </p:grpSpPr>
+      <p:sp>
+        <p:nvSpPr>
+          <p:cNvPr id="2" name="Title 1"/>
+          <p:cNvSpPr>
+            <a:spLocks noGrp="1"/>
+          </p:cNvSpPr>
+          <p:nvPr>
+            <p:ph type="title"/>
+          </p:nvPr>
+        </p:nvSpPr>
+        <p:spPr/>
+        <p:txBody>
+          <a:bodyPr/>
+          <a:lstStyle/>
+          <a:p>
+            <a:r>
+              <a:rPr lang="en-US" dirty="0"/>
+              <a:t>Design</a:t>
+            </a:r>
+          </a:p>
+        </p:txBody>
+      </p:sp>
+      <p:sp>
+        <p:nvSpPr>
+          <p:cNvPr id="3" name="Content Placeholder 2"/>
+          <p:cNvSpPr>
+            <a:spLocks noGrp="1"/>
+          </p:cNvSpPr>
+          <p:nvPr>
+            <p:ph idx="1"/>
+          </p:nvPr>
+        </p:nvSpPr>
+        <p:spPr/>
+        <p:txBody>
+          <a:bodyPr/>
+          <a:lstStyle/>
+          <a:p>
+            <a:r>
+              <a:rPr lang="en-US" dirty="0"/>
+              <a:t>Interface</a:t>
+            </a:r>
+          </a:p>
+          <a:p>
+            <a:pPr lvl="1"/>
+            <a:r>
+              <a:rPr lang="en-US" dirty="0"/>
+              <a:t>How the user the user will interact with it</a:t>
+            </a:r>
+          </a:p>
+          <a:p>
+            <a:pPr lvl="1"/>
+            <a:r>
+              <a:rPr lang="en-US" dirty="0"/>
+              <a:t>User interface picture</a:t>
+            </a:r>
+          </a:p>
+          <a:p>
+            <a:pPr lvl="1"/>
+            <a:r>
+              <a:rPr lang="en-US" dirty="0"/>
+              <a:t>Java</a:t>
+            </a:r>
+          </a:p>
+          <a:p>
+            <a:r>
+              <a:rPr lang="en-US" dirty="0"/>
+              <a:t>System</a:t>
+            </a:r>
+          </a:p>
+          <a:p>
+            <a:pPr lvl="1"/>
+            <a:r>
+              <a:rPr lang="en-US" dirty="0"/>
+              <a:t>The backend…i.e. the nitty gritty how it actually works kind of stuff</a:t>
+            </a:r>
+          </a:p>
+          <a:p>
+            <a:pPr lvl="1"/>
+            <a:r>
+              <a:rPr lang="en-US" dirty="0"/>
+              <a:t>MySQL Workbench</a:t>
+            </a:r>
+          </a:p>
+          <a:p>
+            <a:pPr lvl="1"/>
+            <a:endParaRPr lang="en-US" dirty="0"/>
+          </a:p>
+          <a:p>
+            <a:pPr lvl="1"/>
+            <a:endParaRPr lang="en-US" dirty="0"/>
+          </a:p>
+        </p:txBody>
+      </p:sp>
+    </p:spTree>
+    <p:extLst>
+      <p:ext uri="{BB962C8B-B14F-4D97-AF65-F5344CB8AC3E}">
+        <p14:creationId xmlns:p14="http://schemas.microsoft.com/office/powerpoint/2010/main" val="3962582796"/>
       </p:ext>
     </p:extLst>
   </p:cSld>
@@ -3085,65 +6110,72 @@
             <p:ph idx="1"/>
           </p:nvPr>
         </p:nvSpPr>
-        <p:spPr/>
-        <p:txBody>
-          <a:bodyPr/>
-          <a:lstStyle/>
-          <a:p>
-            <a:r>
-              <a:rPr lang="en-US" dirty="0"/>
+        <p:spPr>
+          <a:xfrm>
+            <a:off x="677334" y="1745673"/>
+            <a:ext cx="8596668" cy="4295690"/>
+          </a:xfrm>
+        </p:spPr>
+        <p:txBody>
+          <a:bodyPr>
+            <a:noAutofit/>
+          </a:bodyPr>
+          <a:lstStyle/>
+          <a:p>
+            <a:r>
+              <a:rPr lang="en-US" sz="2400" dirty="0"/>
               <a:t>Problem</a:t>
             </a:r>
           </a:p>
           <a:p>
             <a:pPr lvl="1"/>
             <a:r>
-              <a:rPr lang="en-US" dirty="0"/>
+              <a:rPr lang="en-US" sz="2000" dirty="0"/>
               <a:t>Description</a:t>
             </a:r>
           </a:p>
           <a:p>
             <a:pPr lvl="1"/>
             <a:r>
-              <a:rPr lang="en-US" dirty="0"/>
+              <a:rPr lang="en-US" sz="2000" dirty="0"/>
               <a:t>User context</a:t>
             </a:r>
           </a:p>
           <a:p>
             <a:r>
-              <a:rPr lang="en-US" dirty="0"/>
+              <a:rPr lang="en-US" sz="2400" dirty="0"/>
               <a:t>Team Organization</a:t>
             </a:r>
           </a:p>
           <a:p>
             <a:r>
-              <a:rPr lang="en-US" dirty="0"/>
+              <a:rPr lang="en-US" sz="2400" dirty="0"/>
               <a:t>Process Model</a:t>
             </a:r>
           </a:p>
           <a:p>
             <a:r>
-              <a:rPr lang="en-US" dirty="0"/>
+              <a:rPr lang="en-US" sz="2400" dirty="0"/>
               <a:t>Project Plan</a:t>
             </a:r>
           </a:p>
           <a:p>
             <a:pPr lvl="1"/>
             <a:r>
-              <a:rPr lang="en-US" dirty="0"/>
+              <a:rPr lang="en-US" sz="2000" dirty="0"/>
               <a:t>Completed work</a:t>
             </a:r>
           </a:p>
           <a:p>
             <a:pPr lvl="1"/>
             <a:r>
-              <a:rPr lang="en-US" dirty="0"/>
+              <a:rPr lang="en-US" sz="2000" dirty="0"/>
               <a:t>Remaining work</a:t>
             </a:r>
           </a:p>
           <a:p>
             <a:r>
-              <a:rPr lang="en-US" dirty="0"/>
+              <a:rPr lang="en-US" sz="2400" dirty="0"/>
               <a:t>Interface Design and System Design</a:t>
             </a:r>
           </a:p>
@@ -3151,7 +6183,7 @@
             <a:pPr marL="0" indent="0">
               <a:buNone/>
             </a:pPr>
-            <a:endParaRPr lang="en-US" dirty="0"/>
+            <a:endParaRPr lang="en-US" sz="2400" dirty="0"/>
           </a:p>
         </p:txBody>
       </p:sp>
@@ -3217,14 +6249,163 @@
             <p:ph idx="1"/>
           </p:nvPr>
         </p:nvSpPr>
-        <p:spPr/>
-        <p:txBody>
-          <a:bodyPr/>
-          <a:lstStyle/>
-          <a:p>
-            <a:r>
-              <a:rPr lang="en-US" dirty="0"/>
-              <a:t>The current system is slow, and painstakingly tedious due to the drill down method of locating classes.  Also, the system resets all search parameters for each class search.  The customer wants a system which will be easy to use and graphical in nature.  While the current system requires the user to drill down through a considerable amount of excess data, the customer envisions a system that accomplishes the same task using radio buttons, pull-down menus, and other GUI characteristics. </a:t>
+        <p:spPr>
+          <a:xfrm>
+            <a:off x="677334" y="1425039"/>
+            <a:ext cx="8596668" cy="4616323"/>
+          </a:xfrm>
+        </p:spPr>
+        <p:txBody>
+          <a:bodyPr>
+            <a:noAutofit/>
+          </a:bodyPr>
+          <a:lstStyle/>
+          <a:p>
+            <a:r>
+              <a:rPr lang="en-US" sz="2400" dirty="0"/>
+              <a:t>C</a:t>
+            </a:r>
+            <a:r>
+              <a:rPr lang="en-US" sz="2400" dirty="0" smtClean="0"/>
+              <a:t>urrent system slow</a:t>
+            </a:r>
+            <a:r>
+              <a:rPr lang="en-US" sz="2400" dirty="0"/>
+              <a:t>, and painstakingly tedious </a:t>
+            </a:r>
+            <a:endParaRPr lang="en-US" sz="2400" dirty="0" smtClean="0"/>
+          </a:p>
+          <a:p>
+            <a:pPr lvl="1"/>
+            <a:r>
+              <a:rPr lang="en-US" sz="2000" dirty="0" smtClean="0"/>
+              <a:t>Requires </a:t>
+            </a:r>
+            <a:r>
+              <a:rPr lang="en-US" sz="2000" dirty="0"/>
+              <a:t>the user to drill down through </a:t>
+            </a:r>
+            <a:r>
+              <a:rPr lang="en-US" sz="2000" dirty="0" smtClean="0"/>
+              <a:t>excess data</a:t>
+            </a:r>
+            <a:endParaRPr lang="en-US" sz="2000" dirty="0"/>
+          </a:p>
+          <a:p>
+            <a:r>
+              <a:rPr lang="en-US" sz="2400" dirty="0" smtClean="0"/>
+              <a:t>System resets </a:t>
+            </a:r>
+            <a:r>
+              <a:rPr lang="en-US" sz="2400" cap="small" dirty="0" smtClean="0"/>
+              <a:t>all</a:t>
+            </a:r>
+            <a:r>
+              <a:rPr lang="en-US" sz="2400" dirty="0" smtClean="0"/>
+              <a:t> search </a:t>
+            </a:r>
+            <a:r>
+              <a:rPr lang="en-US" sz="2400" dirty="0"/>
+              <a:t>parameters for each class </a:t>
+            </a:r>
+            <a:r>
+              <a:rPr lang="en-US" sz="2400" dirty="0" smtClean="0"/>
+              <a:t>search</a:t>
+            </a:r>
+          </a:p>
+          <a:p>
+            <a:r>
+              <a:rPr lang="en-US" sz="2400" dirty="0" smtClean="0"/>
+              <a:t>Customer </a:t>
+            </a:r>
+            <a:r>
+              <a:rPr lang="en-US" sz="2400" dirty="0"/>
+              <a:t>wants a system </a:t>
+            </a:r>
+            <a:r>
+              <a:rPr lang="en-US" sz="2400" dirty="0" smtClean="0"/>
+              <a:t>that </a:t>
+            </a:r>
+            <a:r>
+              <a:rPr lang="en-US" sz="2400" dirty="0"/>
+              <a:t>will </a:t>
+            </a:r>
+            <a:r>
+              <a:rPr lang="en-US" sz="2400" dirty="0" smtClean="0"/>
+              <a:t>be:</a:t>
+            </a:r>
+          </a:p>
+          <a:p>
+            <a:pPr lvl="1"/>
+            <a:r>
+              <a:rPr lang="en-US" sz="2000" dirty="0" smtClean="0"/>
+              <a:t>Easy </a:t>
+            </a:r>
+            <a:r>
+              <a:rPr lang="en-US" sz="2000" dirty="0"/>
+              <a:t>to </a:t>
+            </a:r>
+            <a:r>
+              <a:rPr lang="en-US" sz="2000" dirty="0" smtClean="0"/>
+              <a:t>use</a:t>
+            </a:r>
+          </a:p>
+          <a:p>
+            <a:pPr lvl="1"/>
+            <a:r>
+              <a:rPr lang="en-US" sz="2000" dirty="0"/>
+              <a:t>G</a:t>
+            </a:r>
+            <a:r>
+              <a:rPr lang="en-US" sz="2000" dirty="0" smtClean="0"/>
+              <a:t>raphical </a:t>
+            </a:r>
+            <a:r>
+              <a:rPr lang="en-US" sz="2000" dirty="0"/>
+              <a:t>in </a:t>
+            </a:r>
+            <a:r>
+              <a:rPr lang="en-US" sz="2000" dirty="0" smtClean="0"/>
+              <a:t>nature </a:t>
+            </a:r>
+          </a:p>
+          <a:p>
+            <a:r>
+              <a:rPr lang="en-US" sz="2400" dirty="0" smtClean="0"/>
+              <a:t>Customer </a:t>
+            </a:r>
+            <a:r>
+              <a:rPr lang="en-US" sz="2400" dirty="0"/>
+              <a:t>envisions a system that accomplishes the same task </a:t>
+            </a:r>
+            <a:r>
+              <a:rPr lang="en-US" sz="2400" dirty="0" smtClean="0"/>
+              <a:t>using: </a:t>
+            </a:r>
+          </a:p>
+          <a:p>
+            <a:pPr lvl="1"/>
+            <a:r>
+              <a:rPr lang="en-US" sz="2000" dirty="0" smtClean="0"/>
+              <a:t>Radio buttons </a:t>
+            </a:r>
+          </a:p>
+          <a:p>
+            <a:pPr lvl="1"/>
+            <a:r>
+              <a:rPr lang="en-US" sz="2000" dirty="0" smtClean="0"/>
+              <a:t>Pull-down menus</a:t>
+            </a:r>
+          </a:p>
+          <a:p>
+            <a:pPr lvl="1"/>
+            <a:r>
+              <a:rPr lang="en-US" sz="2000" dirty="0" smtClean="0"/>
+              <a:t>Other </a:t>
+            </a:r>
+            <a:r>
+              <a:rPr lang="en-US" sz="2000" dirty="0"/>
+              <a:t>GUI characteristics. </a:t>
             </a:r>
           </a:p>
         </p:txBody>
@@ -3269,7 +6450,12 @@
             <p:ph type="title"/>
           </p:nvPr>
         </p:nvSpPr>
-        <p:spPr/>
+        <p:spPr>
+          <a:xfrm>
+            <a:off x="677334" y="593766"/>
+            <a:ext cx="8596668" cy="647925"/>
+          </a:xfrm>
+        </p:spPr>
         <p:txBody>
           <a:bodyPr/>
           <a:lstStyle/>
@@ -3291,24 +6477,76 @@
             <p:ph idx="1"/>
           </p:nvPr>
         </p:nvSpPr>
-        <p:spPr/>
-        <p:txBody>
-          <a:bodyPr/>
-          <a:lstStyle/>
-          <a:p>
-            <a:r>
-              <a:rPr lang="en-US" dirty="0"/>
-              <a:t>Add screen shots</a:t>
-            </a:r>
-          </a:p>
-          <a:p>
-            <a:r>
-              <a:rPr lang="en-US" dirty="0"/>
-              <a:t>College advising </a:t>
-            </a:r>
-          </a:p>
-        </p:txBody>
-      </p:sp>
+        <p:spPr>
+          <a:xfrm>
+            <a:off x="677335" y="1805049"/>
+            <a:ext cx="3099018" cy="4236313"/>
+          </a:xfrm>
+        </p:spPr>
+        <p:txBody>
+          <a:bodyPr>
+            <a:noAutofit/>
+          </a:bodyPr>
+          <a:lstStyle/>
+          <a:p>
+            <a:r>
+              <a:rPr lang="en-US" sz="2000" dirty="0" smtClean="0"/>
+              <a:t>Current System</a:t>
+            </a:r>
+          </a:p>
+          <a:p>
+            <a:r>
+              <a:rPr lang="en-US" sz="2000" dirty="0" smtClean="0"/>
+              <a:t>User selects Subject</a:t>
+            </a:r>
+          </a:p>
+          <a:p>
+            <a:pPr lvl="1"/>
+            <a:r>
+              <a:rPr lang="en-US" sz="1800" dirty="0" smtClean="0"/>
+              <a:t>Note: Subject does not encompass entire categories that are in degree plans</a:t>
+            </a:r>
+            <a:endParaRPr lang="en-US" sz="1800" dirty="0"/>
+          </a:p>
+          <a:p>
+            <a:r>
+              <a:rPr lang="en-US" sz="2000" dirty="0" smtClean="0"/>
+              <a:t>User enters other parameters</a:t>
+            </a:r>
+          </a:p>
+          <a:p>
+            <a:r>
+              <a:rPr lang="en-US" sz="2000" dirty="0" smtClean="0"/>
+              <a:t>User clicks Section Search button</a:t>
+            </a:r>
+            <a:endParaRPr lang="en-US" sz="2000" dirty="0"/>
+          </a:p>
+        </p:txBody>
+      </p:sp>
+      <p:pic>
+        <p:nvPicPr>
+          <p:cNvPr id="6" name="Picture 5"/>
+          <p:cNvPicPr>
+            <a:picLocks noChangeAspect="1"/>
+          </p:cNvPicPr>
+          <p:nvPr/>
+        </p:nvPicPr>
+        <p:blipFill>
+          <a:blip r:embed="rId2"/>
+          <a:stretch>
+            <a:fillRect/>
+          </a:stretch>
+        </p:blipFill>
+        <p:spPr>
+          <a:xfrm>
+            <a:off x="3898793" y="1241691"/>
+            <a:ext cx="5574594" cy="4244708"/>
+          </a:xfrm>
+          <a:prstGeom prst="rect">
+            <a:avLst/>
+          </a:prstGeom>
+        </p:spPr>
+      </p:pic>
     </p:spTree>
     <p:extLst>
       <p:ext uri="{BB962C8B-B14F-4D97-AF65-F5344CB8AC3E}">
@@ -3355,9 +6593,10 @@
           <a:lstStyle/>
           <a:p>
             <a:r>
-              <a:rPr lang="en-US" dirty="0"/>
-              <a:t>Team Organization</a:t>
-            </a:r>
+              <a:rPr lang="en-US" dirty="0" smtClean="0"/>
+              <a:t>Problem – User Context (cont’d)</a:t>
+            </a:r>
+            <a:endParaRPr lang="en-US" dirty="0"/>
           </a:p>
         </p:txBody>
       </p:sp>
@@ -3371,41 +6610,75 @@
             <p:ph idx="1"/>
           </p:nvPr>
         </p:nvSpPr>
-        <p:spPr/>
-        <p:txBody>
-          <a:bodyPr/>
-          <a:lstStyle/>
+        <p:spPr>
+          <a:xfrm>
+            <a:off x="677334" y="3776354"/>
+            <a:ext cx="7243508" cy="2265008"/>
+          </a:xfrm>
+        </p:spPr>
+        <p:txBody>
+          <a:bodyPr>
+            <a:noAutofit/>
+          </a:bodyPr>
+          <a:lstStyle/>
+          <a:p>
+            <a:r>
+              <a:rPr lang="en-US" sz="2400" dirty="0" smtClean="0"/>
+              <a:t>Current system displays only two Science classes, when dozens </a:t>
+            </a:r>
+            <a:r>
+              <a:rPr lang="en-US" sz="2400" smtClean="0"/>
+              <a:t>of Lab Science </a:t>
+            </a:r>
+            <a:r>
+              <a:rPr lang="en-US" sz="2400" dirty="0" smtClean="0"/>
+              <a:t>classes are offered</a:t>
+            </a:r>
+          </a:p>
+          <a:p>
+            <a:r>
+              <a:rPr lang="en-US" sz="2400" dirty="0" smtClean="0"/>
+              <a:t>Thus, user clicks New Search button</a:t>
+            </a:r>
+          </a:p>
           <a:p>
             <a:pPr lvl="1"/>
             <a:r>
-              <a:rPr lang="en-US" dirty="0"/>
-              <a:t>Democratic division</a:t>
-            </a:r>
-          </a:p>
-          <a:p>
-            <a:pPr lvl="1"/>
-            <a:r>
-              <a:rPr lang="en-US" dirty="0"/>
-              <a:t>Work divided by task based on abilities</a:t>
-            </a:r>
-          </a:p>
-          <a:p>
-            <a:pPr lvl="1"/>
-            <a:r>
-              <a:rPr lang="en-US" dirty="0"/>
-              <a:t>Reviews of individual work performed by team</a:t>
-            </a:r>
-          </a:p>
-          <a:p>
-            <a:pPr lvl="1"/>
-            <a:endParaRPr lang="en-US" dirty="0"/>
-          </a:p>
-        </p:txBody>
-      </p:sp>
+              <a:rPr lang="en-US" sz="2000" dirty="0" smtClean="0"/>
+              <a:t>Takes user to previous screen, with no selections saved</a:t>
+            </a:r>
+            <a:endParaRPr lang="en-US" sz="2000" dirty="0"/>
+          </a:p>
+        </p:txBody>
+      </p:sp>
+      <p:pic>
+        <p:nvPicPr>
+          <p:cNvPr id="4" name="Picture 3"/>
+          <p:cNvPicPr>
+            <a:picLocks noChangeAspect="1"/>
+          </p:cNvPicPr>
+          <p:nvPr/>
+        </p:nvPicPr>
+        <p:blipFill>
+          <a:blip r:embed="rId2"/>
+          <a:stretch>
+            <a:fillRect/>
+          </a:stretch>
+        </p:blipFill>
+        <p:spPr>
+          <a:xfrm>
+            <a:off x="677333" y="1667868"/>
+            <a:ext cx="9108635" cy="2016808"/>
+          </a:xfrm>
+          <a:prstGeom prst="rect">
+            <a:avLst/>
+          </a:prstGeom>
+        </p:spPr>
+      </p:pic>
     </p:spTree>
     <p:extLst>
       <p:ext uri="{BB962C8B-B14F-4D97-AF65-F5344CB8AC3E}">
-        <p14:creationId xmlns:p14="http://schemas.microsoft.com/office/powerpoint/2010/main" val="1086057598"/>
+        <p14:creationId xmlns:p14="http://schemas.microsoft.com/office/powerpoint/2010/main" val="2902790168"/>
       </p:ext>
     </p:extLst>
   </p:cSld>
@@ -3449,7 +6722,7 @@
           <a:p>
             <a:r>
               <a:rPr lang="en-US" dirty="0"/>
-              <a:t>Process Model</a:t>
+              <a:t>Team Organization</a:t>
             </a:r>
           </a:p>
         </p:txBody>
@@ -3469,30 +6742,24 @@
           <a:bodyPr/>
           <a:lstStyle/>
           <a:p>
+            <a:pPr lvl="1"/>
             <a:r>
               <a:rPr lang="en-US" dirty="0"/>
-              <a:t>Agile Scrum</a:t>
+              <a:t>Democratic division</a:t>
             </a:r>
           </a:p>
           <a:p>
             <a:pPr lvl="1"/>
             <a:r>
               <a:rPr lang="en-US" dirty="0"/>
-              <a:t>Yeah stuff about that </a:t>
+              <a:t>Work divided by task based on abilities</a:t>
             </a:r>
           </a:p>
           <a:p>
             <a:pPr lvl="1"/>
             <a:r>
               <a:rPr lang="en-US" dirty="0"/>
-              <a:t>Why we chose scrum model</a:t>
-            </a:r>
-          </a:p>
-          <a:p>
-            <a:pPr lvl="1"/>
-            <a:r>
-              <a:rPr lang="en-US" dirty="0"/>
-              <a:t>Why this was the best model for our project compared to others</a:t>
+              <a:t>Reviews of individual work performed by team</a:t>
             </a:r>
           </a:p>
           <a:p>
@@ -3504,7 +6771,7 @@
     </p:spTree>
     <p:extLst>
       <p:ext uri="{BB962C8B-B14F-4D97-AF65-F5344CB8AC3E}">
-        <p14:creationId xmlns:p14="http://schemas.microsoft.com/office/powerpoint/2010/main" val="149292699"/>
+        <p14:creationId xmlns:p14="http://schemas.microsoft.com/office/powerpoint/2010/main" val="1086057598"/>
       </p:ext>
     </p:extLst>
   </p:cSld>
@@ -3548,6 +6815,105 @@
           <a:p>
             <a:r>
               <a:rPr lang="en-US" dirty="0"/>
+              <a:t>Process Model</a:t>
+            </a:r>
+          </a:p>
+        </p:txBody>
+      </p:sp>
+      <p:sp>
+        <p:nvSpPr>
+          <p:cNvPr id="3" name="Content Placeholder 2"/>
+          <p:cNvSpPr>
+            <a:spLocks noGrp="1"/>
+          </p:cNvSpPr>
+          <p:nvPr>
+            <p:ph idx="1"/>
+          </p:nvPr>
+        </p:nvSpPr>
+        <p:spPr/>
+        <p:txBody>
+          <a:bodyPr/>
+          <a:lstStyle/>
+          <a:p>
+            <a:r>
+              <a:rPr lang="en-US" dirty="0"/>
+              <a:t>Agile Scrum</a:t>
+            </a:r>
+          </a:p>
+          <a:p>
+            <a:pPr lvl="1"/>
+            <a:r>
+              <a:rPr lang="en-US" dirty="0"/>
+              <a:t>Yeah stuff about that </a:t>
+            </a:r>
+          </a:p>
+          <a:p>
+            <a:pPr lvl="1"/>
+            <a:r>
+              <a:rPr lang="en-US" dirty="0"/>
+              <a:t>Why we chose scrum model</a:t>
+            </a:r>
+          </a:p>
+          <a:p>
+            <a:pPr lvl="1"/>
+            <a:r>
+              <a:rPr lang="en-US" dirty="0"/>
+              <a:t>Why this was the best model for our project compared to others</a:t>
+            </a:r>
+          </a:p>
+          <a:p>
+            <a:pPr lvl="1"/>
+            <a:endParaRPr lang="en-US" dirty="0"/>
+          </a:p>
+        </p:txBody>
+      </p:sp>
+    </p:spTree>
+    <p:extLst>
+      <p:ext uri="{BB962C8B-B14F-4D97-AF65-F5344CB8AC3E}">
+        <p14:creationId xmlns:p14="http://schemas.microsoft.com/office/powerpoint/2010/main" val="149292699"/>
+      </p:ext>
+    </p:extLst>
+  </p:cSld>
+  <p:clrMapOvr>
+    <a:masterClrMapping/>
+  </p:clrMapOvr>
+</p:sld>
+</file>
+
+<file path=ppt/slides/slide8.xml><?xml version="1.0" encoding="utf-8"?>
+<p:sld xmlns:a="http://schemas.openxmlformats.org/drawingml/2006/main" xmlns:r="http://schemas.openxmlformats.org/officeDocument/2006/relationships" xmlns:p="http://schemas.openxmlformats.org/presentationml/2006/main">
+  <p:cSld>
+    <p:spTree>
+      <p:nvGrpSpPr>
+        <p:cNvPr id="1" name=""/>
+        <p:cNvGrpSpPr/>
+        <p:nvPr/>
+      </p:nvGrpSpPr>
+      <p:grpSpPr>
+        <a:xfrm>
+          <a:off x="0" y="0"/>
+          <a:ext cx="0" cy="0"/>
+          <a:chOff x="0" y="0"/>
+          <a:chExt cx="0" cy="0"/>
+        </a:xfrm>
+      </p:grpSpPr>
+      <p:sp>
+        <p:nvSpPr>
+          <p:cNvPr id="2" name="Title 1"/>
+          <p:cNvSpPr>
+            <a:spLocks noGrp="1"/>
+          </p:cNvSpPr>
+          <p:nvPr>
+            <p:ph type="title"/>
+          </p:nvPr>
+        </p:nvSpPr>
+        <p:spPr/>
+        <p:txBody>
+          <a:bodyPr/>
+          <a:lstStyle/>
+          <a:p>
+            <a:r>
+              <a:rPr lang="en-US" dirty="0"/>
               <a:t>Project Plan – Completed Work</a:t>
             </a:r>
           </a:p>
@@ -3569,7 +6935,7 @@
         </p:blipFill>
         <p:spPr>
           <a:xfrm>
-            <a:off x="6070511" y="1545185"/>
+            <a:off x="5003800" y="2609620"/>
             <a:ext cx="5389331" cy="2749534"/>
           </a:xfrm>
           <a:prstGeom prst="rect">
@@ -3599,7 +6965,7 @@
           <a:graphicData uri="http://schemas.openxmlformats.org/presentationml/2006/ole">
             <mc:AlternateContent xmlns:mc="http://schemas.openxmlformats.org/markup-compatibility/2006">
               <mc:Choice xmlns:v="urn:schemas-microsoft-com:vml" Requires="v">
-                <p:oleObj spid="_x0000_s1027" name="Worksheet" r:id="rId4" imgW="5619762" imgH="7308894" progId="Excel.Sheet.12">
+                <p:oleObj spid="_x0000_s1031" name="Worksheet" r:id="rId4" imgW="5619762" imgH="7308894" progId="Excel.Sheet.12">
                   <p:embed/>
                 </p:oleObj>
               </mc:Choice>
@@ -3647,77 +7013,6 @@
 </p:sld>
 </file>
 
-<file path=ppt/slides/slide8.xml><?xml version="1.0" encoding="utf-8"?>
-<p:sld xmlns:a="http://schemas.openxmlformats.org/drawingml/2006/main" xmlns:r="http://schemas.openxmlformats.org/officeDocument/2006/relationships" xmlns:p="http://schemas.openxmlformats.org/presentationml/2006/main">
-  <p:cSld>
-    <p:spTree>
-      <p:nvGrpSpPr>
-        <p:cNvPr id="1" name=""/>
-        <p:cNvGrpSpPr/>
-        <p:nvPr/>
-      </p:nvGrpSpPr>
-      <p:grpSpPr>
-        <a:xfrm>
-          <a:off x="0" y="0"/>
-          <a:ext cx="0" cy="0"/>
-          <a:chOff x="0" y="0"/>
-          <a:chExt cx="0" cy="0"/>
-        </a:xfrm>
-      </p:grpSpPr>
-      <p:sp>
-        <p:nvSpPr>
-          <p:cNvPr id="2" name="Title 1"/>
-          <p:cNvSpPr>
-            <a:spLocks noGrp="1"/>
-          </p:cNvSpPr>
-          <p:nvPr>
-            <p:ph type="title"/>
-          </p:nvPr>
-        </p:nvSpPr>
-        <p:spPr/>
-        <p:txBody>
-          <a:bodyPr/>
-          <a:lstStyle/>
-          <a:p>
-            <a:r>
-              <a:rPr lang="en-US" dirty="0"/>
-              <a:t>Project Plan – Work Left to Do</a:t>
-            </a:r>
-          </a:p>
-        </p:txBody>
-      </p:sp>
-      <p:sp>
-        <p:nvSpPr>
-          <p:cNvPr id="3" name="Content Placeholder 2"/>
-          <p:cNvSpPr>
-            <a:spLocks noGrp="1"/>
-          </p:cNvSpPr>
-          <p:nvPr>
-            <p:ph idx="1"/>
-          </p:nvPr>
-        </p:nvSpPr>
-        <p:spPr/>
-        <p:txBody>
-          <a:bodyPr/>
-          <a:lstStyle/>
-          <a:p>
-            <a:endParaRPr lang="en-US"/>
-          </a:p>
-        </p:txBody>
-      </p:sp>
-    </p:spTree>
-    <p:extLst>
-      <p:ext uri="{BB962C8B-B14F-4D97-AF65-F5344CB8AC3E}">
-        <p14:creationId xmlns:p14="http://schemas.microsoft.com/office/powerpoint/2010/main" val="2674274211"/>
-      </p:ext>
-    </p:extLst>
-  </p:cSld>
-  <p:clrMapOvr>
-    <a:masterClrMapping/>
-  </p:clrMapOvr>
-</p:sld>
-</file>
-
 <file path=ppt/slides/slide9.xml><?xml version="1.0" encoding="utf-8"?>
 <p:sld xmlns:a="http://schemas.openxmlformats.org/drawingml/2006/main" xmlns:r="http://schemas.openxmlformats.org/officeDocument/2006/relationships" xmlns:p="http://schemas.openxmlformats.org/presentationml/2006/main">
   <p:cSld>
@@ -3752,7 +7047,7 @@
           <a:p>
             <a:r>
               <a:rPr lang="en-US" dirty="0"/>
-              <a:t>Design</a:t>
+              <a:t>Project Plan – Work Left to Do</a:t>
             </a:r>
           </a:p>
         </p:txBody>
@@ -3772,66 +7067,14 @@
           <a:bodyPr/>
           <a:lstStyle/>
           <a:p>
-            <a:r>
-              <a:rPr lang="en-US" dirty="0"/>
-              <a:t>Interface</a:t>
-            </a:r>
-          </a:p>
-          <a:p>
-            <a:pPr lvl="1"/>
-            <a:r>
-              <a:rPr lang="en-US" dirty="0"/>
-              <a:t>How the user the user will interact with it</a:t>
-            </a:r>
-          </a:p>
-          <a:p>
-            <a:pPr lvl="1"/>
-            <a:r>
-              <a:rPr lang="en-US" dirty="0"/>
-              <a:t>User interface picture</a:t>
-            </a:r>
-          </a:p>
-          <a:p>
-            <a:pPr lvl="1"/>
-            <a:r>
-              <a:rPr lang="en-US" dirty="0"/>
-              <a:t>Java</a:t>
-            </a:r>
-          </a:p>
-          <a:p>
-            <a:r>
-              <a:rPr lang="en-US" dirty="0"/>
-              <a:t>System</a:t>
-            </a:r>
-          </a:p>
-          <a:p>
-            <a:pPr lvl="1"/>
-            <a:r>
-              <a:rPr lang="en-US" dirty="0"/>
-              <a:t>The backend…i.e. the nitty gritty how it actually works kind of stuff</a:t>
-            </a:r>
-          </a:p>
-          <a:p>
-            <a:pPr lvl="1"/>
-            <a:r>
-              <a:rPr lang="en-US" dirty="0"/>
-              <a:t>MySQL Workbench</a:t>
-            </a:r>
-          </a:p>
-          <a:p>
-            <a:pPr lvl="1"/>
-            <a:endParaRPr lang="en-US" dirty="0"/>
-          </a:p>
-          <a:p>
-            <a:pPr lvl="1"/>
-            <a:endParaRPr lang="en-US" dirty="0"/>
+            <a:endParaRPr lang="en-US"/>
           </a:p>
         </p:txBody>
       </p:sp>
     </p:spTree>
     <p:extLst>
       <p:ext uri="{BB962C8B-B14F-4D97-AF65-F5344CB8AC3E}">
-        <p14:creationId xmlns:p14="http://schemas.microsoft.com/office/powerpoint/2010/main" val="3962582796"/>
+        <p14:creationId xmlns:p14="http://schemas.microsoft.com/office/powerpoint/2010/main" val="2674274211"/>
       </p:ext>
     </p:extLst>
   </p:cSld>
@@ -3842,9 +7085,9 @@
 </file>
 
 <file path=ppt/theme/theme1.xml><?xml version="1.0" encoding="utf-8"?>
-<a:theme xmlns:a="http://schemas.openxmlformats.org/drawingml/2006/main" name="Office Theme">
+<a:theme xmlns:a="http://schemas.openxmlformats.org/drawingml/2006/main" name="Facet">
   <a:themeElements>
-    <a:clrScheme name="Office">
+    <a:clrScheme name="Facet">
       <a:dk1>
         <a:sysClr val="windowText" lastClr="000000"/>
       </a:dk1>
@@ -3852,52 +7095,52 @@
         <a:sysClr val="window" lastClr="FFFFFF"/>
       </a:lt1>
       <a:dk2>
-        <a:srgbClr val="44546A"/>
+        <a:srgbClr val="2C3C43"/>
       </a:dk2>
       <a:lt2>
-        <a:srgbClr val="E7E6E6"/>
+        <a:srgbClr val="EBEBEB"/>
       </a:lt2>
       <a:accent1>
-        <a:srgbClr val="5B9BD5"/>
+        <a:srgbClr val="5FCBEF"/>
       </a:accent1>
       <a:accent2>
-        <a:srgbClr val="ED7D31"/>
+        <a:srgbClr val="2E83C3"/>
       </a:accent2>
       <a:accent3>
-        <a:srgbClr val="A5A5A5"/>
+        <a:srgbClr val="42D0A2"/>
       </a:accent3>
       <a:accent4>
-        <a:srgbClr val="FFC000"/>
+        <a:srgbClr val="2E946B"/>
       </a:accent4>
       <a:accent5>
-        <a:srgbClr val="4472C4"/>
+        <a:srgbClr val="42B051"/>
       </a:accent5>
       <a:accent6>
-        <a:srgbClr val="70AD47"/>
+        <a:srgbClr val="96D141"/>
       </a:accent6>
       <a:hlink>
-        <a:srgbClr val="0563C1"/>
+        <a:srgbClr val="3FCDE7"/>
       </a:hlink>
       <a:folHlink>
-        <a:srgbClr val="954F72"/>
+        <a:srgbClr val="A9D3E1"/>
       </a:folHlink>
     </a:clrScheme>
-    <a:fontScheme name="Office">
+    <a:fontScheme name="Facet">
       <a:majorFont>
-        <a:latin typeface="Calibri Light" panose="020F0302020204030204"/>
+        <a:latin typeface="Trebuchet MS" panose="020B0603020202020204"/>
         <a:ea typeface=""/>
         <a:cs typeface=""/>
-        <a:font script="Jpan" typeface="游ゴシック Light"/>
+        <a:font script="Jpan" typeface="メイリオ"/>
         <a:font script="Hang" typeface="맑은 고딕"/>
-        <a:font script="Hans" typeface="等线 Light"/>
-        <a:font script="Hant" typeface="新細明體"/>
-        <a:font script="Arab" typeface="Times New Roman"/>
-        <a:font script="Hebr" typeface="Times New Roman"/>
-        <a:font script="Thai" typeface="Angsana New"/>
+        <a:font script="Hans" typeface="方正姚体"/>
+        <a:font script="Hant" typeface="微軟正黑體"/>
+        <a:font script="Arab" typeface="Tahoma"/>
+        <a:font script="Hebr" typeface="Arial"/>
+        <a:font script="Thai" typeface="Cordia New"/>
         <a:font script="Ethi" typeface="Nyala"/>
         <a:font script="Beng" typeface="Vrinda"/>
         <a:font script="Gujr" typeface="Shruti"/>
-        <a:font script="Khmr" typeface="MoolBoran"/>
+        <a:font script="Khmr" typeface="DaunPenh"/>
         <a:font script="Knda" typeface="Tunga"/>
         <a:font script="Guru" typeface="Raavi"/>
         <a:font script="Cans" typeface="Euphemia"/>
@@ -3914,38 +7157,21 @@
         <a:font script="Laoo" typeface="DokChampa"/>
         <a:font script="Sinh" typeface="Iskoola Pota"/>
         <a:font script="Mong" typeface="Mongolian Baiti"/>
-        <a:font script="Viet" typeface="Times New Roman"/>
+        <a:font script="Viet" typeface="Tahoma"/>
         <a:font script="Uigh" typeface="Microsoft Uighur"/>
         <a:font script="Geor" typeface="Sylfaen"/>
-        <a:font script="Armn" typeface="Arial"/>
-        <a:font script="Bugi" typeface="Leelawadee UI"/>
-        <a:font script="Bopo" typeface="Microsoft JhengHei"/>
-        <a:font script="Java" typeface="Javanese Text"/>
-        <a:font script="Lisu" typeface="Segoe UI"/>
-        <a:font script="Mymr" typeface="Myanmar Text"/>
-        <a:font script="Nkoo" typeface="Ebrima"/>
-        <a:font script="Olck" typeface="Nirmala UI"/>
-        <a:font script="Osma" typeface="Ebrima"/>
-        <a:font script="Phag" typeface="Phagspa"/>
-        <a:font script="Syrn" typeface="Estrangelo Edessa"/>
-        <a:font script="Syrj" typeface="Estrangelo Edessa"/>
-        <a:font script="Syre" typeface="Estrangelo Edessa"/>
-        <a:font script="Sora" typeface="Nirmala UI"/>
-        <a:font script="Tale" typeface="Microsoft Tai Le"/>
-        <a:font script="Talu" typeface="Microsoft New Tai Lue"/>
-        <a:font script="Tfng" typeface="Ebrima"/>
       </a:majorFont>
       <a:minorFont>
-        <a:latin typeface="Calibri" panose="020F0502020204030204"/>
+        <a:latin typeface="Trebuchet MS" panose="020B0603020202020204"/>
         <a:ea typeface=""/>
         <a:cs typeface=""/>
-        <a:font script="Jpan" typeface="游ゴシック"/>
-        <a:font script="Hang" typeface="맑은 고딕"/>
-        <a:font script="Hans" typeface="等线"/>
-        <a:font script="Hant" typeface="新細明體"/>
-        <a:font script="Arab" typeface="Arial"/>
-        <a:font script="Hebr" typeface="Arial"/>
-        <a:font script="Thai" typeface="Cordia New"/>
+        <a:font script="Jpan" typeface="メイリオ"/>
+        <a:font script="Hang" typeface="HY그래픽M"/>
+        <a:font script="Hans" typeface="华文新魏"/>
+        <a:font script="Hant" typeface="微軟正黑體"/>
+        <a:font script="Arab" typeface="Tahoma"/>
+        <a:font script="Hebr" typeface="Gisha"/>
+        <a:font script="Thai" typeface="IrisUPC"/>
         <a:font script="Ethi" typeface="Nyala"/>
         <a:font script="Beng" typeface="Vrinda"/>
         <a:font script="Gujr" typeface="Shruti"/>
@@ -3969,26 +7195,9 @@
         <a:font script="Viet" typeface="Arial"/>
         <a:font script="Uigh" typeface="Microsoft Uighur"/>
         <a:font script="Geor" typeface="Sylfaen"/>
-        <a:font script="Armn" typeface="Arial"/>
-        <a:font script="Bugi" typeface="Leelawadee UI"/>
-        <a:font script="Bopo" typeface="Microsoft JhengHei"/>
-        <a:font script="Java" typeface="Javanese Text"/>
-        <a:font script="Lisu" typeface="Segoe UI"/>
-        <a:font script="Mymr" typeface="Myanmar Text"/>
-        <a:font script="Nkoo" typeface="Ebrima"/>
-        <a:font script="Olck" typeface="Nirmala UI"/>
-        <a:font script="Osma" typeface="Ebrima"/>
-        <a:font script="Phag" typeface="Phagspa"/>
-        <a:font script="Syrn" typeface="Estrangelo Edessa"/>
-        <a:font script="Syrj" typeface="Estrangelo Edessa"/>
-        <a:font script="Syre" typeface="Estrangelo Edessa"/>
-        <a:font script="Sora" typeface="Nirmala UI"/>
-        <a:font script="Tale" typeface="Microsoft Tai Le"/>
-        <a:font script="Talu" typeface="Microsoft New Tai Lue"/>
-        <a:font script="Tfng" typeface="Ebrima"/>
       </a:minorFont>
     </a:fontScheme>
-    <a:fmtScheme name="Office">
+    <a:fmtScheme name="Facet">
       <a:fillStyleLst>
         <a:solidFill>
           <a:schemeClr val="phClr"/>
@@ -3997,23 +7206,13 @@
           <a:gsLst>
             <a:gs pos="0">
               <a:schemeClr val="phClr">
+                <a:tint val="65000"/>
                 <a:lumMod val="110000"/>
-                <a:satMod val="105000"/>
-                <a:tint val="67000"/>
               </a:schemeClr>
             </a:gs>
-            <a:gs pos="50000">
+            <a:gs pos="88000">
               <a:schemeClr val="phClr">
-                <a:lumMod val="105000"/>
-                <a:satMod val="103000"/>
-                <a:tint val="73000"/>
-              </a:schemeClr>
-            </a:gs>
-            <a:gs pos="100000">
-              <a:schemeClr val="phClr">
-                <a:lumMod val="105000"/>
-                <a:satMod val="109000"/>
-                <a:tint val="81000"/>
+                <a:tint val="90000"/>
               </a:schemeClr>
             </a:gs>
           </a:gsLst>
@@ -4023,23 +7222,14 @@
           <a:gsLst>
             <a:gs pos="0">
               <a:schemeClr val="phClr">
-                <a:satMod val="103000"/>
-                <a:lumMod val="102000"/>
-                <a:tint val="94000"/>
+                <a:tint val="96000"/>
+                <a:lumMod val="100000"/>
               </a:schemeClr>
             </a:gs>
-            <a:gs pos="50000">
+            <a:gs pos="78000">
               <a:schemeClr val="phClr">
-                <a:satMod val="110000"/>
-                <a:lumMod val="100000"/>
-                <a:shade val="100000"/>
-              </a:schemeClr>
-            </a:gs>
-            <a:gs pos="100000">
-              <a:schemeClr val="phClr">
-                <a:lumMod val="99000"/>
-                <a:satMod val="120000"/>
-                <a:shade val="78000"/>
+                <a:shade val="94000"/>
+                <a:lumMod val="94000"/>
               </a:schemeClr>
             </a:gs>
           </a:gsLst>
@@ -4047,26 +7237,23 @@
         </a:gradFill>
       </a:fillStyleLst>
       <a:lnStyleLst>
-        <a:ln w="6350" cap="flat" cmpd="sng" algn="ctr">
+        <a:ln w="12700" cap="rnd" cmpd="sng" algn="ctr">
           <a:solidFill>
             <a:schemeClr val="phClr"/>
           </a:solidFill>
           <a:prstDash val="solid"/>
-          <a:miter lim="800000"/>
         </a:ln>
-        <a:ln w="12700" cap="flat" cmpd="sng" algn="ctr">
+        <a:ln w="19050" cap="rnd" cmpd="sng" algn="ctr">
           <a:solidFill>
             <a:schemeClr val="phClr"/>
           </a:solidFill>
           <a:prstDash val="solid"/>
-          <a:miter lim="800000"/>
         </a:ln>
-        <a:ln w="19050" cap="flat" cmpd="sng" algn="ctr">
+        <a:ln w="25400" cap="rnd" cmpd="sng" algn="ctr">
           <a:solidFill>
             <a:schemeClr val="phClr"/>
           </a:solidFill>
           <a:prstDash val="solid"/>
-          <a:miter lim="800000"/>
         </a:ln>
       </a:lnStyleLst>
       <a:effectStyleLst>
@@ -4074,54 +7261,72 @@
           <a:effectLst/>
         </a:effectStyle>
         <a:effectStyle>
-          <a:effectLst/>
+          <a:effectLst>
+            <a:outerShdw blurRad="38100" dist="25400" dir="5400000" rotWithShape="0">
+              <a:srgbClr val="000000">
+                <a:alpha val="35000"/>
+              </a:srgbClr>
+            </a:outerShdw>
+          </a:effectLst>
         </a:effectStyle>
         <a:effectStyle>
           <a:effectLst>
-            <a:outerShdw blurRad="57150" dist="19050" dir="5400000" algn="ctr" rotWithShape="0">
+            <a:outerShdw blurRad="50800" dist="38100" dir="5400000" rotWithShape="0">
               <a:srgbClr val="000000">
-                <a:alpha val="63000"/>
+                <a:alpha val="35000"/>
               </a:srgbClr>
             </a:outerShdw>
           </a:effectLst>
+          <a:scene3d>
+            <a:camera prst="orthographicFront">
+              <a:rot lat="0" lon="0" rev="0"/>
+            </a:camera>
+            <a:lightRig rig="threePt" dir="tl"/>
+          </a:scene3d>
+          <a:sp3d prstMaterial="plastic">
+            <a:bevelT w="0" h="0"/>
+          </a:sp3d>
         </a:effectStyle>
       </a:effectStyleLst>
       <a:bgFillStyleLst>
         <a:solidFill>
           <a:schemeClr val="phClr"/>
         </a:solidFill>
-        <a:solidFill>
-          <a:schemeClr val="phClr">
-            <a:tint val="95000"/>
-            <a:satMod val="170000"/>
-          </a:schemeClr>
-        </a:solidFill>
         <a:gradFill rotWithShape="1">
           <a:gsLst>
             <a:gs pos="0">
               <a:schemeClr val="phClr">
-                <a:tint val="93000"/>
-                <a:satMod val="150000"/>
-                <a:shade val="98000"/>
-                <a:lumMod val="102000"/>
+                <a:tint val="90000"/>
+                <a:lumMod val="104000"/>
               </a:schemeClr>
             </a:gs>
-            <a:gs pos="50000">
+            <a:gs pos="94000">
               <a:schemeClr val="phClr">
-                <a:tint val="98000"/>
-                <a:satMod val="130000"/>
-                <a:shade val="90000"/>
-                <a:lumMod val="103000"/>
+                <a:shade val="96000"/>
+                <a:lumMod val="82000"/>
+              </a:schemeClr>
+            </a:gs>
+          </a:gsLst>
+          <a:lin ang="5400000" scaled="0"/>
+        </a:gradFill>
+        <a:gradFill rotWithShape="1">
+          <a:gsLst>
+            <a:gs pos="0">
+              <a:schemeClr val="phClr">
+                <a:tint val="90000"/>
+                <a:lumMod val="110000"/>
               </a:schemeClr>
             </a:gs>
             <a:gs pos="100000">
               <a:schemeClr val="phClr">
-                <a:shade val="63000"/>
-                <a:satMod val="120000"/>
+                <a:shade val="94000"/>
+                <a:lumMod val="96000"/>
               </a:schemeClr>
             </a:gs>
           </a:gsLst>
-          <a:lin ang="5400000" scaled="0"/>
+          <a:path path="circle">
+            <a:fillToRect l="50000" t="50000" r="100000" b="100000"/>
+          </a:path>
         </a:gradFill>
       </a:bgFillStyleLst>
     </a:fmtScheme>
@@ -4130,7 +7335,7 @@
   <a:extraClrSchemeLst/>
   <a:extLst>
     <a:ext uri="{05A4C25C-085E-4340-85A3-A5531E510DB2}">
-      <thm15:themeFamily xmlns:thm15="http://schemas.microsoft.com/office/thememl/2012/main" name="Office Theme" id="{62F939B6-93AF-4DB8-9C6B-D6C7DFDC589F}" vid="{4A3C46E8-61CC-4603-A589-7422A47A8E4A}"/>
+      <thm15:themeFamily xmlns:thm15="http://schemas.microsoft.com/office/thememl/2012/main" name="Facet" id="{C0C680CD-088A-49FC-A102-D699147F32B2}" vid="{0B5AB586-D108-4FC1-8368-649FE654B894}"/>
     </a:ext>
   </a:extLst>
 </a:theme>

--- a/Open.Classes.Project.Interim.Presentation.pptx
+++ b/Open.Classes.Project.Interim.Presentation.pptx
@@ -12,9 +12,10 @@
     <p:sldId id="265" r:id="rId6"/>
     <p:sldId id="260" r:id="rId7"/>
     <p:sldId id="263" r:id="rId8"/>
-    <p:sldId id="261" r:id="rId9"/>
-    <p:sldId id="262" r:id="rId10"/>
-    <p:sldId id="264" r:id="rId11"/>
+    <p:sldId id="266" r:id="rId9"/>
+    <p:sldId id="261" r:id="rId10"/>
+    <p:sldId id="262" r:id="rId11"/>
+    <p:sldId id="264" r:id="rId12"/>
   </p:sldIdLst>
   <p:sldSz cx="12192000" cy="6858000"/>
   <p:notesSz cx="6858000" cy="9144000"/>
@@ -115,7 +116,7 @@
   </p:defaultTextStyle>
   <p:extLst>
     <p:ext uri="{EFAFB233-063F-42B5-8137-9DF3F51BA10A}">
-      <p15:sldGuideLst xmlns:p15="http://schemas.microsoft.com/office/powerpoint/2012/main"/>
+      <p15:sldGuideLst xmlns:p15="http://schemas.microsoft.com/office/powerpoint/2012/main" xmlns=""/>
     </p:ext>
   </p:extLst>
 </p:presentation>
@@ -866,7 +867,7 @@
           <a:p>
             <a:fld id="{F9217CA3-C83D-4696-B2B2-00C5226867BC}" type="datetimeFigureOut">
               <a:rPr lang="en-US" smtClean="0"/>
-              <a:t>3/3/2016</a:t>
+              <a:t>3/6/2016</a:t>
             </a:fld>
             <a:endParaRPr lang="en-US"/>
           </a:p>
@@ -1117,7 +1118,7 @@
           <a:p>
             <a:fld id="{F9217CA3-C83D-4696-B2B2-00C5226867BC}" type="datetimeFigureOut">
               <a:rPr lang="en-US" smtClean="0"/>
-              <a:t>3/3/2016</a:t>
+              <a:t>3/6/2016</a:t>
             </a:fld>
             <a:endParaRPr lang="en-US"/>
           </a:p>
@@ -1431,7 +1432,7 @@
           <a:p>
             <a:fld id="{F9217CA3-C83D-4696-B2B2-00C5226867BC}" type="datetimeFigureOut">
               <a:rPr lang="en-US" smtClean="0"/>
-              <a:t>3/3/2016</a:t>
+              <a:t>3/6/2016</a:t>
             </a:fld>
             <a:endParaRPr lang="en-US"/>
           </a:p>
@@ -1764,7 +1765,7 @@
           <a:p>
             <a:fld id="{F9217CA3-C83D-4696-B2B2-00C5226867BC}" type="datetimeFigureOut">
               <a:rPr lang="en-US" smtClean="0"/>
-              <a:t>3/3/2016</a:t>
+              <a:t>3/6/2016</a:t>
             </a:fld>
             <a:endParaRPr lang="en-US"/>
           </a:p>
@@ -2078,7 +2079,7 @@
           <a:p>
             <a:fld id="{F9217CA3-C83D-4696-B2B2-00C5226867BC}" type="datetimeFigureOut">
               <a:rPr lang="en-US" smtClean="0"/>
-              <a:t>3/3/2016</a:t>
+              <a:t>3/6/2016</a:t>
             </a:fld>
             <a:endParaRPr lang="en-US"/>
           </a:p>
@@ -2471,7 +2472,7 @@
           <a:p>
             <a:fld id="{F9217CA3-C83D-4696-B2B2-00C5226867BC}" type="datetimeFigureOut">
               <a:rPr lang="en-US" smtClean="0"/>
-              <a:t>3/3/2016</a:t>
+              <a:t>3/6/2016</a:t>
             </a:fld>
             <a:endParaRPr lang="en-US"/>
           </a:p>
@@ -2641,7 +2642,7 @@
           <a:p>
             <a:fld id="{F9217CA3-C83D-4696-B2B2-00C5226867BC}" type="datetimeFigureOut">
               <a:rPr lang="en-US" smtClean="0"/>
-              <a:t>3/3/2016</a:t>
+              <a:t>3/6/2016</a:t>
             </a:fld>
             <a:endParaRPr lang="en-US"/>
           </a:p>
@@ -2821,7 +2822,7 @@
           <a:p>
             <a:fld id="{F9217CA3-C83D-4696-B2B2-00C5226867BC}" type="datetimeFigureOut">
               <a:rPr lang="en-US" smtClean="0"/>
-              <a:t>3/3/2016</a:t>
+              <a:t>3/6/2016</a:t>
             </a:fld>
             <a:endParaRPr lang="en-US"/>
           </a:p>
@@ -2991,7 +2992,7 @@
           <a:p>
             <a:fld id="{F9217CA3-C83D-4696-B2B2-00C5226867BC}" type="datetimeFigureOut">
               <a:rPr lang="en-US" smtClean="0"/>
-              <a:t>3/3/2016</a:t>
+              <a:t>3/6/2016</a:t>
             </a:fld>
             <a:endParaRPr lang="en-US"/>
           </a:p>
@@ -3238,7 +3239,7 @@
           <a:p>
             <a:fld id="{F9217CA3-C83D-4696-B2B2-00C5226867BC}" type="datetimeFigureOut">
               <a:rPr lang="en-US" smtClean="0"/>
-              <a:t>3/3/2016</a:t>
+              <a:t>3/6/2016</a:t>
             </a:fld>
             <a:endParaRPr lang="en-US"/>
           </a:p>
@@ -3470,7 +3471,7 @@
           <a:p>
             <a:fld id="{F9217CA3-C83D-4696-B2B2-00C5226867BC}" type="datetimeFigureOut">
               <a:rPr lang="en-US" smtClean="0"/>
-              <a:t>3/3/2016</a:t>
+              <a:t>3/6/2016</a:t>
             </a:fld>
             <a:endParaRPr lang="en-US"/>
           </a:p>
@@ -3844,7 +3845,7 @@
           <a:p>
             <a:fld id="{F9217CA3-C83D-4696-B2B2-00C5226867BC}" type="datetimeFigureOut">
               <a:rPr lang="en-US" smtClean="0"/>
-              <a:t>3/3/2016</a:t>
+              <a:t>3/6/2016</a:t>
             </a:fld>
             <a:endParaRPr lang="en-US"/>
           </a:p>
@@ -3967,7 +3968,7 @@
           <a:p>
             <a:fld id="{F9217CA3-C83D-4696-B2B2-00C5226867BC}" type="datetimeFigureOut">
               <a:rPr lang="en-US" smtClean="0"/>
-              <a:t>3/3/2016</a:t>
+              <a:t>3/6/2016</a:t>
             </a:fld>
             <a:endParaRPr lang="en-US"/>
           </a:p>
@@ -4062,7 +4063,7 @@
           <a:p>
             <a:fld id="{F9217CA3-C83D-4696-B2B2-00C5226867BC}" type="datetimeFigureOut">
               <a:rPr lang="en-US" smtClean="0"/>
-              <a:t>3/3/2016</a:t>
+              <a:t>3/6/2016</a:t>
             </a:fld>
             <a:endParaRPr lang="en-US"/>
           </a:p>
@@ -4317,7 +4318,7 @@
           <a:p>
             <a:fld id="{F9217CA3-C83D-4696-B2B2-00C5226867BC}" type="datetimeFigureOut">
               <a:rPr lang="en-US" smtClean="0"/>
-              <a:t>3/3/2016</a:t>
+              <a:t>3/6/2016</a:t>
             </a:fld>
             <a:endParaRPr lang="en-US"/>
           </a:p>
@@ -4622,7 +4623,7 @@
           <a:p>
             <a:fld id="{F9217CA3-C83D-4696-B2B2-00C5226867BC}" type="datetimeFigureOut">
               <a:rPr lang="en-US" smtClean="0"/>
-              <a:t>3/3/2016</a:t>
+              <a:t>3/6/2016</a:t>
             </a:fld>
             <a:endParaRPr lang="en-US"/>
           </a:p>
@@ -5324,7 +5325,7 @@
           <a:p>
             <a:fld id="{F9217CA3-C83D-4696-B2B2-00C5226867BC}" type="datetimeFigureOut">
               <a:rPr lang="en-US" smtClean="0"/>
-              <a:t>3/3/2016</a:t>
+              <a:t>3/6/2016</a:t>
             </a:fld>
             <a:endParaRPr lang="en-US"/>
           </a:p>
@@ -5972,6 +5973,115 @@
           <a:p>
             <a:r>
               <a:rPr lang="en-US" dirty="0"/>
+              <a:t>Project Plan – Work Left to Do</a:t>
+            </a:r>
+          </a:p>
+        </p:txBody>
+      </p:sp>
+      <p:graphicFrame>
+        <p:nvGraphicFramePr>
+          <p:cNvPr id="5" name="Object 4"/>
+          <p:cNvGraphicFramePr>
+            <a:graphicFrameLocks noChangeAspect="1"/>
+          </p:cNvGraphicFramePr>
+          <p:nvPr>
+            <p:extLst>
+              <p:ext uri="{D42A27DB-BD31-4B8C-83A1-F6EECF244321}">
+                <p14:modId xmlns:p14="http://schemas.microsoft.com/office/powerpoint/2010/main" val="1883558027"/>
+              </p:ext>
+            </p:extLst>
+          </p:nvPr>
+        </p:nvGraphicFramePr>
+        <p:xfrm>
+          <a:off x="783770" y="1408297"/>
+          <a:ext cx="6149406" cy="4802498"/>
+        </p:xfrm>
+        <a:graphic>
+          <a:graphicData uri="http://schemas.openxmlformats.org/presentationml/2006/ole">
+            <mc:AlternateContent xmlns:mc="http://schemas.openxmlformats.org/markup-compatibility/2006">
+              <mc:Choice xmlns:v="urn:schemas-microsoft-com:vml" Requires="v">
+                <p:oleObj spid="_x0000_s3079" name="Worksheet" r:id="rId3" imgW="5305418" imgH="4143480" progId="Excel.Sheet.12">
+                  <p:embed/>
+                </p:oleObj>
+              </mc:Choice>
+              <mc:Fallback>
+                <p:oleObj name="Worksheet" r:id="rId3" imgW="5305418" imgH="4143480" progId="Excel.Sheet.12">
+                  <p:embed/>
+                  <p:pic>
+                    <p:nvPicPr>
+                      <p:cNvPr id="0" name=""/>
+                      <p:cNvPicPr/>
+                      <p:nvPr/>
+                    </p:nvPicPr>
+                    <p:blipFill>
+                      <a:blip r:embed="rId4"/>
+                      <a:stretch>
+                        <a:fillRect/>
+                      </a:stretch>
+                    </p:blipFill>
+                    <p:spPr>
+                      <a:xfrm>
+                        <a:off x="783770" y="1408297"/>
+                        <a:ext cx="6149406" cy="4802498"/>
+                      </a:xfrm>
+                      <a:prstGeom prst="rect">
+                        <a:avLst/>
+                      </a:prstGeom>
+                    </p:spPr>
+                  </p:pic>
+                </p:oleObj>
+              </mc:Fallback>
+            </mc:AlternateContent>
+          </a:graphicData>
+        </a:graphic>
+      </p:graphicFrame>
+    </p:spTree>
+    <p:extLst>
+      <p:ext uri="{BB962C8B-B14F-4D97-AF65-F5344CB8AC3E}">
+        <p14:creationId xmlns:p14="http://schemas.microsoft.com/office/powerpoint/2010/main" val="2674274211"/>
+      </p:ext>
+    </p:extLst>
+  </p:cSld>
+  <p:clrMapOvr>
+    <a:masterClrMapping/>
+  </p:clrMapOvr>
+</p:sld>
+</file>
+
+<file path=ppt/slides/slide11.xml><?xml version="1.0" encoding="utf-8"?>
+<p:sld xmlns:a="http://schemas.openxmlformats.org/drawingml/2006/main" xmlns:r="http://schemas.openxmlformats.org/officeDocument/2006/relationships" xmlns:p="http://schemas.openxmlformats.org/presentationml/2006/main">
+  <p:cSld>
+    <p:spTree>
+      <p:nvGrpSpPr>
+        <p:cNvPr id="1" name=""/>
+        <p:cNvGrpSpPr/>
+        <p:nvPr/>
+      </p:nvGrpSpPr>
+      <p:grpSpPr>
+        <a:xfrm>
+          <a:off x="0" y="0"/>
+          <a:ext cx="0" cy="0"/>
+          <a:chOff x="0" y="0"/>
+          <a:chExt cx="0" cy="0"/>
+        </a:xfrm>
+      </p:grpSpPr>
+      <p:sp>
+        <p:nvSpPr>
+          <p:cNvPr id="2" name="Title 1"/>
+          <p:cNvSpPr>
+            <a:spLocks noGrp="1"/>
+          </p:cNvSpPr>
+          <p:nvPr>
+            <p:ph type="title"/>
+          </p:nvPr>
+        </p:nvSpPr>
+        <p:spPr/>
+        <p:txBody>
+          <a:bodyPr/>
+          <a:lstStyle/>
+          <a:p>
+            <a:r>
+              <a:rPr lang="en-US" dirty="0"/>
               <a:t>Design</a:t>
             </a:r>
           </a:p>
@@ -6737,34 +6847,80 @@
             <p:ph idx="1"/>
           </p:nvPr>
         </p:nvSpPr>
-        <p:spPr/>
-        <p:txBody>
-          <a:bodyPr/>
+        <p:spPr>
+          <a:xfrm>
+            <a:off x="851024" y="1750219"/>
+            <a:ext cx="8596668" cy="3880773"/>
+          </a:xfrm>
+        </p:spPr>
+        <p:txBody>
+          <a:bodyPr>
+            <a:normAutofit/>
+          </a:bodyPr>
           <a:lstStyle/>
           <a:p>
             <a:pPr lvl="1"/>
             <a:r>
-              <a:rPr lang="en-US" dirty="0"/>
-              <a:t>Democratic division</a:t>
-            </a:r>
+              <a:rPr lang="en-US" sz="2400" dirty="0"/>
+              <a:t>Democratic </a:t>
+            </a:r>
+            <a:r>
+              <a:rPr lang="en-US" sz="2400" dirty="0" smtClean="0"/>
+              <a:t>division</a:t>
+            </a:r>
+          </a:p>
+          <a:p>
+            <a:pPr lvl="2"/>
+            <a:r>
+              <a:rPr lang="en-US" sz="2000" dirty="0" smtClean="0"/>
+              <a:t>Every decision made by consensus</a:t>
+            </a:r>
+            <a:endParaRPr lang="en-US" sz="2000" dirty="0"/>
           </a:p>
           <a:p>
             <a:pPr lvl="1"/>
             <a:r>
-              <a:rPr lang="en-US" dirty="0"/>
-              <a:t>Work divided by task based on abilities</a:t>
-            </a:r>
+              <a:rPr lang="en-US" sz="2400" dirty="0"/>
+              <a:t>Work divided by task based on </a:t>
+            </a:r>
+            <a:r>
+              <a:rPr lang="en-US" sz="2400" dirty="0" smtClean="0"/>
+              <a:t>abilities</a:t>
+            </a:r>
+          </a:p>
+          <a:p>
+            <a:pPr lvl="2"/>
+            <a:r>
+              <a:rPr lang="en-US" sz="2000" dirty="0"/>
+              <a:t>e</a:t>
+            </a:r>
+            <a:r>
+              <a:rPr lang="en-US" sz="2000" dirty="0" smtClean="0"/>
+              <a:t>.g. “If you create the database, I can code the interface.”</a:t>
+            </a:r>
+            <a:endParaRPr lang="en-US" sz="2000" dirty="0"/>
           </a:p>
           <a:p>
             <a:pPr lvl="1"/>
             <a:r>
-              <a:rPr lang="en-US" dirty="0"/>
+              <a:rPr lang="en-US" sz="2400" dirty="0"/>
               <a:t>Reviews of individual work performed by team</a:t>
             </a:r>
           </a:p>
           <a:p>
-            <a:pPr lvl="1"/>
-            <a:endParaRPr lang="en-US" dirty="0"/>
+            <a:pPr lvl="2"/>
+            <a:r>
+              <a:rPr lang="en-US" sz="2000" dirty="0" smtClean="0"/>
+              <a:t>Each member submits his or her work to the rest of the group for approval</a:t>
+            </a:r>
+          </a:p>
+          <a:p>
+            <a:pPr lvl="2"/>
+            <a:r>
+              <a:rPr lang="en-US" sz="2000" dirty="0" smtClean="0"/>
+              <a:t>Any member can request changes to another’s work</a:t>
+            </a:r>
+            <a:endParaRPr lang="en-US" sz="2000" dirty="0"/>
           </a:p>
         </p:txBody>
       </p:sp>
@@ -6830,40 +6986,76 @@
             <p:ph idx="1"/>
           </p:nvPr>
         </p:nvSpPr>
-        <p:spPr/>
-        <p:txBody>
-          <a:bodyPr/>
-          <a:lstStyle/>
-          <a:p>
-            <a:r>
-              <a:rPr lang="en-US" dirty="0"/>
-              <a:t>Agile Scrum</a:t>
+        <p:spPr>
+          <a:xfrm>
+            <a:off x="677334" y="1816925"/>
+            <a:ext cx="8596668" cy="4224437"/>
+          </a:xfrm>
+        </p:spPr>
+        <p:txBody>
+          <a:bodyPr>
+            <a:noAutofit/>
+          </a:bodyPr>
+          <a:lstStyle/>
+          <a:p>
+            <a:r>
+              <a:rPr lang="en-US" sz="4000" dirty="0">
+                <a:solidFill>
+                  <a:schemeClr val="accent1"/>
+                </a:solidFill>
+              </a:rPr>
+              <a:t>Agile </a:t>
+            </a:r>
+            <a:r>
+              <a:rPr lang="en-US" sz="4000" dirty="0" smtClean="0">
+                <a:solidFill>
+                  <a:schemeClr val="accent1"/>
+                </a:solidFill>
+              </a:rPr>
+              <a:t>Scrum</a:t>
             </a:r>
           </a:p>
           <a:p>
             <a:pPr lvl="1"/>
             <a:r>
-              <a:rPr lang="en-US" dirty="0"/>
-              <a:t>Yeah stuff about that </a:t>
-            </a:r>
+              <a:rPr lang="en-US" sz="2800" dirty="0" smtClean="0"/>
+              <a:t>Highest priority tasks completed first</a:t>
+            </a:r>
+          </a:p>
+          <a:p>
+            <a:pPr lvl="2"/>
+            <a:r>
+              <a:rPr lang="en-US" sz="2400" dirty="0" smtClean="0"/>
+              <a:t>e.g. “What do we need to do next?”</a:t>
+            </a:r>
+            <a:endParaRPr lang="en-US" sz="2400" dirty="0"/>
           </a:p>
           <a:p>
             <a:pPr lvl="1"/>
             <a:r>
-              <a:rPr lang="en-US" dirty="0"/>
-              <a:t>Why we chose scrum model</a:t>
-            </a:r>
+              <a:rPr lang="en-US" sz="2800" dirty="0" smtClean="0"/>
+              <a:t>Chosen because of its cyclical and iterative nature</a:t>
+            </a:r>
+          </a:p>
+          <a:p>
+            <a:pPr lvl="2"/>
+            <a:r>
+              <a:rPr lang="en-US" sz="2400" dirty="0" smtClean="0"/>
+              <a:t>Easy to meet weekly after each sprint</a:t>
+            </a:r>
+            <a:endParaRPr lang="en-US" sz="2400" dirty="0"/>
           </a:p>
           <a:p>
             <a:pPr lvl="1"/>
             <a:r>
-              <a:rPr lang="en-US" dirty="0"/>
-              <a:t>Why this was the best model for our project compared to others</a:t>
-            </a:r>
+              <a:rPr lang="en-US" sz="2800" dirty="0" smtClean="0"/>
+              <a:t>Scrum model more adaptable to change than other process models</a:t>
+            </a:r>
+            <a:endParaRPr lang="en-US" sz="2800" dirty="0"/>
           </a:p>
           <a:p>
             <a:pPr lvl="1"/>
-            <a:endParaRPr lang="en-US" dirty="0"/>
+            <a:endParaRPr lang="en-US" sz="2400" dirty="0"/>
           </a:p>
         </p:txBody>
       </p:sp>
@@ -6912,98 +7104,97 @@
           <a:bodyPr/>
           <a:lstStyle/>
           <a:p>
-            <a:r>
-              <a:rPr lang="en-US" dirty="0"/>
-              <a:t>Project Plan – Completed Work</a:t>
-            </a:r>
+            <a:endParaRPr lang="en-US"/>
+          </a:p>
+        </p:txBody>
+      </p:sp>
+      <p:sp>
+        <p:nvSpPr>
+          <p:cNvPr id="3" name="Content Placeholder 2"/>
+          <p:cNvSpPr>
+            <a:spLocks noGrp="1"/>
+          </p:cNvSpPr>
+          <p:nvPr>
+            <p:ph idx="1"/>
+          </p:nvPr>
+        </p:nvSpPr>
+        <p:spPr/>
+        <p:txBody>
+          <a:bodyPr/>
+          <a:lstStyle/>
+          <a:p>
+            <a:endParaRPr lang="en-US"/>
           </a:p>
         </p:txBody>
       </p:sp>
       <p:pic>
         <p:nvPicPr>
-          <p:cNvPr id="5" name="Picture 4"/>
+          <p:cNvPr id="2050" name="Picture 2"/>
           <p:cNvPicPr>
-            <a:picLocks noChangeAspect="1"/>
+            <a:picLocks noChangeAspect="1" noChangeArrowheads="1"/>
           </p:cNvPicPr>
           <p:nvPr/>
         </p:nvPicPr>
         <p:blipFill>
-          <a:blip r:embed="rId3"/>
+          <a:blip r:embed="rId2">
+            <a:extLst>
+              <a:ext uri="{28A0092B-C50C-407E-A947-70E740481C1C}">
+                <a14:useLocalDpi xmlns:a14="http://schemas.microsoft.com/office/drawing/2010/main" val="0"/>
+              </a:ext>
+            </a:extLst>
+          </a:blip>
+          <a:srcRect/>
           <a:stretch>
             <a:fillRect/>
           </a:stretch>
         </p:blipFill>
-        <p:spPr>
+        <p:spPr bwMode="auto">
           <a:xfrm>
-            <a:off x="5003800" y="2609620"/>
-            <a:ext cx="5389331" cy="2749534"/>
+            <a:off x="426427" y="0"/>
+            <a:ext cx="8877300" cy="6858001"/>
           </a:xfrm>
           <a:prstGeom prst="rect">
             <a:avLst/>
           </a:prstGeom>
+          <a:noFill/>
+          <a:ln>
+            <a:noFill/>
+          </a:ln>
+          <a:effectLst/>
+          <a:extLst>
+            <a:ext uri="{909E8E84-426E-40DD-AFC4-6F175D3DCCD1}">
+              <a14:hiddenFill xmlns:a14="http://schemas.microsoft.com/office/drawing/2010/main">
+                <a:solidFill>
+                  <a:schemeClr val="accent1"/>
+                </a:solidFill>
+              </a14:hiddenFill>
+            </a:ext>
+            <a:ext uri="{91240B29-F687-4F45-9708-019B960494DF}">
+              <a14:hiddenLine xmlns:a14="http://schemas.microsoft.com/office/drawing/2010/main" w="9525">
+                <a:solidFill>
+                  <a:schemeClr val="tx1"/>
+                </a:solidFill>
+                <a:miter lim="800000"/>
+                <a:headEnd/>
+                <a:tailEnd/>
+              </a14:hiddenLine>
+            </a:ext>
+            <a:ext uri="{AF507438-7753-43E0-B8FC-AC1667EBCBE1}">
+              <a14:hiddenEffects xmlns:a14="http://schemas.microsoft.com/office/drawing/2010/main">
+                <a:effectLst>
+                  <a:outerShdw dist="35921" dir="2700000" algn="ctr" rotWithShape="0">
+                    <a:schemeClr val="bg2"/>
+                  </a:outerShdw>
+                </a:effectLst>
+              </a14:hiddenEffects>
+            </a:ext>
+          </a:extLst>
         </p:spPr>
       </p:pic>
-      <p:graphicFrame>
-        <p:nvGraphicFramePr>
-          <p:cNvPr id="7" name="Object 6"/>
-          <p:cNvGraphicFramePr>
-            <a:graphicFrameLocks noChangeAspect="1"/>
-          </p:cNvGraphicFramePr>
-          <p:nvPr>
-            <p:extLst>
-              <p:ext uri="{D42A27DB-BD31-4B8C-83A1-F6EECF244321}">
-                <p14:modId xmlns:p14="http://schemas.microsoft.com/office/powerpoint/2010/main" val="231696315"/>
-              </p:ext>
-            </p:extLst>
-          </p:nvPr>
-        </p:nvGraphicFramePr>
-        <p:xfrm>
-          <a:off x="838200" y="1275319"/>
-          <a:ext cx="4165600" cy="5418137"/>
-        </p:xfrm>
-        <a:graphic>
-          <a:graphicData uri="http://schemas.openxmlformats.org/presentationml/2006/ole">
-            <mc:AlternateContent xmlns:mc="http://schemas.openxmlformats.org/markup-compatibility/2006">
-              <mc:Choice xmlns:v="urn:schemas-microsoft-com:vml" Requires="v">
-                <p:oleObj spid="_x0000_s1031" name="Worksheet" r:id="rId4" imgW="5619762" imgH="7308894" progId="Excel.Sheet.12">
-                  <p:embed/>
-                </p:oleObj>
-              </mc:Choice>
-              <mc:Fallback>
-                <p:oleObj name="Worksheet" r:id="rId4" imgW="5619762" imgH="7308894" progId="Excel.Sheet.12">
-                  <p:embed/>
-                  <p:pic>
-                    <p:nvPicPr>
-                      <p:cNvPr id="0" name=""/>
-                      <p:cNvPicPr/>
-                      <p:nvPr/>
-                    </p:nvPicPr>
-                    <p:blipFill>
-                      <a:blip r:embed="rId5"/>
-                      <a:stretch>
-                        <a:fillRect/>
-                      </a:stretch>
-                    </p:blipFill>
-                    <p:spPr>
-                      <a:xfrm>
-                        <a:off x="838200" y="1275319"/>
-                        <a:ext cx="4165600" cy="5418137"/>
-                      </a:xfrm>
-                      <a:prstGeom prst="rect">
-                        <a:avLst/>
-                      </a:prstGeom>
-                    </p:spPr>
-                  </p:pic>
-                </p:oleObj>
-              </mc:Fallback>
-            </mc:AlternateContent>
-          </a:graphicData>
-        </a:graphic>
-      </p:graphicFrame>
     </p:spTree>
     <p:extLst>
       <p:ext uri="{BB962C8B-B14F-4D97-AF65-F5344CB8AC3E}">
-        <p14:creationId xmlns:p14="http://schemas.microsoft.com/office/powerpoint/2010/main" val="1509624581"/>
+        <p14:creationId xmlns:p14="http://schemas.microsoft.com/office/powerpoint/2010/main" val="1218147804"/>
       </p:ext>
     </p:extLst>
   </p:cSld>
@@ -7047,34 +7238,72 @@
           <a:p>
             <a:r>
               <a:rPr lang="en-US" dirty="0"/>
-              <a:t>Project Plan – Work Left to Do</a:t>
-            </a:r>
-          </a:p>
-        </p:txBody>
-      </p:sp>
-      <p:sp>
-        <p:nvSpPr>
-          <p:cNvPr id="3" name="Content Placeholder 2"/>
-          <p:cNvSpPr>
-            <a:spLocks noGrp="1"/>
-          </p:cNvSpPr>
-          <p:nvPr>
-            <p:ph idx="1"/>
-          </p:nvPr>
-        </p:nvSpPr>
-        <p:spPr/>
-        <p:txBody>
-          <a:bodyPr/>
-          <a:lstStyle/>
-          <a:p>
-            <a:endParaRPr lang="en-US"/>
-          </a:p>
-        </p:txBody>
-      </p:sp>
+              <a:t>Project Plan – Completed Work</a:t>
+            </a:r>
+          </a:p>
+        </p:txBody>
+      </p:sp>
+      <p:graphicFrame>
+        <p:nvGraphicFramePr>
+          <p:cNvPr id="4" name="Object 3"/>
+          <p:cNvGraphicFramePr>
+            <a:graphicFrameLocks noChangeAspect="1"/>
+          </p:cNvGraphicFramePr>
+          <p:nvPr>
+            <p:extLst>
+              <p:ext uri="{D42A27DB-BD31-4B8C-83A1-F6EECF244321}">
+                <p14:modId xmlns:p14="http://schemas.microsoft.com/office/powerpoint/2010/main" val="3856505606"/>
+              </p:ext>
+            </p:extLst>
+          </p:nvPr>
+        </p:nvGraphicFramePr>
+        <p:xfrm>
+          <a:off x="804224" y="1442378"/>
+          <a:ext cx="6357938" cy="4392612"/>
+        </p:xfrm>
+        <a:graphic>
+          <a:graphicData uri="http://schemas.openxmlformats.org/presentationml/2006/ole">
+            <mc:AlternateContent xmlns:mc="http://schemas.openxmlformats.org/markup-compatibility/2006">
+              <mc:Choice xmlns:v="urn:schemas-microsoft-com:vml" Requires="v">
+                <p:oleObj spid="_x0000_s1038" name="Worksheet" r:id="rId3" imgW="5305418" imgH="3667048" progId="Excel.Sheet.12">
+                  <p:embed/>
+                </p:oleObj>
+              </mc:Choice>
+              <mc:Fallback>
+                <p:oleObj name="Worksheet" r:id="rId3" imgW="5305418" imgH="3667048" progId="Excel.Sheet.12">
+                  <p:embed/>
+                  <p:pic>
+                    <p:nvPicPr>
+                      <p:cNvPr id="0" name=""/>
+                      <p:cNvPicPr/>
+                      <p:nvPr/>
+                    </p:nvPicPr>
+                    <p:blipFill>
+                      <a:blip r:embed="rId4"/>
+                      <a:stretch>
+                        <a:fillRect/>
+                      </a:stretch>
+                    </p:blipFill>
+                    <p:spPr>
+                      <a:xfrm>
+                        <a:off x="804224" y="1442378"/>
+                        <a:ext cx="6357938" cy="4392612"/>
+                      </a:xfrm>
+                      <a:prstGeom prst="rect">
+                        <a:avLst/>
+                      </a:prstGeom>
+                    </p:spPr>
+                  </p:pic>
+                </p:oleObj>
+              </mc:Fallback>
+            </mc:AlternateContent>
+          </a:graphicData>
+        </a:graphic>
+      </p:graphicFrame>
     </p:spTree>
     <p:extLst>
       <p:ext uri="{BB962C8B-B14F-4D97-AF65-F5344CB8AC3E}">
-        <p14:creationId xmlns:p14="http://schemas.microsoft.com/office/powerpoint/2010/main" val="2674274211"/>
+        <p14:creationId xmlns:p14="http://schemas.microsoft.com/office/powerpoint/2010/main" val="1509624581"/>
       </p:ext>
     </p:extLst>
   </p:cSld>
@@ -7335,7 +7564,7 @@
   <a:extraClrSchemeLst/>
   <a:extLst>
     <a:ext uri="{05A4C25C-085E-4340-85A3-A5531E510DB2}">
-      <thm15:themeFamily xmlns:thm15="http://schemas.microsoft.com/office/thememl/2012/main" name="Facet" id="{C0C680CD-088A-49FC-A102-D699147F32B2}" vid="{0B5AB586-D108-4FC1-8368-649FE654B894}"/>
+      <thm15:themeFamily xmlns:thm15="http://schemas.microsoft.com/office/thememl/2012/main" xmlns="" name="Facet" id="{C0C680CD-088A-49FC-A102-D699147F32B2}" vid="{0B5AB586-D108-4FC1-8368-649FE654B894}"/>
     </a:ext>
   </a:extLst>
 </a:theme>
